--- a/JavaScript/picture/画图.pptx
+++ b/JavaScript/picture/画图.pptx
@@ -1,22 +1,25 @@
 
 <file path=ppt/presentation.xml><?xml version="1.0" encoding="utf-8"?>
-<p:presentation xmlns:a="http://schemas.openxmlformats.org/drawingml/2006/main" xmlns:r="http://schemas.openxmlformats.org/officeDocument/2006/relationships" xmlns:p="http://schemas.openxmlformats.org/presentationml/2006/main" saveSubsetFonts="1">
+<p:presentation xmlns:a="http://schemas.openxmlformats.org/drawingml/2006/main" xmlns:r="http://schemas.openxmlformats.org/officeDocument/2006/relationships" xmlns:p="http://schemas.openxmlformats.org/presentationml/2006/main">
   <p:sldMasterIdLst>
     <p:sldMasterId id="2147483648" r:id="rId1"/>
   </p:sldMasterIdLst>
   <p:sldIdLst>
-    <p:sldId id="262" r:id="rId2"/>
-    <p:sldId id="256" r:id="rId3"/>
-    <p:sldId id="258" r:id="rId4"/>
-    <p:sldId id="259" r:id="rId5"/>
-    <p:sldId id="260" r:id="rId6"/>
-    <p:sldId id="261" r:id="rId7"/>
-    <p:sldId id="257" r:id="rId8"/>
-    <p:sldId id="263" r:id="rId9"/>
-    <p:sldId id="264" r:id="rId10"/>
+    <p:sldId id="262" r:id="rId3"/>
+    <p:sldId id="256" r:id="rId4"/>
+    <p:sldId id="258" r:id="rId5"/>
+    <p:sldId id="259" r:id="rId6"/>
+    <p:sldId id="260" r:id="rId7"/>
+    <p:sldId id="261" r:id="rId8"/>
+    <p:sldId id="257" r:id="rId9"/>
+    <p:sldId id="263" r:id="rId10"/>
+    <p:sldId id="264" r:id="rId11"/>
   </p:sldIdLst>
   <p:sldSz cx="12192000" cy="6858000"/>
   <p:notesSz cx="6858000" cy="9144000"/>
+  <p:custDataLst>
+    <p:tags r:id="rId15"/>
+  </p:custDataLst>
   <p:defaultTextStyle>
     <a:defPPr>
       <a:defRPr lang="zh-CN"/>
@@ -112,11 +115,6 @@
       </a:defRPr>
     </a:lvl9pPr>
   </p:defaultTextStyle>
-  <p:extLst>
-    <p:ext uri="{EFAFB233-063F-42B5-8137-9DF3F51BA10A}">
-      <p15:sldGuideLst xmlns:p15="http://schemas.microsoft.com/office/powerpoint/2012/main"/>
-    </p:ext>
-  </p:extLst>
 </p:presentation>
 </file>
 
@@ -139,13 +137,7 @@
       </p:grpSpPr>
       <p:sp>
         <p:nvSpPr>
-          <p:cNvPr id="2" name="标题 1">
-            <a:extLst>
-              <a:ext uri="{FF2B5EF4-FFF2-40B4-BE49-F238E27FC236}">
-                <a16:creationId xmlns:a16="http://schemas.microsoft.com/office/drawing/2014/main" id="{FE62E0D9-37E9-48F3-AB16-4ADDAF4F2EB8}"/>
-              </a:ext>
-            </a:extLst>
-          </p:cNvPr>
+          <p:cNvPr id="2" name="标题 1"/>
           <p:cNvSpPr>
             <a:spLocks noGrp="1"/>
           </p:cNvSpPr>
@@ -171,18 +163,13 @@
               <a:rPr lang="zh-CN" altLang="en-US"/>
               <a:t>单击此处编辑母版标题样式</a:t>
             </a:r>
-          </a:p>
-        </p:txBody>
-      </p:sp>
-      <p:sp>
-        <p:nvSpPr>
-          <p:cNvPr id="3" name="副标题 2">
-            <a:extLst>
-              <a:ext uri="{FF2B5EF4-FFF2-40B4-BE49-F238E27FC236}">
-                <a16:creationId xmlns:a16="http://schemas.microsoft.com/office/drawing/2014/main" id="{C672C118-61AE-4D31-8855-0B8A6B1712AF}"/>
-              </a:ext>
-            </a:extLst>
-          </p:cNvPr>
+            <a:endParaRPr lang="zh-CN" altLang="en-US"/>
+          </a:p>
+        </p:txBody>
+      </p:sp>
+      <p:sp>
+        <p:nvSpPr>
+          <p:cNvPr id="3" name="副标题 2"/>
           <p:cNvSpPr>
             <a:spLocks noGrp="1"/>
           </p:cNvSpPr>
@@ -241,18 +228,13 @@
               <a:rPr lang="zh-CN" altLang="en-US"/>
               <a:t>单击此处编辑母版副标题样式</a:t>
             </a:r>
-          </a:p>
-        </p:txBody>
-      </p:sp>
-      <p:sp>
-        <p:nvSpPr>
-          <p:cNvPr id="4" name="日期占位符 3">
-            <a:extLst>
-              <a:ext uri="{FF2B5EF4-FFF2-40B4-BE49-F238E27FC236}">
-                <a16:creationId xmlns:a16="http://schemas.microsoft.com/office/drawing/2014/main" id="{6CDC9DC2-4CCB-4B40-93EB-42A904181197}"/>
-              </a:ext>
-            </a:extLst>
-          </p:cNvPr>
+            <a:endParaRPr lang="zh-CN" altLang="en-US"/>
+          </a:p>
+        </p:txBody>
+      </p:sp>
+      <p:sp>
+        <p:nvSpPr>
+          <p:cNvPr id="4" name="日期占位符 3"/>
           <p:cNvSpPr>
             <a:spLocks noGrp="1"/>
           </p:cNvSpPr>
@@ -267,7 +249,6 @@
           <a:p>
             <a:fld id="{CAFFCF04-498C-46CE-8588-C5EC3FA4854F}" type="datetimeFigureOut">
               <a:rPr lang="zh-CN" altLang="en-US" smtClean="0"/>
-              <a:t>2022/7/23</a:t>
             </a:fld>
             <a:endParaRPr lang="zh-CN" altLang="en-US"/>
           </a:p>
@@ -275,13 +256,7 @@
       </p:sp>
       <p:sp>
         <p:nvSpPr>
-          <p:cNvPr id="5" name="页脚占位符 4">
-            <a:extLst>
-              <a:ext uri="{FF2B5EF4-FFF2-40B4-BE49-F238E27FC236}">
-                <a16:creationId xmlns:a16="http://schemas.microsoft.com/office/drawing/2014/main" id="{BD08C2C3-9804-424D-8465-5EC093E434D8}"/>
-              </a:ext>
-            </a:extLst>
-          </p:cNvPr>
+          <p:cNvPr id="5" name="页脚占位符 4"/>
           <p:cNvSpPr>
             <a:spLocks noGrp="1"/>
           </p:cNvSpPr>
@@ -300,13 +275,7 @@
       </p:sp>
       <p:sp>
         <p:nvSpPr>
-          <p:cNvPr id="6" name="灯片编号占位符 5">
-            <a:extLst>
-              <a:ext uri="{FF2B5EF4-FFF2-40B4-BE49-F238E27FC236}">
-                <a16:creationId xmlns:a16="http://schemas.microsoft.com/office/drawing/2014/main" id="{F3FEB522-BF21-47C6-8A9A-93F1DE158571}"/>
-              </a:ext>
-            </a:extLst>
-          </p:cNvPr>
+          <p:cNvPr id="6" name="灯片编号占位符 5"/>
           <p:cNvSpPr>
             <a:spLocks noGrp="1"/>
           </p:cNvSpPr>
@@ -321,18 +290,12 @@
           <a:p>
             <a:fld id="{1CDC1B60-B646-4017-BD7D-A545F37C0578}" type="slidenum">
               <a:rPr lang="zh-CN" altLang="en-US" smtClean="0"/>
-              <a:t>‹#›</a:t>
             </a:fld>
             <a:endParaRPr lang="zh-CN" altLang="en-US"/>
           </a:p>
         </p:txBody>
       </p:sp>
     </p:spTree>
-    <p:extLst>
-      <p:ext uri="{BB962C8B-B14F-4D97-AF65-F5344CB8AC3E}">
-        <p14:creationId xmlns:p14="http://schemas.microsoft.com/office/powerpoint/2010/main" val="1924851488"/>
-      </p:ext>
-    </p:extLst>
   </p:cSld>
   <p:clrMapOvr>
     <a:masterClrMapping/>
@@ -359,13 +322,7 @@
       </p:grpSpPr>
       <p:sp>
         <p:nvSpPr>
-          <p:cNvPr id="2" name="标题 1">
-            <a:extLst>
-              <a:ext uri="{FF2B5EF4-FFF2-40B4-BE49-F238E27FC236}">
-                <a16:creationId xmlns:a16="http://schemas.microsoft.com/office/drawing/2014/main" id="{C1B293CD-D371-4530-847B-4CFF04124B1A}"/>
-              </a:ext>
-            </a:extLst>
-          </p:cNvPr>
+          <p:cNvPr id="2" name="标题 1"/>
           <p:cNvSpPr>
             <a:spLocks noGrp="1"/>
           </p:cNvSpPr>
@@ -382,18 +339,13 @@
               <a:rPr lang="zh-CN" altLang="en-US"/>
               <a:t>单击此处编辑母版标题样式</a:t>
             </a:r>
-          </a:p>
-        </p:txBody>
-      </p:sp>
-      <p:sp>
-        <p:nvSpPr>
-          <p:cNvPr id="3" name="竖排文字占位符 2">
-            <a:extLst>
-              <a:ext uri="{FF2B5EF4-FFF2-40B4-BE49-F238E27FC236}">
-                <a16:creationId xmlns:a16="http://schemas.microsoft.com/office/drawing/2014/main" id="{2897A27E-2CCF-41E1-94CB-9D8B9E25FA7F}"/>
-              </a:ext>
-            </a:extLst>
-          </p:cNvPr>
+            <a:endParaRPr lang="zh-CN" altLang="en-US"/>
+          </a:p>
+        </p:txBody>
+      </p:sp>
+      <p:sp>
+        <p:nvSpPr>
+          <p:cNvPr id="3" name="竖排文字占位符 2"/>
           <p:cNvSpPr>
             <a:spLocks noGrp="1"/>
           </p:cNvSpPr>
@@ -411,6 +363,7 @@
               <a:rPr lang="zh-CN" altLang="en-US"/>
               <a:t>单击此处编辑母版文本样式</a:t>
             </a:r>
+            <a:endParaRPr lang="zh-CN" altLang="en-US"/>
           </a:p>
           <a:p>
             <a:pPr lvl="1"/>
@@ -418,6 +371,7 @@
               <a:rPr lang="zh-CN" altLang="en-US"/>
               <a:t>二级</a:t>
             </a:r>
+            <a:endParaRPr lang="zh-CN" altLang="en-US"/>
           </a:p>
           <a:p>
             <a:pPr lvl="2"/>
@@ -425,6 +379,7 @@
               <a:rPr lang="zh-CN" altLang="en-US"/>
               <a:t>三级</a:t>
             </a:r>
+            <a:endParaRPr lang="zh-CN" altLang="en-US"/>
           </a:p>
           <a:p>
             <a:pPr lvl="3"/>
@@ -432,6 +387,7 @@
               <a:rPr lang="zh-CN" altLang="en-US"/>
               <a:t>四级</a:t>
             </a:r>
+            <a:endParaRPr lang="zh-CN" altLang="en-US"/>
           </a:p>
           <a:p>
             <a:pPr lvl="4"/>
@@ -439,18 +395,13 @@
               <a:rPr lang="zh-CN" altLang="en-US"/>
               <a:t>五级</a:t>
             </a:r>
-          </a:p>
-        </p:txBody>
-      </p:sp>
-      <p:sp>
-        <p:nvSpPr>
-          <p:cNvPr id="4" name="日期占位符 3">
-            <a:extLst>
-              <a:ext uri="{FF2B5EF4-FFF2-40B4-BE49-F238E27FC236}">
-                <a16:creationId xmlns:a16="http://schemas.microsoft.com/office/drawing/2014/main" id="{237010A4-EF08-48F1-BEA9-A63BA0282803}"/>
-              </a:ext>
-            </a:extLst>
-          </p:cNvPr>
+            <a:endParaRPr lang="zh-CN" altLang="en-US"/>
+          </a:p>
+        </p:txBody>
+      </p:sp>
+      <p:sp>
+        <p:nvSpPr>
+          <p:cNvPr id="4" name="日期占位符 3"/>
           <p:cNvSpPr>
             <a:spLocks noGrp="1"/>
           </p:cNvSpPr>
@@ -465,7 +416,6 @@
           <a:p>
             <a:fld id="{CAFFCF04-498C-46CE-8588-C5EC3FA4854F}" type="datetimeFigureOut">
               <a:rPr lang="zh-CN" altLang="en-US" smtClean="0"/>
-              <a:t>2022/7/23</a:t>
             </a:fld>
             <a:endParaRPr lang="zh-CN" altLang="en-US"/>
           </a:p>
@@ -473,13 +423,7 @@
       </p:sp>
       <p:sp>
         <p:nvSpPr>
-          <p:cNvPr id="5" name="页脚占位符 4">
-            <a:extLst>
-              <a:ext uri="{FF2B5EF4-FFF2-40B4-BE49-F238E27FC236}">
-                <a16:creationId xmlns:a16="http://schemas.microsoft.com/office/drawing/2014/main" id="{F2564CA3-53FC-4496-A5D7-8F12DC1A5AE2}"/>
-              </a:ext>
-            </a:extLst>
-          </p:cNvPr>
+          <p:cNvPr id="5" name="页脚占位符 4"/>
           <p:cNvSpPr>
             <a:spLocks noGrp="1"/>
           </p:cNvSpPr>
@@ -498,13 +442,7 @@
       </p:sp>
       <p:sp>
         <p:nvSpPr>
-          <p:cNvPr id="6" name="灯片编号占位符 5">
-            <a:extLst>
-              <a:ext uri="{FF2B5EF4-FFF2-40B4-BE49-F238E27FC236}">
-                <a16:creationId xmlns:a16="http://schemas.microsoft.com/office/drawing/2014/main" id="{2825FE80-A77A-4CC8-8065-1CE6E30CE5CC}"/>
-              </a:ext>
-            </a:extLst>
-          </p:cNvPr>
+          <p:cNvPr id="6" name="灯片编号占位符 5"/>
           <p:cNvSpPr>
             <a:spLocks noGrp="1"/>
           </p:cNvSpPr>
@@ -519,18 +457,12 @@
           <a:p>
             <a:fld id="{1CDC1B60-B646-4017-BD7D-A545F37C0578}" type="slidenum">
               <a:rPr lang="zh-CN" altLang="en-US" smtClean="0"/>
-              <a:t>‹#›</a:t>
             </a:fld>
             <a:endParaRPr lang="zh-CN" altLang="en-US"/>
           </a:p>
         </p:txBody>
       </p:sp>
     </p:spTree>
-    <p:extLst>
-      <p:ext uri="{BB962C8B-B14F-4D97-AF65-F5344CB8AC3E}">
-        <p14:creationId xmlns:p14="http://schemas.microsoft.com/office/powerpoint/2010/main" val="1945981095"/>
-      </p:ext>
-    </p:extLst>
   </p:cSld>
   <p:clrMapOvr>
     <a:masterClrMapping/>
@@ -557,13 +489,7 @@
       </p:grpSpPr>
       <p:sp>
         <p:nvSpPr>
-          <p:cNvPr id="2" name="竖排标题 1">
-            <a:extLst>
-              <a:ext uri="{FF2B5EF4-FFF2-40B4-BE49-F238E27FC236}">
-                <a16:creationId xmlns:a16="http://schemas.microsoft.com/office/drawing/2014/main" id="{703C1F8E-4120-4965-81DA-4632BB468A18}"/>
-              </a:ext>
-            </a:extLst>
-          </p:cNvPr>
+          <p:cNvPr id="2" name="竖排标题 1"/>
           <p:cNvSpPr>
             <a:spLocks noGrp="1"/>
           </p:cNvSpPr>
@@ -585,18 +511,13 @@
               <a:rPr lang="zh-CN" altLang="en-US"/>
               <a:t>单击此处编辑母版标题样式</a:t>
             </a:r>
-          </a:p>
-        </p:txBody>
-      </p:sp>
-      <p:sp>
-        <p:nvSpPr>
-          <p:cNvPr id="3" name="竖排文字占位符 2">
-            <a:extLst>
-              <a:ext uri="{FF2B5EF4-FFF2-40B4-BE49-F238E27FC236}">
-                <a16:creationId xmlns:a16="http://schemas.microsoft.com/office/drawing/2014/main" id="{20A9BD1E-FBAB-4FD3-B4E4-A36EA9592AC7}"/>
-              </a:ext>
-            </a:extLst>
-          </p:cNvPr>
+            <a:endParaRPr lang="zh-CN" altLang="en-US"/>
+          </a:p>
+        </p:txBody>
+      </p:sp>
+      <p:sp>
+        <p:nvSpPr>
+          <p:cNvPr id="3" name="竖排文字占位符 2"/>
           <p:cNvSpPr>
             <a:spLocks noGrp="1"/>
           </p:cNvSpPr>
@@ -619,6 +540,7 @@
               <a:rPr lang="zh-CN" altLang="en-US"/>
               <a:t>单击此处编辑母版文本样式</a:t>
             </a:r>
+            <a:endParaRPr lang="zh-CN" altLang="en-US"/>
           </a:p>
           <a:p>
             <a:pPr lvl="1"/>
@@ -626,6 +548,7 @@
               <a:rPr lang="zh-CN" altLang="en-US"/>
               <a:t>二级</a:t>
             </a:r>
+            <a:endParaRPr lang="zh-CN" altLang="en-US"/>
           </a:p>
           <a:p>
             <a:pPr lvl="2"/>
@@ -633,6 +556,7 @@
               <a:rPr lang="zh-CN" altLang="en-US"/>
               <a:t>三级</a:t>
             </a:r>
+            <a:endParaRPr lang="zh-CN" altLang="en-US"/>
           </a:p>
           <a:p>
             <a:pPr lvl="3"/>
@@ -640,6 +564,7 @@
               <a:rPr lang="zh-CN" altLang="en-US"/>
               <a:t>四级</a:t>
             </a:r>
+            <a:endParaRPr lang="zh-CN" altLang="en-US"/>
           </a:p>
           <a:p>
             <a:pPr lvl="4"/>
@@ -647,18 +572,13 @@
               <a:rPr lang="zh-CN" altLang="en-US"/>
               <a:t>五级</a:t>
             </a:r>
-          </a:p>
-        </p:txBody>
-      </p:sp>
-      <p:sp>
-        <p:nvSpPr>
-          <p:cNvPr id="4" name="日期占位符 3">
-            <a:extLst>
-              <a:ext uri="{FF2B5EF4-FFF2-40B4-BE49-F238E27FC236}">
-                <a16:creationId xmlns:a16="http://schemas.microsoft.com/office/drawing/2014/main" id="{5E744B2A-980D-42D3-9F55-FA852FE83E42}"/>
-              </a:ext>
-            </a:extLst>
-          </p:cNvPr>
+            <a:endParaRPr lang="zh-CN" altLang="en-US"/>
+          </a:p>
+        </p:txBody>
+      </p:sp>
+      <p:sp>
+        <p:nvSpPr>
+          <p:cNvPr id="4" name="日期占位符 3"/>
           <p:cNvSpPr>
             <a:spLocks noGrp="1"/>
           </p:cNvSpPr>
@@ -673,7 +593,6 @@
           <a:p>
             <a:fld id="{CAFFCF04-498C-46CE-8588-C5EC3FA4854F}" type="datetimeFigureOut">
               <a:rPr lang="zh-CN" altLang="en-US" smtClean="0"/>
-              <a:t>2022/7/23</a:t>
             </a:fld>
             <a:endParaRPr lang="zh-CN" altLang="en-US"/>
           </a:p>
@@ -681,13 +600,7 @@
       </p:sp>
       <p:sp>
         <p:nvSpPr>
-          <p:cNvPr id="5" name="页脚占位符 4">
-            <a:extLst>
-              <a:ext uri="{FF2B5EF4-FFF2-40B4-BE49-F238E27FC236}">
-                <a16:creationId xmlns:a16="http://schemas.microsoft.com/office/drawing/2014/main" id="{ABEEC4D7-8294-4281-8085-DBAAC5B88393}"/>
-              </a:ext>
-            </a:extLst>
-          </p:cNvPr>
+          <p:cNvPr id="5" name="页脚占位符 4"/>
           <p:cNvSpPr>
             <a:spLocks noGrp="1"/>
           </p:cNvSpPr>
@@ -706,13 +619,7 @@
       </p:sp>
       <p:sp>
         <p:nvSpPr>
-          <p:cNvPr id="6" name="灯片编号占位符 5">
-            <a:extLst>
-              <a:ext uri="{FF2B5EF4-FFF2-40B4-BE49-F238E27FC236}">
-                <a16:creationId xmlns:a16="http://schemas.microsoft.com/office/drawing/2014/main" id="{6B755C9C-2975-4335-B2C4-0670798DE186}"/>
-              </a:ext>
-            </a:extLst>
-          </p:cNvPr>
+          <p:cNvPr id="6" name="灯片编号占位符 5"/>
           <p:cNvSpPr>
             <a:spLocks noGrp="1"/>
           </p:cNvSpPr>
@@ -727,18 +634,12 @@
           <a:p>
             <a:fld id="{1CDC1B60-B646-4017-BD7D-A545F37C0578}" type="slidenum">
               <a:rPr lang="zh-CN" altLang="en-US" smtClean="0"/>
-              <a:t>‹#›</a:t>
             </a:fld>
             <a:endParaRPr lang="zh-CN" altLang="en-US"/>
           </a:p>
         </p:txBody>
       </p:sp>
     </p:spTree>
-    <p:extLst>
-      <p:ext uri="{BB962C8B-B14F-4D97-AF65-F5344CB8AC3E}">
-        <p14:creationId xmlns:p14="http://schemas.microsoft.com/office/powerpoint/2010/main" val="2532704659"/>
-      </p:ext>
-    </p:extLst>
   </p:cSld>
   <p:clrMapOvr>
     <a:masterClrMapping/>
@@ -765,13 +666,7 @@
       </p:grpSpPr>
       <p:sp>
         <p:nvSpPr>
-          <p:cNvPr id="2" name="标题 1">
-            <a:extLst>
-              <a:ext uri="{FF2B5EF4-FFF2-40B4-BE49-F238E27FC236}">
-                <a16:creationId xmlns:a16="http://schemas.microsoft.com/office/drawing/2014/main" id="{7F5ED599-6368-4115-9270-C4CD1AEC110E}"/>
-              </a:ext>
-            </a:extLst>
-          </p:cNvPr>
+          <p:cNvPr id="2" name="标题 1"/>
           <p:cNvSpPr>
             <a:spLocks noGrp="1"/>
           </p:cNvSpPr>
@@ -788,18 +683,13 @@
               <a:rPr lang="zh-CN" altLang="en-US"/>
               <a:t>单击此处编辑母版标题样式</a:t>
             </a:r>
-          </a:p>
-        </p:txBody>
-      </p:sp>
-      <p:sp>
-        <p:nvSpPr>
-          <p:cNvPr id="3" name="内容占位符 2">
-            <a:extLst>
-              <a:ext uri="{FF2B5EF4-FFF2-40B4-BE49-F238E27FC236}">
-                <a16:creationId xmlns:a16="http://schemas.microsoft.com/office/drawing/2014/main" id="{7F6B8E25-358F-497A-AB4B-BBADE7EA1C6D}"/>
-              </a:ext>
-            </a:extLst>
-          </p:cNvPr>
+            <a:endParaRPr lang="zh-CN" altLang="en-US"/>
+          </a:p>
+        </p:txBody>
+      </p:sp>
+      <p:sp>
+        <p:nvSpPr>
+          <p:cNvPr id="3" name="内容占位符 2"/>
           <p:cNvSpPr>
             <a:spLocks noGrp="1"/>
           </p:cNvSpPr>
@@ -817,6 +707,7 @@
               <a:rPr lang="zh-CN" altLang="en-US"/>
               <a:t>单击此处编辑母版文本样式</a:t>
             </a:r>
+            <a:endParaRPr lang="zh-CN" altLang="en-US"/>
           </a:p>
           <a:p>
             <a:pPr lvl="1"/>
@@ -824,6 +715,7 @@
               <a:rPr lang="zh-CN" altLang="en-US"/>
               <a:t>二级</a:t>
             </a:r>
+            <a:endParaRPr lang="zh-CN" altLang="en-US"/>
           </a:p>
           <a:p>
             <a:pPr lvl="2"/>
@@ -831,6 +723,7 @@
               <a:rPr lang="zh-CN" altLang="en-US"/>
               <a:t>三级</a:t>
             </a:r>
+            <a:endParaRPr lang="zh-CN" altLang="en-US"/>
           </a:p>
           <a:p>
             <a:pPr lvl="3"/>
@@ -838,6 +731,7 @@
               <a:rPr lang="zh-CN" altLang="en-US"/>
               <a:t>四级</a:t>
             </a:r>
+            <a:endParaRPr lang="zh-CN" altLang="en-US"/>
           </a:p>
           <a:p>
             <a:pPr lvl="4"/>
@@ -845,18 +739,13 @@
               <a:rPr lang="zh-CN" altLang="en-US"/>
               <a:t>五级</a:t>
             </a:r>
-          </a:p>
-        </p:txBody>
-      </p:sp>
-      <p:sp>
-        <p:nvSpPr>
-          <p:cNvPr id="4" name="日期占位符 3">
-            <a:extLst>
-              <a:ext uri="{FF2B5EF4-FFF2-40B4-BE49-F238E27FC236}">
-                <a16:creationId xmlns:a16="http://schemas.microsoft.com/office/drawing/2014/main" id="{C52A16F8-8CC9-4AFC-B335-EC67CB8CA44A}"/>
-              </a:ext>
-            </a:extLst>
-          </p:cNvPr>
+            <a:endParaRPr lang="zh-CN" altLang="en-US"/>
+          </a:p>
+        </p:txBody>
+      </p:sp>
+      <p:sp>
+        <p:nvSpPr>
+          <p:cNvPr id="4" name="日期占位符 3"/>
           <p:cNvSpPr>
             <a:spLocks noGrp="1"/>
           </p:cNvSpPr>
@@ -871,7 +760,6 @@
           <a:p>
             <a:fld id="{CAFFCF04-498C-46CE-8588-C5EC3FA4854F}" type="datetimeFigureOut">
               <a:rPr lang="zh-CN" altLang="en-US" smtClean="0"/>
-              <a:t>2022/7/23</a:t>
             </a:fld>
             <a:endParaRPr lang="zh-CN" altLang="en-US"/>
           </a:p>
@@ -879,13 +767,7 @@
       </p:sp>
       <p:sp>
         <p:nvSpPr>
-          <p:cNvPr id="5" name="页脚占位符 4">
-            <a:extLst>
-              <a:ext uri="{FF2B5EF4-FFF2-40B4-BE49-F238E27FC236}">
-                <a16:creationId xmlns:a16="http://schemas.microsoft.com/office/drawing/2014/main" id="{63D6AFB4-EB7A-47CB-B791-6EFFFAF4C9FC}"/>
-              </a:ext>
-            </a:extLst>
-          </p:cNvPr>
+          <p:cNvPr id="5" name="页脚占位符 4"/>
           <p:cNvSpPr>
             <a:spLocks noGrp="1"/>
           </p:cNvSpPr>
@@ -904,13 +786,7 @@
       </p:sp>
       <p:sp>
         <p:nvSpPr>
-          <p:cNvPr id="6" name="灯片编号占位符 5">
-            <a:extLst>
-              <a:ext uri="{FF2B5EF4-FFF2-40B4-BE49-F238E27FC236}">
-                <a16:creationId xmlns:a16="http://schemas.microsoft.com/office/drawing/2014/main" id="{F0F0751E-71C4-4431-9F00-17B024BFCB3B}"/>
-              </a:ext>
-            </a:extLst>
-          </p:cNvPr>
+          <p:cNvPr id="6" name="灯片编号占位符 5"/>
           <p:cNvSpPr>
             <a:spLocks noGrp="1"/>
           </p:cNvSpPr>
@@ -925,18 +801,12 @@
           <a:p>
             <a:fld id="{1CDC1B60-B646-4017-BD7D-A545F37C0578}" type="slidenum">
               <a:rPr lang="zh-CN" altLang="en-US" smtClean="0"/>
-              <a:t>‹#›</a:t>
             </a:fld>
             <a:endParaRPr lang="zh-CN" altLang="en-US"/>
           </a:p>
         </p:txBody>
       </p:sp>
     </p:spTree>
-    <p:extLst>
-      <p:ext uri="{BB962C8B-B14F-4D97-AF65-F5344CB8AC3E}">
-        <p14:creationId xmlns:p14="http://schemas.microsoft.com/office/powerpoint/2010/main" val="1129901208"/>
-      </p:ext>
-    </p:extLst>
   </p:cSld>
   <p:clrMapOvr>
     <a:masterClrMapping/>
@@ -963,13 +833,7 @@
       </p:grpSpPr>
       <p:sp>
         <p:nvSpPr>
-          <p:cNvPr id="2" name="标题 1">
-            <a:extLst>
-              <a:ext uri="{FF2B5EF4-FFF2-40B4-BE49-F238E27FC236}">
-                <a16:creationId xmlns:a16="http://schemas.microsoft.com/office/drawing/2014/main" id="{1A2A4CEC-F2D9-4D49-A100-B3C14D16E728}"/>
-              </a:ext>
-            </a:extLst>
-          </p:cNvPr>
+          <p:cNvPr id="2" name="标题 1"/>
           <p:cNvSpPr>
             <a:spLocks noGrp="1"/>
           </p:cNvSpPr>
@@ -995,18 +859,13 @@
               <a:rPr lang="zh-CN" altLang="en-US"/>
               <a:t>单击此处编辑母版标题样式</a:t>
             </a:r>
-          </a:p>
-        </p:txBody>
-      </p:sp>
-      <p:sp>
-        <p:nvSpPr>
-          <p:cNvPr id="3" name="文本占位符 2">
-            <a:extLst>
-              <a:ext uri="{FF2B5EF4-FFF2-40B4-BE49-F238E27FC236}">
-                <a16:creationId xmlns:a16="http://schemas.microsoft.com/office/drawing/2014/main" id="{BB1BC46E-9971-4465-A8C5-5895D10180EE}"/>
-              </a:ext>
-            </a:extLst>
-          </p:cNvPr>
+            <a:endParaRPr lang="zh-CN" altLang="en-US"/>
+          </a:p>
+        </p:txBody>
+      </p:sp>
+      <p:sp>
+        <p:nvSpPr>
+          <p:cNvPr id="3" name="文本占位符 2"/>
           <p:cNvSpPr>
             <a:spLocks noGrp="1"/>
           </p:cNvSpPr>
@@ -1120,18 +979,13 @@
               <a:rPr lang="zh-CN" altLang="en-US"/>
               <a:t>单击此处编辑母版文本样式</a:t>
             </a:r>
-          </a:p>
-        </p:txBody>
-      </p:sp>
-      <p:sp>
-        <p:nvSpPr>
-          <p:cNvPr id="4" name="日期占位符 3">
-            <a:extLst>
-              <a:ext uri="{FF2B5EF4-FFF2-40B4-BE49-F238E27FC236}">
-                <a16:creationId xmlns:a16="http://schemas.microsoft.com/office/drawing/2014/main" id="{9AD68B23-142A-4A45-9E8D-7B463448FEE5}"/>
-              </a:ext>
-            </a:extLst>
-          </p:cNvPr>
+            <a:endParaRPr lang="zh-CN" altLang="en-US"/>
+          </a:p>
+        </p:txBody>
+      </p:sp>
+      <p:sp>
+        <p:nvSpPr>
+          <p:cNvPr id="4" name="日期占位符 3"/>
           <p:cNvSpPr>
             <a:spLocks noGrp="1"/>
           </p:cNvSpPr>
@@ -1146,7 +1000,6 @@
           <a:p>
             <a:fld id="{CAFFCF04-498C-46CE-8588-C5EC3FA4854F}" type="datetimeFigureOut">
               <a:rPr lang="zh-CN" altLang="en-US" smtClean="0"/>
-              <a:t>2022/7/23</a:t>
             </a:fld>
             <a:endParaRPr lang="zh-CN" altLang="en-US"/>
           </a:p>
@@ -1154,13 +1007,7 @@
       </p:sp>
       <p:sp>
         <p:nvSpPr>
-          <p:cNvPr id="5" name="页脚占位符 4">
-            <a:extLst>
-              <a:ext uri="{FF2B5EF4-FFF2-40B4-BE49-F238E27FC236}">
-                <a16:creationId xmlns:a16="http://schemas.microsoft.com/office/drawing/2014/main" id="{41B649F3-5C77-4310-AA0D-DC7086F016C9}"/>
-              </a:ext>
-            </a:extLst>
-          </p:cNvPr>
+          <p:cNvPr id="5" name="页脚占位符 4"/>
           <p:cNvSpPr>
             <a:spLocks noGrp="1"/>
           </p:cNvSpPr>
@@ -1179,13 +1026,7 @@
       </p:sp>
       <p:sp>
         <p:nvSpPr>
-          <p:cNvPr id="6" name="灯片编号占位符 5">
-            <a:extLst>
-              <a:ext uri="{FF2B5EF4-FFF2-40B4-BE49-F238E27FC236}">
-                <a16:creationId xmlns:a16="http://schemas.microsoft.com/office/drawing/2014/main" id="{B1012425-4CCB-4055-A79C-AEB06A3B75E2}"/>
-              </a:ext>
-            </a:extLst>
-          </p:cNvPr>
+          <p:cNvPr id="6" name="灯片编号占位符 5"/>
           <p:cNvSpPr>
             <a:spLocks noGrp="1"/>
           </p:cNvSpPr>
@@ -1200,18 +1041,12 @@
           <a:p>
             <a:fld id="{1CDC1B60-B646-4017-BD7D-A545F37C0578}" type="slidenum">
               <a:rPr lang="zh-CN" altLang="en-US" smtClean="0"/>
-              <a:t>‹#›</a:t>
             </a:fld>
             <a:endParaRPr lang="zh-CN" altLang="en-US"/>
           </a:p>
         </p:txBody>
       </p:sp>
     </p:spTree>
-    <p:extLst>
-      <p:ext uri="{BB962C8B-B14F-4D97-AF65-F5344CB8AC3E}">
-        <p14:creationId xmlns:p14="http://schemas.microsoft.com/office/powerpoint/2010/main" val="2994817259"/>
-      </p:ext>
-    </p:extLst>
   </p:cSld>
   <p:clrMapOvr>
     <a:masterClrMapping/>
@@ -1238,13 +1073,7 @@
       </p:grpSpPr>
       <p:sp>
         <p:nvSpPr>
-          <p:cNvPr id="2" name="标题 1">
-            <a:extLst>
-              <a:ext uri="{FF2B5EF4-FFF2-40B4-BE49-F238E27FC236}">
-                <a16:creationId xmlns:a16="http://schemas.microsoft.com/office/drawing/2014/main" id="{117A33B2-CC2F-4431-AA9A-22A856BEC07E}"/>
-              </a:ext>
-            </a:extLst>
-          </p:cNvPr>
+          <p:cNvPr id="2" name="标题 1"/>
           <p:cNvSpPr>
             <a:spLocks noGrp="1"/>
           </p:cNvSpPr>
@@ -1261,18 +1090,13 @@
               <a:rPr lang="zh-CN" altLang="en-US"/>
               <a:t>单击此处编辑母版标题样式</a:t>
             </a:r>
-          </a:p>
-        </p:txBody>
-      </p:sp>
-      <p:sp>
-        <p:nvSpPr>
-          <p:cNvPr id="3" name="内容占位符 2">
-            <a:extLst>
-              <a:ext uri="{FF2B5EF4-FFF2-40B4-BE49-F238E27FC236}">
-                <a16:creationId xmlns:a16="http://schemas.microsoft.com/office/drawing/2014/main" id="{ED442AF2-13FC-4813-90B9-20EB707C2166}"/>
-              </a:ext>
-            </a:extLst>
-          </p:cNvPr>
+            <a:endParaRPr lang="zh-CN" altLang="en-US"/>
+          </a:p>
+        </p:txBody>
+      </p:sp>
+      <p:sp>
+        <p:nvSpPr>
+          <p:cNvPr id="3" name="内容占位符 2"/>
           <p:cNvSpPr>
             <a:spLocks noGrp="1"/>
           </p:cNvSpPr>
@@ -1295,6 +1119,7 @@
               <a:rPr lang="zh-CN" altLang="en-US"/>
               <a:t>单击此处编辑母版文本样式</a:t>
             </a:r>
+            <a:endParaRPr lang="zh-CN" altLang="en-US"/>
           </a:p>
           <a:p>
             <a:pPr lvl="1"/>
@@ -1302,6 +1127,7 @@
               <a:rPr lang="zh-CN" altLang="en-US"/>
               <a:t>二级</a:t>
             </a:r>
+            <a:endParaRPr lang="zh-CN" altLang="en-US"/>
           </a:p>
           <a:p>
             <a:pPr lvl="2"/>
@@ -1309,6 +1135,7 @@
               <a:rPr lang="zh-CN" altLang="en-US"/>
               <a:t>三级</a:t>
             </a:r>
+            <a:endParaRPr lang="zh-CN" altLang="en-US"/>
           </a:p>
           <a:p>
             <a:pPr lvl="3"/>
@@ -1316,6 +1143,7 @@
               <a:rPr lang="zh-CN" altLang="en-US"/>
               <a:t>四级</a:t>
             </a:r>
+            <a:endParaRPr lang="zh-CN" altLang="en-US"/>
           </a:p>
           <a:p>
             <a:pPr lvl="4"/>
@@ -1323,18 +1151,13 @@
               <a:rPr lang="zh-CN" altLang="en-US"/>
               <a:t>五级</a:t>
             </a:r>
-          </a:p>
-        </p:txBody>
-      </p:sp>
-      <p:sp>
-        <p:nvSpPr>
-          <p:cNvPr id="4" name="内容占位符 3">
-            <a:extLst>
-              <a:ext uri="{FF2B5EF4-FFF2-40B4-BE49-F238E27FC236}">
-                <a16:creationId xmlns:a16="http://schemas.microsoft.com/office/drawing/2014/main" id="{B37F459B-6A73-4A58-8359-9ECF104B1204}"/>
-              </a:ext>
-            </a:extLst>
-          </p:cNvPr>
+            <a:endParaRPr lang="zh-CN" altLang="en-US"/>
+          </a:p>
+        </p:txBody>
+      </p:sp>
+      <p:sp>
+        <p:nvSpPr>
+          <p:cNvPr id="4" name="内容占位符 3"/>
           <p:cNvSpPr>
             <a:spLocks noGrp="1"/>
           </p:cNvSpPr>
@@ -1357,6 +1180,7 @@
               <a:rPr lang="zh-CN" altLang="en-US"/>
               <a:t>单击此处编辑母版文本样式</a:t>
             </a:r>
+            <a:endParaRPr lang="zh-CN" altLang="en-US"/>
           </a:p>
           <a:p>
             <a:pPr lvl="1"/>
@@ -1364,6 +1188,7 @@
               <a:rPr lang="zh-CN" altLang="en-US"/>
               <a:t>二级</a:t>
             </a:r>
+            <a:endParaRPr lang="zh-CN" altLang="en-US"/>
           </a:p>
           <a:p>
             <a:pPr lvl="2"/>
@@ -1371,6 +1196,7 @@
               <a:rPr lang="zh-CN" altLang="en-US"/>
               <a:t>三级</a:t>
             </a:r>
+            <a:endParaRPr lang="zh-CN" altLang="en-US"/>
           </a:p>
           <a:p>
             <a:pPr lvl="3"/>
@@ -1378,6 +1204,7 @@
               <a:rPr lang="zh-CN" altLang="en-US"/>
               <a:t>四级</a:t>
             </a:r>
+            <a:endParaRPr lang="zh-CN" altLang="en-US"/>
           </a:p>
           <a:p>
             <a:pPr lvl="4"/>
@@ -1385,18 +1212,13 @@
               <a:rPr lang="zh-CN" altLang="en-US"/>
               <a:t>五级</a:t>
             </a:r>
-          </a:p>
-        </p:txBody>
-      </p:sp>
-      <p:sp>
-        <p:nvSpPr>
-          <p:cNvPr id="5" name="日期占位符 4">
-            <a:extLst>
-              <a:ext uri="{FF2B5EF4-FFF2-40B4-BE49-F238E27FC236}">
-                <a16:creationId xmlns:a16="http://schemas.microsoft.com/office/drawing/2014/main" id="{A86D7A61-E6F3-492F-9E40-38B5A4183FA2}"/>
-              </a:ext>
-            </a:extLst>
-          </p:cNvPr>
+            <a:endParaRPr lang="zh-CN" altLang="en-US"/>
+          </a:p>
+        </p:txBody>
+      </p:sp>
+      <p:sp>
+        <p:nvSpPr>
+          <p:cNvPr id="5" name="日期占位符 4"/>
           <p:cNvSpPr>
             <a:spLocks noGrp="1"/>
           </p:cNvSpPr>
@@ -1411,7 +1233,6 @@
           <a:p>
             <a:fld id="{CAFFCF04-498C-46CE-8588-C5EC3FA4854F}" type="datetimeFigureOut">
               <a:rPr lang="zh-CN" altLang="en-US" smtClean="0"/>
-              <a:t>2022/7/23</a:t>
             </a:fld>
             <a:endParaRPr lang="zh-CN" altLang="en-US"/>
           </a:p>
@@ -1419,13 +1240,7 @@
       </p:sp>
       <p:sp>
         <p:nvSpPr>
-          <p:cNvPr id="6" name="页脚占位符 5">
-            <a:extLst>
-              <a:ext uri="{FF2B5EF4-FFF2-40B4-BE49-F238E27FC236}">
-                <a16:creationId xmlns:a16="http://schemas.microsoft.com/office/drawing/2014/main" id="{513E2F5A-AF77-41BE-BAE6-F2F7D5B00C7C}"/>
-              </a:ext>
-            </a:extLst>
-          </p:cNvPr>
+          <p:cNvPr id="6" name="页脚占位符 5"/>
           <p:cNvSpPr>
             <a:spLocks noGrp="1"/>
           </p:cNvSpPr>
@@ -1444,13 +1259,7 @@
       </p:sp>
       <p:sp>
         <p:nvSpPr>
-          <p:cNvPr id="7" name="灯片编号占位符 6">
-            <a:extLst>
-              <a:ext uri="{FF2B5EF4-FFF2-40B4-BE49-F238E27FC236}">
-                <a16:creationId xmlns:a16="http://schemas.microsoft.com/office/drawing/2014/main" id="{4EB3E179-AC33-4FD8-858E-8F5797548782}"/>
-              </a:ext>
-            </a:extLst>
-          </p:cNvPr>
+          <p:cNvPr id="7" name="灯片编号占位符 6"/>
           <p:cNvSpPr>
             <a:spLocks noGrp="1"/>
           </p:cNvSpPr>
@@ -1465,18 +1274,12 @@
           <a:p>
             <a:fld id="{1CDC1B60-B646-4017-BD7D-A545F37C0578}" type="slidenum">
               <a:rPr lang="zh-CN" altLang="en-US" smtClean="0"/>
-              <a:t>‹#›</a:t>
             </a:fld>
             <a:endParaRPr lang="zh-CN" altLang="en-US"/>
           </a:p>
         </p:txBody>
       </p:sp>
     </p:spTree>
-    <p:extLst>
-      <p:ext uri="{BB962C8B-B14F-4D97-AF65-F5344CB8AC3E}">
-        <p14:creationId xmlns:p14="http://schemas.microsoft.com/office/powerpoint/2010/main" val="2446932317"/>
-      </p:ext>
-    </p:extLst>
   </p:cSld>
   <p:clrMapOvr>
     <a:masterClrMapping/>
@@ -1503,13 +1306,7 @@
       </p:grpSpPr>
       <p:sp>
         <p:nvSpPr>
-          <p:cNvPr id="2" name="标题 1">
-            <a:extLst>
-              <a:ext uri="{FF2B5EF4-FFF2-40B4-BE49-F238E27FC236}">
-                <a16:creationId xmlns:a16="http://schemas.microsoft.com/office/drawing/2014/main" id="{B6B73A49-0DD1-4600-9D74-DE6CAF850413}"/>
-              </a:ext>
-            </a:extLst>
-          </p:cNvPr>
+          <p:cNvPr id="2" name="标题 1"/>
           <p:cNvSpPr>
             <a:spLocks noGrp="1"/>
           </p:cNvSpPr>
@@ -1531,18 +1328,13 @@
               <a:rPr lang="zh-CN" altLang="en-US"/>
               <a:t>单击此处编辑母版标题样式</a:t>
             </a:r>
-          </a:p>
-        </p:txBody>
-      </p:sp>
-      <p:sp>
-        <p:nvSpPr>
-          <p:cNvPr id="3" name="文本占位符 2">
-            <a:extLst>
-              <a:ext uri="{FF2B5EF4-FFF2-40B4-BE49-F238E27FC236}">
-                <a16:creationId xmlns:a16="http://schemas.microsoft.com/office/drawing/2014/main" id="{5D537DC7-E58F-4A8C-8C26-24246738F221}"/>
-              </a:ext>
-            </a:extLst>
-          </p:cNvPr>
+            <a:endParaRPr lang="zh-CN" altLang="en-US"/>
+          </a:p>
+        </p:txBody>
+      </p:sp>
+      <p:sp>
+        <p:nvSpPr>
+          <p:cNvPr id="3" name="文本占位符 2"/>
           <p:cNvSpPr>
             <a:spLocks noGrp="1"/>
           </p:cNvSpPr>
@@ -1602,18 +1394,13 @@
               <a:rPr lang="zh-CN" altLang="en-US"/>
               <a:t>单击此处编辑母版文本样式</a:t>
             </a:r>
-          </a:p>
-        </p:txBody>
-      </p:sp>
-      <p:sp>
-        <p:nvSpPr>
-          <p:cNvPr id="4" name="内容占位符 3">
-            <a:extLst>
-              <a:ext uri="{FF2B5EF4-FFF2-40B4-BE49-F238E27FC236}">
-                <a16:creationId xmlns:a16="http://schemas.microsoft.com/office/drawing/2014/main" id="{C9B734BE-904F-4739-A283-FD141AAD05CB}"/>
-              </a:ext>
-            </a:extLst>
-          </p:cNvPr>
+            <a:endParaRPr lang="zh-CN" altLang="en-US"/>
+          </a:p>
+        </p:txBody>
+      </p:sp>
+      <p:sp>
+        <p:nvSpPr>
+          <p:cNvPr id="4" name="内容占位符 3"/>
           <p:cNvSpPr>
             <a:spLocks noGrp="1"/>
           </p:cNvSpPr>
@@ -1636,6 +1423,7 @@
               <a:rPr lang="zh-CN" altLang="en-US"/>
               <a:t>单击此处编辑母版文本样式</a:t>
             </a:r>
+            <a:endParaRPr lang="zh-CN" altLang="en-US"/>
           </a:p>
           <a:p>
             <a:pPr lvl="1"/>
@@ -1643,6 +1431,7 @@
               <a:rPr lang="zh-CN" altLang="en-US"/>
               <a:t>二级</a:t>
             </a:r>
+            <a:endParaRPr lang="zh-CN" altLang="en-US"/>
           </a:p>
           <a:p>
             <a:pPr lvl="2"/>
@@ -1650,6 +1439,7 @@
               <a:rPr lang="zh-CN" altLang="en-US"/>
               <a:t>三级</a:t>
             </a:r>
+            <a:endParaRPr lang="zh-CN" altLang="en-US"/>
           </a:p>
           <a:p>
             <a:pPr lvl="3"/>
@@ -1657,6 +1447,7 @@
               <a:rPr lang="zh-CN" altLang="en-US"/>
               <a:t>四级</a:t>
             </a:r>
+            <a:endParaRPr lang="zh-CN" altLang="en-US"/>
           </a:p>
           <a:p>
             <a:pPr lvl="4"/>
@@ -1664,18 +1455,13 @@
               <a:rPr lang="zh-CN" altLang="en-US"/>
               <a:t>五级</a:t>
             </a:r>
-          </a:p>
-        </p:txBody>
-      </p:sp>
-      <p:sp>
-        <p:nvSpPr>
-          <p:cNvPr id="5" name="文本占位符 4">
-            <a:extLst>
-              <a:ext uri="{FF2B5EF4-FFF2-40B4-BE49-F238E27FC236}">
-                <a16:creationId xmlns:a16="http://schemas.microsoft.com/office/drawing/2014/main" id="{B3F58834-C5FD-486E-939C-10661160EE64}"/>
-              </a:ext>
-            </a:extLst>
-          </p:cNvPr>
+            <a:endParaRPr lang="zh-CN" altLang="en-US"/>
+          </a:p>
+        </p:txBody>
+      </p:sp>
+      <p:sp>
+        <p:nvSpPr>
+          <p:cNvPr id="5" name="文本占位符 4"/>
           <p:cNvSpPr>
             <a:spLocks noGrp="1"/>
           </p:cNvSpPr>
@@ -1735,18 +1521,13 @@
               <a:rPr lang="zh-CN" altLang="en-US"/>
               <a:t>单击此处编辑母版文本样式</a:t>
             </a:r>
-          </a:p>
-        </p:txBody>
-      </p:sp>
-      <p:sp>
-        <p:nvSpPr>
-          <p:cNvPr id="6" name="内容占位符 5">
-            <a:extLst>
-              <a:ext uri="{FF2B5EF4-FFF2-40B4-BE49-F238E27FC236}">
-                <a16:creationId xmlns:a16="http://schemas.microsoft.com/office/drawing/2014/main" id="{47222859-9418-4C3E-91C5-BE957B8E5AE4}"/>
-              </a:ext>
-            </a:extLst>
-          </p:cNvPr>
+            <a:endParaRPr lang="zh-CN" altLang="en-US"/>
+          </a:p>
+        </p:txBody>
+      </p:sp>
+      <p:sp>
+        <p:nvSpPr>
+          <p:cNvPr id="6" name="内容占位符 5"/>
           <p:cNvSpPr>
             <a:spLocks noGrp="1"/>
           </p:cNvSpPr>
@@ -1769,6 +1550,7 @@
               <a:rPr lang="zh-CN" altLang="en-US"/>
               <a:t>单击此处编辑母版文本样式</a:t>
             </a:r>
+            <a:endParaRPr lang="zh-CN" altLang="en-US"/>
           </a:p>
           <a:p>
             <a:pPr lvl="1"/>
@@ -1776,6 +1558,7 @@
               <a:rPr lang="zh-CN" altLang="en-US"/>
               <a:t>二级</a:t>
             </a:r>
+            <a:endParaRPr lang="zh-CN" altLang="en-US"/>
           </a:p>
           <a:p>
             <a:pPr lvl="2"/>
@@ -1783,6 +1566,7 @@
               <a:rPr lang="zh-CN" altLang="en-US"/>
               <a:t>三级</a:t>
             </a:r>
+            <a:endParaRPr lang="zh-CN" altLang="en-US"/>
           </a:p>
           <a:p>
             <a:pPr lvl="3"/>
@@ -1790,6 +1574,7 @@
               <a:rPr lang="zh-CN" altLang="en-US"/>
               <a:t>四级</a:t>
             </a:r>
+            <a:endParaRPr lang="zh-CN" altLang="en-US"/>
           </a:p>
           <a:p>
             <a:pPr lvl="4"/>
@@ -1797,18 +1582,13 @@
               <a:rPr lang="zh-CN" altLang="en-US"/>
               <a:t>五级</a:t>
             </a:r>
-          </a:p>
-        </p:txBody>
-      </p:sp>
-      <p:sp>
-        <p:nvSpPr>
-          <p:cNvPr id="7" name="日期占位符 6">
-            <a:extLst>
-              <a:ext uri="{FF2B5EF4-FFF2-40B4-BE49-F238E27FC236}">
-                <a16:creationId xmlns:a16="http://schemas.microsoft.com/office/drawing/2014/main" id="{050E1935-0AB0-4E34-9EB7-43C91D714B16}"/>
-              </a:ext>
-            </a:extLst>
-          </p:cNvPr>
+            <a:endParaRPr lang="zh-CN" altLang="en-US"/>
+          </a:p>
+        </p:txBody>
+      </p:sp>
+      <p:sp>
+        <p:nvSpPr>
+          <p:cNvPr id="7" name="日期占位符 6"/>
           <p:cNvSpPr>
             <a:spLocks noGrp="1"/>
           </p:cNvSpPr>
@@ -1823,7 +1603,6 @@
           <a:p>
             <a:fld id="{CAFFCF04-498C-46CE-8588-C5EC3FA4854F}" type="datetimeFigureOut">
               <a:rPr lang="zh-CN" altLang="en-US" smtClean="0"/>
-              <a:t>2022/7/23</a:t>
             </a:fld>
             <a:endParaRPr lang="zh-CN" altLang="en-US"/>
           </a:p>
@@ -1831,13 +1610,7 @@
       </p:sp>
       <p:sp>
         <p:nvSpPr>
-          <p:cNvPr id="8" name="页脚占位符 7">
-            <a:extLst>
-              <a:ext uri="{FF2B5EF4-FFF2-40B4-BE49-F238E27FC236}">
-                <a16:creationId xmlns:a16="http://schemas.microsoft.com/office/drawing/2014/main" id="{49C67D76-4E90-41DB-8F74-08075C12BB26}"/>
-              </a:ext>
-            </a:extLst>
-          </p:cNvPr>
+          <p:cNvPr id="8" name="页脚占位符 7"/>
           <p:cNvSpPr>
             <a:spLocks noGrp="1"/>
           </p:cNvSpPr>
@@ -1856,13 +1629,7 @@
       </p:sp>
       <p:sp>
         <p:nvSpPr>
-          <p:cNvPr id="9" name="灯片编号占位符 8">
-            <a:extLst>
-              <a:ext uri="{FF2B5EF4-FFF2-40B4-BE49-F238E27FC236}">
-                <a16:creationId xmlns:a16="http://schemas.microsoft.com/office/drawing/2014/main" id="{5A7E2192-8119-4655-AA19-6E1E5346097B}"/>
-              </a:ext>
-            </a:extLst>
-          </p:cNvPr>
+          <p:cNvPr id="9" name="灯片编号占位符 8"/>
           <p:cNvSpPr>
             <a:spLocks noGrp="1"/>
           </p:cNvSpPr>
@@ -1877,18 +1644,12 @@
           <a:p>
             <a:fld id="{1CDC1B60-B646-4017-BD7D-A545F37C0578}" type="slidenum">
               <a:rPr lang="zh-CN" altLang="en-US" smtClean="0"/>
-              <a:t>‹#›</a:t>
             </a:fld>
             <a:endParaRPr lang="zh-CN" altLang="en-US"/>
           </a:p>
         </p:txBody>
       </p:sp>
     </p:spTree>
-    <p:extLst>
-      <p:ext uri="{BB962C8B-B14F-4D97-AF65-F5344CB8AC3E}">
-        <p14:creationId xmlns:p14="http://schemas.microsoft.com/office/powerpoint/2010/main" val="915123716"/>
-      </p:ext>
-    </p:extLst>
   </p:cSld>
   <p:clrMapOvr>
     <a:masterClrMapping/>
@@ -1915,13 +1676,7 @@
       </p:grpSpPr>
       <p:sp>
         <p:nvSpPr>
-          <p:cNvPr id="2" name="标题 1">
-            <a:extLst>
-              <a:ext uri="{FF2B5EF4-FFF2-40B4-BE49-F238E27FC236}">
-                <a16:creationId xmlns:a16="http://schemas.microsoft.com/office/drawing/2014/main" id="{C4A41B6A-C65E-4021-BED8-F6093E81EFD8}"/>
-              </a:ext>
-            </a:extLst>
-          </p:cNvPr>
+          <p:cNvPr id="2" name="标题 1"/>
           <p:cNvSpPr>
             <a:spLocks noGrp="1"/>
           </p:cNvSpPr>
@@ -1938,18 +1693,13 @@
               <a:rPr lang="zh-CN" altLang="en-US"/>
               <a:t>单击此处编辑母版标题样式</a:t>
             </a:r>
-          </a:p>
-        </p:txBody>
-      </p:sp>
-      <p:sp>
-        <p:nvSpPr>
-          <p:cNvPr id="3" name="日期占位符 2">
-            <a:extLst>
-              <a:ext uri="{FF2B5EF4-FFF2-40B4-BE49-F238E27FC236}">
-                <a16:creationId xmlns:a16="http://schemas.microsoft.com/office/drawing/2014/main" id="{5E8A6F8F-E8FA-44B0-9D8D-D65C1E9D14C7}"/>
-              </a:ext>
-            </a:extLst>
-          </p:cNvPr>
+            <a:endParaRPr lang="zh-CN" altLang="en-US"/>
+          </a:p>
+        </p:txBody>
+      </p:sp>
+      <p:sp>
+        <p:nvSpPr>
+          <p:cNvPr id="3" name="日期占位符 2"/>
           <p:cNvSpPr>
             <a:spLocks noGrp="1"/>
           </p:cNvSpPr>
@@ -1964,7 +1714,6 @@
           <a:p>
             <a:fld id="{CAFFCF04-498C-46CE-8588-C5EC3FA4854F}" type="datetimeFigureOut">
               <a:rPr lang="zh-CN" altLang="en-US" smtClean="0"/>
-              <a:t>2022/7/23</a:t>
             </a:fld>
             <a:endParaRPr lang="zh-CN" altLang="en-US"/>
           </a:p>
@@ -1972,13 +1721,7 @@
       </p:sp>
       <p:sp>
         <p:nvSpPr>
-          <p:cNvPr id="4" name="页脚占位符 3">
-            <a:extLst>
-              <a:ext uri="{FF2B5EF4-FFF2-40B4-BE49-F238E27FC236}">
-                <a16:creationId xmlns:a16="http://schemas.microsoft.com/office/drawing/2014/main" id="{3CAC6252-9120-47A2-BD29-9428E3361B21}"/>
-              </a:ext>
-            </a:extLst>
-          </p:cNvPr>
+          <p:cNvPr id="4" name="页脚占位符 3"/>
           <p:cNvSpPr>
             <a:spLocks noGrp="1"/>
           </p:cNvSpPr>
@@ -1997,13 +1740,7 @@
       </p:sp>
       <p:sp>
         <p:nvSpPr>
-          <p:cNvPr id="5" name="灯片编号占位符 4">
-            <a:extLst>
-              <a:ext uri="{FF2B5EF4-FFF2-40B4-BE49-F238E27FC236}">
-                <a16:creationId xmlns:a16="http://schemas.microsoft.com/office/drawing/2014/main" id="{FD01A080-55F8-4742-A0C1-38B907943821}"/>
-              </a:ext>
-            </a:extLst>
-          </p:cNvPr>
+          <p:cNvPr id="5" name="灯片编号占位符 4"/>
           <p:cNvSpPr>
             <a:spLocks noGrp="1"/>
           </p:cNvSpPr>
@@ -2018,18 +1755,12 @@
           <a:p>
             <a:fld id="{1CDC1B60-B646-4017-BD7D-A545F37C0578}" type="slidenum">
               <a:rPr lang="zh-CN" altLang="en-US" smtClean="0"/>
-              <a:t>‹#›</a:t>
             </a:fld>
             <a:endParaRPr lang="zh-CN" altLang="en-US"/>
           </a:p>
         </p:txBody>
       </p:sp>
     </p:spTree>
-    <p:extLst>
-      <p:ext uri="{BB962C8B-B14F-4D97-AF65-F5344CB8AC3E}">
-        <p14:creationId xmlns:p14="http://schemas.microsoft.com/office/powerpoint/2010/main" val="2778067183"/>
-      </p:ext>
-    </p:extLst>
   </p:cSld>
   <p:clrMapOvr>
     <a:masterClrMapping/>
@@ -2056,13 +1787,7 @@
       </p:grpSpPr>
       <p:sp>
         <p:nvSpPr>
-          <p:cNvPr id="2" name="日期占位符 1">
-            <a:extLst>
-              <a:ext uri="{FF2B5EF4-FFF2-40B4-BE49-F238E27FC236}">
-                <a16:creationId xmlns:a16="http://schemas.microsoft.com/office/drawing/2014/main" id="{62A6A4F0-7CFF-4945-80AC-06DCCA9EEA0D}"/>
-              </a:ext>
-            </a:extLst>
-          </p:cNvPr>
+          <p:cNvPr id="2" name="日期占位符 1"/>
           <p:cNvSpPr>
             <a:spLocks noGrp="1"/>
           </p:cNvSpPr>
@@ -2077,7 +1802,6 @@
           <a:p>
             <a:fld id="{CAFFCF04-498C-46CE-8588-C5EC3FA4854F}" type="datetimeFigureOut">
               <a:rPr lang="zh-CN" altLang="en-US" smtClean="0"/>
-              <a:t>2022/7/23</a:t>
             </a:fld>
             <a:endParaRPr lang="zh-CN" altLang="en-US"/>
           </a:p>
@@ -2085,13 +1809,7 @@
       </p:sp>
       <p:sp>
         <p:nvSpPr>
-          <p:cNvPr id="3" name="页脚占位符 2">
-            <a:extLst>
-              <a:ext uri="{FF2B5EF4-FFF2-40B4-BE49-F238E27FC236}">
-                <a16:creationId xmlns:a16="http://schemas.microsoft.com/office/drawing/2014/main" id="{BE8FE0D9-20EB-4B30-935B-4FA345FB3F66}"/>
-              </a:ext>
-            </a:extLst>
-          </p:cNvPr>
+          <p:cNvPr id="3" name="页脚占位符 2"/>
           <p:cNvSpPr>
             <a:spLocks noGrp="1"/>
           </p:cNvSpPr>
@@ -2110,13 +1828,7 @@
       </p:sp>
       <p:sp>
         <p:nvSpPr>
-          <p:cNvPr id="4" name="灯片编号占位符 3">
-            <a:extLst>
-              <a:ext uri="{FF2B5EF4-FFF2-40B4-BE49-F238E27FC236}">
-                <a16:creationId xmlns:a16="http://schemas.microsoft.com/office/drawing/2014/main" id="{78A54690-A694-4A63-9B30-8CCEA892FCF9}"/>
-              </a:ext>
-            </a:extLst>
-          </p:cNvPr>
+          <p:cNvPr id="4" name="灯片编号占位符 3"/>
           <p:cNvSpPr>
             <a:spLocks noGrp="1"/>
           </p:cNvSpPr>
@@ -2131,18 +1843,12 @@
           <a:p>
             <a:fld id="{1CDC1B60-B646-4017-BD7D-A545F37C0578}" type="slidenum">
               <a:rPr lang="zh-CN" altLang="en-US" smtClean="0"/>
-              <a:t>‹#›</a:t>
             </a:fld>
             <a:endParaRPr lang="zh-CN" altLang="en-US"/>
           </a:p>
         </p:txBody>
       </p:sp>
     </p:spTree>
-    <p:extLst>
-      <p:ext uri="{BB962C8B-B14F-4D97-AF65-F5344CB8AC3E}">
-        <p14:creationId xmlns:p14="http://schemas.microsoft.com/office/powerpoint/2010/main" val="475089987"/>
-      </p:ext>
-    </p:extLst>
   </p:cSld>
   <p:clrMapOvr>
     <a:masterClrMapping/>
@@ -2169,13 +1875,7 @@
       </p:grpSpPr>
       <p:sp>
         <p:nvSpPr>
-          <p:cNvPr id="2" name="标题 1">
-            <a:extLst>
-              <a:ext uri="{FF2B5EF4-FFF2-40B4-BE49-F238E27FC236}">
-                <a16:creationId xmlns:a16="http://schemas.microsoft.com/office/drawing/2014/main" id="{65CA4755-59B0-49A0-90EA-755F85C788D2}"/>
-              </a:ext>
-            </a:extLst>
-          </p:cNvPr>
+          <p:cNvPr id="2" name="标题 1"/>
           <p:cNvSpPr>
             <a:spLocks noGrp="1"/>
           </p:cNvSpPr>
@@ -2201,18 +1901,13 @@
               <a:rPr lang="zh-CN" altLang="en-US"/>
               <a:t>单击此处编辑母版标题样式</a:t>
             </a:r>
-          </a:p>
-        </p:txBody>
-      </p:sp>
-      <p:sp>
-        <p:nvSpPr>
-          <p:cNvPr id="3" name="内容占位符 2">
-            <a:extLst>
-              <a:ext uri="{FF2B5EF4-FFF2-40B4-BE49-F238E27FC236}">
-                <a16:creationId xmlns:a16="http://schemas.microsoft.com/office/drawing/2014/main" id="{1CF161AE-81A3-4387-BBD5-5084491EBE5E}"/>
-              </a:ext>
-            </a:extLst>
-          </p:cNvPr>
+            <a:endParaRPr lang="zh-CN" altLang="en-US"/>
+          </a:p>
+        </p:txBody>
+      </p:sp>
+      <p:sp>
+        <p:nvSpPr>
+          <p:cNvPr id="3" name="内容占位符 2"/>
           <p:cNvSpPr>
             <a:spLocks noGrp="1"/>
           </p:cNvSpPr>
@@ -2263,6 +1958,7 @@
               <a:rPr lang="zh-CN" altLang="en-US"/>
               <a:t>单击此处编辑母版文本样式</a:t>
             </a:r>
+            <a:endParaRPr lang="zh-CN" altLang="en-US"/>
           </a:p>
           <a:p>
             <a:pPr lvl="1"/>
@@ -2270,6 +1966,7 @@
               <a:rPr lang="zh-CN" altLang="en-US"/>
               <a:t>二级</a:t>
             </a:r>
+            <a:endParaRPr lang="zh-CN" altLang="en-US"/>
           </a:p>
           <a:p>
             <a:pPr lvl="2"/>
@@ -2277,6 +1974,7 @@
               <a:rPr lang="zh-CN" altLang="en-US"/>
               <a:t>三级</a:t>
             </a:r>
+            <a:endParaRPr lang="zh-CN" altLang="en-US"/>
           </a:p>
           <a:p>
             <a:pPr lvl="3"/>
@@ -2284,6 +1982,7 @@
               <a:rPr lang="zh-CN" altLang="en-US"/>
               <a:t>四级</a:t>
             </a:r>
+            <a:endParaRPr lang="zh-CN" altLang="en-US"/>
           </a:p>
           <a:p>
             <a:pPr lvl="4"/>
@@ -2291,18 +1990,13 @@
               <a:rPr lang="zh-CN" altLang="en-US"/>
               <a:t>五级</a:t>
             </a:r>
-          </a:p>
-        </p:txBody>
-      </p:sp>
-      <p:sp>
-        <p:nvSpPr>
-          <p:cNvPr id="4" name="文本占位符 3">
-            <a:extLst>
-              <a:ext uri="{FF2B5EF4-FFF2-40B4-BE49-F238E27FC236}">
-                <a16:creationId xmlns:a16="http://schemas.microsoft.com/office/drawing/2014/main" id="{1FEB5524-2F80-48D6-9E65-29835D2C7431}"/>
-              </a:ext>
-            </a:extLst>
-          </p:cNvPr>
+            <a:endParaRPr lang="zh-CN" altLang="en-US"/>
+          </a:p>
+        </p:txBody>
+      </p:sp>
+      <p:sp>
+        <p:nvSpPr>
+          <p:cNvPr id="4" name="文本占位符 3"/>
           <p:cNvSpPr>
             <a:spLocks noGrp="1"/>
           </p:cNvSpPr>
@@ -2362,18 +2056,13 @@
               <a:rPr lang="zh-CN" altLang="en-US"/>
               <a:t>单击此处编辑母版文本样式</a:t>
             </a:r>
-          </a:p>
-        </p:txBody>
-      </p:sp>
-      <p:sp>
-        <p:nvSpPr>
-          <p:cNvPr id="5" name="日期占位符 4">
-            <a:extLst>
-              <a:ext uri="{FF2B5EF4-FFF2-40B4-BE49-F238E27FC236}">
-                <a16:creationId xmlns:a16="http://schemas.microsoft.com/office/drawing/2014/main" id="{709F418A-A327-45ED-805B-E05CA71495A5}"/>
-              </a:ext>
-            </a:extLst>
-          </p:cNvPr>
+            <a:endParaRPr lang="zh-CN" altLang="en-US"/>
+          </a:p>
+        </p:txBody>
+      </p:sp>
+      <p:sp>
+        <p:nvSpPr>
+          <p:cNvPr id="5" name="日期占位符 4"/>
           <p:cNvSpPr>
             <a:spLocks noGrp="1"/>
           </p:cNvSpPr>
@@ -2388,7 +2077,6 @@
           <a:p>
             <a:fld id="{CAFFCF04-498C-46CE-8588-C5EC3FA4854F}" type="datetimeFigureOut">
               <a:rPr lang="zh-CN" altLang="en-US" smtClean="0"/>
-              <a:t>2022/7/23</a:t>
             </a:fld>
             <a:endParaRPr lang="zh-CN" altLang="en-US"/>
           </a:p>
@@ -2396,13 +2084,7 @@
       </p:sp>
       <p:sp>
         <p:nvSpPr>
-          <p:cNvPr id="6" name="页脚占位符 5">
-            <a:extLst>
-              <a:ext uri="{FF2B5EF4-FFF2-40B4-BE49-F238E27FC236}">
-                <a16:creationId xmlns:a16="http://schemas.microsoft.com/office/drawing/2014/main" id="{B950344E-2915-4956-A0CD-BAFB9D2DF2C2}"/>
-              </a:ext>
-            </a:extLst>
-          </p:cNvPr>
+          <p:cNvPr id="6" name="页脚占位符 5"/>
           <p:cNvSpPr>
             <a:spLocks noGrp="1"/>
           </p:cNvSpPr>
@@ -2421,13 +2103,7 @@
       </p:sp>
       <p:sp>
         <p:nvSpPr>
-          <p:cNvPr id="7" name="灯片编号占位符 6">
-            <a:extLst>
-              <a:ext uri="{FF2B5EF4-FFF2-40B4-BE49-F238E27FC236}">
-                <a16:creationId xmlns:a16="http://schemas.microsoft.com/office/drawing/2014/main" id="{21B0D620-0699-41ED-90AE-BFC036D9DE09}"/>
-              </a:ext>
-            </a:extLst>
-          </p:cNvPr>
+          <p:cNvPr id="7" name="灯片编号占位符 6"/>
           <p:cNvSpPr>
             <a:spLocks noGrp="1"/>
           </p:cNvSpPr>
@@ -2442,18 +2118,12 @@
           <a:p>
             <a:fld id="{1CDC1B60-B646-4017-BD7D-A545F37C0578}" type="slidenum">
               <a:rPr lang="zh-CN" altLang="en-US" smtClean="0"/>
-              <a:t>‹#›</a:t>
             </a:fld>
             <a:endParaRPr lang="zh-CN" altLang="en-US"/>
           </a:p>
         </p:txBody>
       </p:sp>
     </p:spTree>
-    <p:extLst>
-      <p:ext uri="{BB962C8B-B14F-4D97-AF65-F5344CB8AC3E}">
-        <p14:creationId xmlns:p14="http://schemas.microsoft.com/office/powerpoint/2010/main" val="2501658076"/>
-      </p:ext>
-    </p:extLst>
   </p:cSld>
   <p:clrMapOvr>
     <a:masterClrMapping/>
@@ -2480,13 +2150,7 @@
       </p:grpSpPr>
       <p:sp>
         <p:nvSpPr>
-          <p:cNvPr id="2" name="标题 1">
-            <a:extLst>
-              <a:ext uri="{FF2B5EF4-FFF2-40B4-BE49-F238E27FC236}">
-                <a16:creationId xmlns:a16="http://schemas.microsoft.com/office/drawing/2014/main" id="{6D6A798C-DB29-464A-9ABB-1DDEC5698D47}"/>
-              </a:ext>
-            </a:extLst>
-          </p:cNvPr>
+          <p:cNvPr id="2" name="标题 1"/>
           <p:cNvSpPr>
             <a:spLocks noGrp="1"/>
           </p:cNvSpPr>
@@ -2512,18 +2176,13 @@
               <a:rPr lang="zh-CN" altLang="en-US"/>
               <a:t>单击此处编辑母版标题样式</a:t>
             </a:r>
-          </a:p>
-        </p:txBody>
-      </p:sp>
-      <p:sp>
-        <p:nvSpPr>
-          <p:cNvPr id="3" name="图片占位符 2">
-            <a:extLst>
-              <a:ext uri="{FF2B5EF4-FFF2-40B4-BE49-F238E27FC236}">
-                <a16:creationId xmlns:a16="http://schemas.microsoft.com/office/drawing/2014/main" id="{F03485A4-DF18-4B48-A991-F2C3EC98A4F9}"/>
-              </a:ext>
-            </a:extLst>
-          </p:cNvPr>
+            <a:endParaRPr lang="zh-CN" altLang="en-US"/>
+          </a:p>
+        </p:txBody>
+      </p:sp>
+      <p:sp>
+        <p:nvSpPr>
+          <p:cNvPr id="3" name="图片占位符 2"/>
           <p:cNvSpPr>
             <a:spLocks noGrp="1"/>
           </p:cNvSpPr>
@@ -2584,13 +2243,7 @@
       </p:sp>
       <p:sp>
         <p:nvSpPr>
-          <p:cNvPr id="4" name="文本占位符 3">
-            <a:extLst>
-              <a:ext uri="{FF2B5EF4-FFF2-40B4-BE49-F238E27FC236}">
-                <a16:creationId xmlns:a16="http://schemas.microsoft.com/office/drawing/2014/main" id="{273D6597-1101-42B7-BEC4-59ECE3DA3C7A}"/>
-              </a:ext>
-            </a:extLst>
-          </p:cNvPr>
+          <p:cNvPr id="4" name="文本占位符 3"/>
           <p:cNvSpPr>
             <a:spLocks noGrp="1"/>
           </p:cNvSpPr>
@@ -2650,18 +2303,13 @@
               <a:rPr lang="zh-CN" altLang="en-US"/>
               <a:t>单击此处编辑母版文本样式</a:t>
             </a:r>
-          </a:p>
-        </p:txBody>
-      </p:sp>
-      <p:sp>
-        <p:nvSpPr>
-          <p:cNvPr id="5" name="日期占位符 4">
-            <a:extLst>
-              <a:ext uri="{FF2B5EF4-FFF2-40B4-BE49-F238E27FC236}">
-                <a16:creationId xmlns:a16="http://schemas.microsoft.com/office/drawing/2014/main" id="{27A5B1F0-658E-434A-AD0D-03B8937C50F1}"/>
-              </a:ext>
-            </a:extLst>
-          </p:cNvPr>
+            <a:endParaRPr lang="zh-CN" altLang="en-US"/>
+          </a:p>
+        </p:txBody>
+      </p:sp>
+      <p:sp>
+        <p:nvSpPr>
+          <p:cNvPr id="5" name="日期占位符 4"/>
           <p:cNvSpPr>
             <a:spLocks noGrp="1"/>
           </p:cNvSpPr>
@@ -2676,7 +2324,6 @@
           <a:p>
             <a:fld id="{CAFFCF04-498C-46CE-8588-C5EC3FA4854F}" type="datetimeFigureOut">
               <a:rPr lang="zh-CN" altLang="en-US" smtClean="0"/>
-              <a:t>2022/7/23</a:t>
             </a:fld>
             <a:endParaRPr lang="zh-CN" altLang="en-US"/>
           </a:p>
@@ -2684,13 +2331,7 @@
       </p:sp>
       <p:sp>
         <p:nvSpPr>
-          <p:cNvPr id="6" name="页脚占位符 5">
-            <a:extLst>
-              <a:ext uri="{FF2B5EF4-FFF2-40B4-BE49-F238E27FC236}">
-                <a16:creationId xmlns:a16="http://schemas.microsoft.com/office/drawing/2014/main" id="{F08B3A3C-52C6-47CF-B270-2759C4A7D303}"/>
-              </a:ext>
-            </a:extLst>
-          </p:cNvPr>
+          <p:cNvPr id="6" name="页脚占位符 5"/>
           <p:cNvSpPr>
             <a:spLocks noGrp="1"/>
           </p:cNvSpPr>
@@ -2709,13 +2350,7 @@
       </p:sp>
       <p:sp>
         <p:nvSpPr>
-          <p:cNvPr id="7" name="灯片编号占位符 6">
-            <a:extLst>
-              <a:ext uri="{FF2B5EF4-FFF2-40B4-BE49-F238E27FC236}">
-                <a16:creationId xmlns:a16="http://schemas.microsoft.com/office/drawing/2014/main" id="{ECAA1F28-FEAD-49A4-BBD5-4D7D2A0A7443}"/>
-              </a:ext>
-            </a:extLst>
-          </p:cNvPr>
+          <p:cNvPr id="7" name="灯片编号占位符 6"/>
           <p:cNvSpPr>
             <a:spLocks noGrp="1"/>
           </p:cNvSpPr>
@@ -2730,18 +2365,12 @@
           <a:p>
             <a:fld id="{1CDC1B60-B646-4017-BD7D-A545F37C0578}" type="slidenum">
               <a:rPr lang="zh-CN" altLang="en-US" smtClean="0"/>
-              <a:t>‹#›</a:t>
             </a:fld>
             <a:endParaRPr lang="zh-CN" altLang="en-US"/>
           </a:p>
         </p:txBody>
       </p:sp>
     </p:spTree>
-    <p:extLst>
-      <p:ext uri="{BB962C8B-B14F-4D97-AF65-F5344CB8AC3E}">
-        <p14:creationId xmlns:p14="http://schemas.microsoft.com/office/powerpoint/2010/main" val="3593586648"/>
-      </p:ext>
-    </p:extLst>
   </p:cSld>
   <p:clrMapOvr>
     <a:masterClrMapping/>
@@ -2773,13 +2402,7 @@
       </p:grpSpPr>
       <p:sp>
         <p:nvSpPr>
-          <p:cNvPr id="2" name="标题占位符 1">
-            <a:extLst>
-              <a:ext uri="{FF2B5EF4-FFF2-40B4-BE49-F238E27FC236}">
-                <a16:creationId xmlns:a16="http://schemas.microsoft.com/office/drawing/2014/main" id="{8B804F3C-0AC7-4182-B97A-0DAC4154C241}"/>
-              </a:ext>
-            </a:extLst>
-          </p:cNvPr>
+          <p:cNvPr id="2" name="标题占位符 1"/>
           <p:cNvSpPr>
             <a:spLocks noGrp="1"/>
           </p:cNvSpPr>
@@ -2806,18 +2429,13 @@
               <a:rPr lang="zh-CN" altLang="en-US"/>
               <a:t>单击此处编辑母版标题样式</a:t>
             </a:r>
-          </a:p>
-        </p:txBody>
-      </p:sp>
-      <p:sp>
-        <p:nvSpPr>
-          <p:cNvPr id="3" name="文本占位符 2">
-            <a:extLst>
-              <a:ext uri="{FF2B5EF4-FFF2-40B4-BE49-F238E27FC236}">
-                <a16:creationId xmlns:a16="http://schemas.microsoft.com/office/drawing/2014/main" id="{6630A2BB-AA7E-47CB-82FA-C058B9D7314D}"/>
-              </a:ext>
-            </a:extLst>
-          </p:cNvPr>
+            <a:endParaRPr lang="zh-CN" altLang="en-US"/>
+          </a:p>
+        </p:txBody>
+      </p:sp>
+      <p:sp>
+        <p:nvSpPr>
+          <p:cNvPr id="3" name="文本占位符 2"/>
           <p:cNvSpPr>
             <a:spLocks noGrp="1"/>
           </p:cNvSpPr>
@@ -2845,6 +2463,7 @@
               <a:rPr lang="zh-CN" altLang="en-US"/>
               <a:t>单击此处编辑母版文本样式</a:t>
             </a:r>
+            <a:endParaRPr lang="zh-CN" altLang="en-US"/>
           </a:p>
           <a:p>
             <a:pPr lvl="1"/>
@@ -2852,6 +2471,7 @@
               <a:rPr lang="zh-CN" altLang="en-US"/>
               <a:t>二级</a:t>
             </a:r>
+            <a:endParaRPr lang="zh-CN" altLang="en-US"/>
           </a:p>
           <a:p>
             <a:pPr lvl="2"/>
@@ -2859,6 +2479,7 @@
               <a:rPr lang="zh-CN" altLang="en-US"/>
               <a:t>三级</a:t>
             </a:r>
+            <a:endParaRPr lang="zh-CN" altLang="en-US"/>
           </a:p>
           <a:p>
             <a:pPr lvl="3"/>
@@ -2866,6 +2487,7 @@
               <a:rPr lang="zh-CN" altLang="en-US"/>
               <a:t>四级</a:t>
             </a:r>
+            <a:endParaRPr lang="zh-CN" altLang="en-US"/>
           </a:p>
           <a:p>
             <a:pPr lvl="4"/>
@@ -2873,18 +2495,13 @@
               <a:rPr lang="zh-CN" altLang="en-US"/>
               <a:t>五级</a:t>
             </a:r>
-          </a:p>
-        </p:txBody>
-      </p:sp>
-      <p:sp>
-        <p:nvSpPr>
-          <p:cNvPr id="4" name="日期占位符 3">
-            <a:extLst>
-              <a:ext uri="{FF2B5EF4-FFF2-40B4-BE49-F238E27FC236}">
-                <a16:creationId xmlns:a16="http://schemas.microsoft.com/office/drawing/2014/main" id="{86F00ABF-144E-407E-8147-9BC0D1CA988F}"/>
-              </a:ext>
-            </a:extLst>
-          </p:cNvPr>
+            <a:endParaRPr lang="zh-CN" altLang="en-US"/>
+          </a:p>
+        </p:txBody>
+      </p:sp>
+      <p:sp>
+        <p:nvSpPr>
+          <p:cNvPr id="4" name="日期占位符 3"/>
           <p:cNvSpPr>
             <a:spLocks noGrp="1"/>
           </p:cNvSpPr>
@@ -2917,7 +2534,6 @@
           <a:p>
             <a:fld id="{CAFFCF04-498C-46CE-8588-C5EC3FA4854F}" type="datetimeFigureOut">
               <a:rPr lang="zh-CN" altLang="en-US" smtClean="0"/>
-              <a:t>2022/7/23</a:t>
             </a:fld>
             <a:endParaRPr lang="zh-CN" altLang="en-US"/>
           </a:p>
@@ -2925,13 +2541,7 @@
       </p:sp>
       <p:sp>
         <p:nvSpPr>
-          <p:cNvPr id="5" name="页脚占位符 4">
-            <a:extLst>
-              <a:ext uri="{FF2B5EF4-FFF2-40B4-BE49-F238E27FC236}">
-                <a16:creationId xmlns:a16="http://schemas.microsoft.com/office/drawing/2014/main" id="{601C9155-642C-452A-B36D-264F800531E9}"/>
-              </a:ext>
-            </a:extLst>
-          </p:cNvPr>
+          <p:cNvPr id="5" name="页脚占位符 4"/>
           <p:cNvSpPr>
             <a:spLocks noGrp="1"/>
           </p:cNvSpPr>
@@ -2968,13 +2578,7 @@
       </p:sp>
       <p:sp>
         <p:nvSpPr>
-          <p:cNvPr id="6" name="灯片编号占位符 5">
-            <a:extLst>
-              <a:ext uri="{FF2B5EF4-FFF2-40B4-BE49-F238E27FC236}">
-                <a16:creationId xmlns:a16="http://schemas.microsoft.com/office/drawing/2014/main" id="{7B061936-1611-407F-BD60-9025D02D1915}"/>
-              </a:ext>
-            </a:extLst>
-          </p:cNvPr>
+          <p:cNvPr id="6" name="灯片编号占位符 5"/>
           <p:cNvSpPr>
             <a:spLocks noGrp="1"/>
           </p:cNvSpPr>
@@ -3007,18 +2611,12 @@
           <a:p>
             <a:fld id="{1CDC1B60-B646-4017-BD7D-A545F37C0578}" type="slidenum">
               <a:rPr lang="zh-CN" altLang="en-US" smtClean="0"/>
-              <a:t>‹#›</a:t>
             </a:fld>
             <a:endParaRPr lang="zh-CN" altLang="en-US"/>
           </a:p>
         </p:txBody>
       </p:sp>
     </p:spTree>
-    <p:extLst>
-      <p:ext uri="{BB962C8B-B14F-4D97-AF65-F5344CB8AC3E}">
-        <p14:creationId xmlns:p14="http://schemas.microsoft.com/office/powerpoint/2010/main" val="986422742"/>
-      </p:ext>
-    </p:extLst>
   </p:cSld>
   <p:clrMap bg1="lt1" tx1="dk1" bg2="lt2" tx2="dk2" accent1="accent1" accent2="accent2" accent3="accent3" accent4="accent4" accent5="accent5" accent6="accent6" hlink="hlink" folHlink="folHlink"/>
   <p:sldLayoutIdLst>
@@ -3336,13 +2934,7 @@
       </p:grpSpPr>
       <p:sp>
         <p:nvSpPr>
-          <p:cNvPr id="4" name="矩形: 圆角 3">
-            <a:extLst>
-              <a:ext uri="{FF2B5EF4-FFF2-40B4-BE49-F238E27FC236}">
-                <a16:creationId xmlns:a16="http://schemas.microsoft.com/office/drawing/2014/main" id="{D6A965D0-B228-401D-92B2-4D5939E12A16}"/>
-              </a:ext>
-            </a:extLst>
-          </p:cNvPr>
+          <p:cNvPr id="4" name="矩形: 圆角 3"/>
           <p:cNvSpPr/>
           <p:nvPr/>
         </p:nvSpPr>
@@ -3386,13 +2978,7 @@
       </p:sp>
       <p:sp>
         <p:nvSpPr>
-          <p:cNvPr id="5" name="文本框 4">
-            <a:extLst>
-              <a:ext uri="{FF2B5EF4-FFF2-40B4-BE49-F238E27FC236}">
-                <a16:creationId xmlns:a16="http://schemas.microsoft.com/office/drawing/2014/main" id="{85E51EFE-A08D-4E6E-A4A1-9A7512C8F9AA}"/>
-              </a:ext>
-            </a:extLst>
-          </p:cNvPr>
+          <p:cNvPr id="5" name="文本框 4"/>
           <p:cNvSpPr txBox="1"/>
           <p:nvPr/>
         </p:nvSpPr>
@@ -3420,18 +3006,13 @@
               <a:rPr lang="zh-CN" altLang="en-US" sz="1400" dirty="0"/>
               <a:t>状态</a:t>
             </a:r>
-          </a:p>
-        </p:txBody>
-      </p:sp>
-      <p:sp>
-        <p:nvSpPr>
-          <p:cNvPr id="6" name="流程图: 决策 5">
-            <a:extLst>
-              <a:ext uri="{FF2B5EF4-FFF2-40B4-BE49-F238E27FC236}">
-                <a16:creationId xmlns:a16="http://schemas.microsoft.com/office/drawing/2014/main" id="{DA079C42-EBBD-4163-8914-001D98EFEB8D}"/>
-              </a:ext>
-            </a:extLst>
-          </p:cNvPr>
+            <a:endParaRPr lang="zh-CN" altLang="en-US" sz="1400" dirty="0"/>
+          </a:p>
+        </p:txBody>
+      </p:sp>
+      <p:sp>
+        <p:nvSpPr>
+          <p:cNvPr id="6" name="流程图: 决策 5"/>
           <p:cNvSpPr/>
           <p:nvPr/>
         </p:nvSpPr>
@@ -3469,18 +3050,13 @@
               <a:rPr lang="zh-CN" altLang="en-US" sz="1400" dirty="0"/>
               <a:t>执行异步操作</a:t>
             </a:r>
-          </a:p>
-        </p:txBody>
-      </p:sp>
-      <p:sp>
-        <p:nvSpPr>
-          <p:cNvPr id="7" name="矩形: 圆角 6">
-            <a:extLst>
-              <a:ext uri="{FF2B5EF4-FFF2-40B4-BE49-F238E27FC236}">
-                <a16:creationId xmlns:a16="http://schemas.microsoft.com/office/drawing/2014/main" id="{FE04A408-0E26-4B2E-9882-F2543EA34A8A}"/>
-              </a:ext>
-            </a:extLst>
-          </p:cNvPr>
+            <a:endParaRPr lang="zh-CN" altLang="en-US" sz="1400" dirty="0"/>
+          </a:p>
+        </p:txBody>
+      </p:sp>
+      <p:sp>
+        <p:nvSpPr>
+          <p:cNvPr id="7" name="矩形: 圆角 6"/>
           <p:cNvSpPr/>
           <p:nvPr/>
         </p:nvSpPr>
@@ -3528,13 +3104,7 @@
       </p:sp>
       <p:sp>
         <p:nvSpPr>
-          <p:cNvPr id="8" name="矩形: 圆角 7">
-            <a:extLst>
-              <a:ext uri="{FF2B5EF4-FFF2-40B4-BE49-F238E27FC236}">
-                <a16:creationId xmlns:a16="http://schemas.microsoft.com/office/drawing/2014/main" id="{A017027A-5491-4663-B852-D0C3EF755E43}"/>
-              </a:ext>
-            </a:extLst>
-          </p:cNvPr>
+          <p:cNvPr id="8" name="矩形: 圆角 7"/>
           <p:cNvSpPr/>
           <p:nvPr/>
         </p:nvSpPr>
@@ -3585,13 +3155,7 @@
       </p:sp>
       <p:sp>
         <p:nvSpPr>
-          <p:cNvPr id="9" name="矩形: 圆角 8">
-            <a:extLst>
-              <a:ext uri="{FF2B5EF4-FFF2-40B4-BE49-F238E27FC236}">
-                <a16:creationId xmlns:a16="http://schemas.microsoft.com/office/drawing/2014/main" id="{E080D0F4-9AC7-44D1-8A0F-62F695FACDC0}"/>
-              </a:ext>
-            </a:extLst>
-          </p:cNvPr>
+          <p:cNvPr id="9" name="矩形: 圆角 8"/>
           <p:cNvSpPr/>
           <p:nvPr/>
         </p:nvSpPr>
@@ -3639,13 +3203,7 @@
       </p:sp>
       <p:sp>
         <p:nvSpPr>
-          <p:cNvPr id="10" name="矩形: 圆角 9">
-            <a:extLst>
-              <a:ext uri="{FF2B5EF4-FFF2-40B4-BE49-F238E27FC236}">
-                <a16:creationId xmlns:a16="http://schemas.microsoft.com/office/drawing/2014/main" id="{DD1B0A35-5937-41DE-B861-AFE267A0C4E8}"/>
-              </a:ext>
-            </a:extLst>
-          </p:cNvPr>
+          <p:cNvPr id="10" name="矩形: 圆角 9"/>
           <p:cNvSpPr/>
           <p:nvPr/>
         </p:nvSpPr>
@@ -3693,13 +3251,7 @@
       </p:sp>
       <p:sp>
         <p:nvSpPr>
-          <p:cNvPr id="11" name="文本框 10">
-            <a:extLst>
-              <a:ext uri="{FF2B5EF4-FFF2-40B4-BE49-F238E27FC236}">
-                <a16:creationId xmlns:a16="http://schemas.microsoft.com/office/drawing/2014/main" id="{60D5B949-5C92-4EEE-8335-C506F0A8D998}"/>
-              </a:ext>
-            </a:extLst>
-          </p:cNvPr>
+          <p:cNvPr id="11" name="文本框 10"/>
           <p:cNvSpPr txBox="1"/>
           <p:nvPr/>
         </p:nvSpPr>
@@ -3727,18 +3279,13 @@
               <a:rPr lang="zh-CN" altLang="en-US" sz="1400" dirty="0"/>
               <a:t>状态</a:t>
             </a:r>
-          </a:p>
-        </p:txBody>
-      </p:sp>
-      <p:sp>
-        <p:nvSpPr>
-          <p:cNvPr id="12" name="文本框 11">
-            <a:extLst>
-              <a:ext uri="{FF2B5EF4-FFF2-40B4-BE49-F238E27FC236}">
-                <a16:creationId xmlns:a16="http://schemas.microsoft.com/office/drawing/2014/main" id="{C3BFB31D-36E4-4A9C-804D-0B7F958C83FE}"/>
-              </a:ext>
-            </a:extLst>
-          </p:cNvPr>
+            <a:endParaRPr lang="zh-CN" altLang="en-US" sz="1400" dirty="0"/>
+          </a:p>
+        </p:txBody>
+      </p:sp>
+      <p:sp>
+        <p:nvSpPr>
+          <p:cNvPr id="12" name="文本框 11"/>
           <p:cNvSpPr txBox="1"/>
           <p:nvPr/>
         </p:nvSpPr>
@@ -3766,18 +3313,13 @@
               <a:rPr lang="zh-CN" altLang="en-US" sz="1400" dirty="0"/>
               <a:t>状态</a:t>
             </a:r>
-          </a:p>
-        </p:txBody>
-      </p:sp>
-      <p:sp>
-        <p:nvSpPr>
-          <p:cNvPr id="13" name="文本框 12">
-            <a:extLst>
-              <a:ext uri="{FF2B5EF4-FFF2-40B4-BE49-F238E27FC236}">
-                <a16:creationId xmlns:a16="http://schemas.microsoft.com/office/drawing/2014/main" id="{672B60CD-499D-4953-965D-F25B39908598}"/>
-              </a:ext>
-            </a:extLst>
-          </p:cNvPr>
+            <a:endParaRPr lang="zh-CN" altLang="en-US" sz="1400" dirty="0"/>
+          </a:p>
+        </p:txBody>
+      </p:sp>
+      <p:sp>
+        <p:nvSpPr>
+          <p:cNvPr id="13" name="文本框 12"/>
           <p:cNvSpPr txBox="1"/>
           <p:nvPr/>
         </p:nvSpPr>
@@ -3808,13 +3350,7 @@
       </p:sp>
       <p:sp>
         <p:nvSpPr>
-          <p:cNvPr id="14" name="文本框 13">
-            <a:extLst>
-              <a:ext uri="{FF2B5EF4-FFF2-40B4-BE49-F238E27FC236}">
-                <a16:creationId xmlns:a16="http://schemas.microsoft.com/office/drawing/2014/main" id="{A8609A3C-510D-40A3-B24F-64833A9C4D1C}"/>
-              </a:ext>
-            </a:extLst>
-          </p:cNvPr>
+          <p:cNvPr id="14" name="文本框 13"/>
           <p:cNvSpPr txBox="1"/>
           <p:nvPr/>
         </p:nvSpPr>
@@ -3845,13 +3381,7 @@
       </p:sp>
       <p:sp>
         <p:nvSpPr>
-          <p:cNvPr id="15" name="矩形: 圆角 14">
-            <a:extLst>
-              <a:ext uri="{FF2B5EF4-FFF2-40B4-BE49-F238E27FC236}">
-                <a16:creationId xmlns:a16="http://schemas.microsoft.com/office/drawing/2014/main" id="{AB53C55D-7042-4841-AD36-47800F7E8EED}"/>
-              </a:ext>
-            </a:extLst>
-          </p:cNvPr>
+          <p:cNvPr id="15" name="矩形: 圆角 14"/>
           <p:cNvSpPr/>
           <p:nvPr/>
         </p:nvSpPr>
@@ -3900,21 +3430,14 @@
               <a:rPr lang="zh-CN" altLang="en-US" sz="1400" dirty="0"/>
               <a:t>对象</a:t>
             </a:r>
+            <a:endParaRPr lang="zh-CN" altLang="en-US" sz="1400" dirty="0"/>
           </a:p>
         </p:txBody>
       </p:sp>
       <p:cxnSp>
         <p:nvCxnSpPr>
-          <p:cNvPr id="17" name="直接箭头连接符 16">
-            <a:extLst>
-              <a:ext uri="{FF2B5EF4-FFF2-40B4-BE49-F238E27FC236}">
-                <a16:creationId xmlns:a16="http://schemas.microsoft.com/office/drawing/2014/main" id="{DDB83997-01B9-4409-92AC-FFA89F8A76F7}"/>
-              </a:ext>
-            </a:extLst>
-          </p:cNvPr>
-          <p:cNvCxnSpPr>
-            <a:cxnSpLocks/>
-          </p:cNvCxnSpPr>
+          <p:cNvPr id="17" name="直接箭头连接符 16"/>
+          <p:cNvCxnSpPr/>
           <p:nvPr/>
         </p:nvCxnSpPr>
         <p:spPr>
@@ -3946,15 +3469,8 @@
       </p:cxnSp>
       <p:cxnSp>
         <p:nvCxnSpPr>
-          <p:cNvPr id="20" name="直接箭头连接符 19">
-            <a:extLst>
-              <a:ext uri="{FF2B5EF4-FFF2-40B4-BE49-F238E27FC236}">
-                <a16:creationId xmlns:a16="http://schemas.microsoft.com/office/drawing/2014/main" id="{7C6508BE-0E40-409A-95EC-60A571FB9A22}"/>
-              </a:ext>
-            </a:extLst>
-          </p:cNvPr>
+          <p:cNvPr id="20" name="直接箭头连接符 19"/>
           <p:cNvCxnSpPr>
-            <a:cxnSpLocks/>
             <a:stCxn id="6" idx="3"/>
             <a:endCxn id="7" idx="1"/>
           </p:cNvCxnSpPr>
@@ -3989,15 +3505,8 @@
       </p:cxnSp>
       <p:cxnSp>
         <p:nvCxnSpPr>
-          <p:cNvPr id="23" name="直接箭头连接符 22">
-            <a:extLst>
-              <a:ext uri="{FF2B5EF4-FFF2-40B4-BE49-F238E27FC236}">
-                <a16:creationId xmlns:a16="http://schemas.microsoft.com/office/drawing/2014/main" id="{3663EFA8-D870-4FA3-B487-B41B2F2A9A71}"/>
-              </a:ext>
-            </a:extLst>
-          </p:cNvPr>
+          <p:cNvPr id="23" name="直接箭头连接符 22"/>
           <p:cNvCxnSpPr>
-            <a:cxnSpLocks/>
             <a:stCxn id="6" idx="3"/>
             <a:endCxn id="8" idx="1"/>
           </p:cNvCxnSpPr>
@@ -4032,15 +3541,8 @@
       </p:cxnSp>
       <p:cxnSp>
         <p:nvCxnSpPr>
-          <p:cNvPr id="26" name="直接箭头连接符 25">
-            <a:extLst>
-              <a:ext uri="{FF2B5EF4-FFF2-40B4-BE49-F238E27FC236}">
-                <a16:creationId xmlns:a16="http://schemas.microsoft.com/office/drawing/2014/main" id="{F4B61A46-7342-4513-96F4-A4DEE201B94A}"/>
-              </a:ext>
-            </a:extLst>
-          </p:cNvPr>
+          <p:cNvPr id="26" name="直接箭头连接符 25"/>
           <p:cNvCxnSpPr>
-            <a:cxnSpLocks/>
             <a:stCxn id="7" idx="3"/>
             <a:endCxn id="9" idx="1"/>
           </p:cNvCxnSpPr>
@@ -4075,15 +3577,8 @@
       </p:cxnSp>
       <p:cxnSp>
         <p:nvCxnSpPr>
-          <p:cNvPr id="29" name="直接箭头连接符 28">
-            <a:extLst>
-              <a:ext uri="{FF2B5EF4-FFF2-40B4-BE49-F238E27FC236}">
-                <a16:creationId xmlns:a16="http://schemas.microsoft.com/office/drawing/2014/main" id="{07A7EB87-4E94-4231-801C-0EA21531AEEA}"/>
-              </a:ext>
-            </a:extLst>
-          </p:cNvPr>
+          <p:cNvPr id="29" name="直接箭头连接符 28"/>
           <p:cNvCxnSpPr>
-            <a:cxnSpLocks/>
             <a:stCxn id="8" idx="3"/>
             <a:endCxn id="10" idx="1"/>
           </p:cNvCxnSpPr>
@@ -4118,15 +3613,8 @@
       </p:cxnSp>
       <p:cxnSp>
         <p:nvCxnSpPr>
-          <p:cNvPr id="32" name="直接箭头连接符 31">
-            <a:extLst>
-              <a:ext uri="{FF2B5EF4-FFF2-40B4-BE49-F238E27FC236}">
-                <a16:creationId xmlns:a16="http://schemas.microsoft.com/office/drawing/2014/main" id="{D6D59B4E-54CD-4213-99CA-D67E97B1E5C5}"/>
-              </a:ext>
-            </a:extLst>
-          </p:cNvPr>
+          <p:cNvPr id="32" name="直接箭头连接符 31"/>
           <p:cNvCxnSpPr>
-            <a:cxnSpLocks/>
             <a:stCxn id="9" idx="3"/>
             <a:endCxn id="15" idx="1"/>
           </p:cNvCxnSpPr>
@@ -4161,15 +3649,8 @@
       </p:cxnSp>
       <p:cxnSp>
         <p:nvCxnSpPr>
-          <p:cNvPr id="35" name="直接箭头连接符 34">
-            <a:extLst>
-              <a:ext uri="{FF2B5EF4-FFF2-40B4-BE49-F238E27FC236}">
-                <a16:creationId xmlns:a16="http://schemas.microsoft.com/office/drawing/2014/main" id="{17C37C7C-B0C7-4F9B-B014-BA30C87A7539}"/>
-              </a:ext>
-            </a:extLst>
-          </p:cNvPr>
+          <p:cNvPr id="35" name="直接箭头连接符 34"/>
           <p:cNvCxnSpPr>
-            <a:cxnSpLocks/>
             <a:stCxn id="10" idx="3"/>
             <a:endCxn id="15" idx="1"/>
           </p:cNvCxnSpPr>
@@ -4204,13 +3685,7 @@
       </p:cxnSp>
       <p:sp>
         <p:nvSpPr>
-          <p:cNvPr id="38" name="文本框 37">
-            <a:extLst>
-              <a:ext uri="{FF2B5EF4-FFF2-40B4-BE49-F238E27FC236}">
-                <a16:creationId xmlns:a16="http://schemas.microsoft.com/office/drawing/2014/main" id="{3DA5D65F-2621-42CF-9DB8-85CE8E756287}"/>
-              </a:ext>
-            </a:extLst>
-          </p:cNvPr>
+          <p:cNvPr id="38" name="文本框 37"/>
           <p:cNvSpPr txBox="1"/>
           <p:nvPr/>
         </p:nvSpPr>
@@ -4234,18 +3709,13 @@
               <a:rPr lang="zh-CN" altLang="en-US" sz="1400" dirty="0"/>
               <a:t>成功</a:t>
             </a:r>
-          </a:p>
-        </p:txBody>
-      </p:sp>
-      <p:sp>
-        <p:nvSpPr>
-          <p:cNvPr id="39" name="文本框 38">
-            <a:extLst>
-              <a:ext uri="{FF2B5EF4-FFF2-40B4-BE49-F238E27FC236}">
-                <a16:creationId xmlns:a16="http://schemas.microsoft.com/office/drawing/2014/main" id="{61AF398B-BFDC-4BCC-893E-F5F32BA7E115}"/>
-              </a:ext>
-            </a:extLst>
-          </p:cNvPr>
+            <a:endParaRPr lang="zh-CN" altLang="en-US" sz="1400" dirty="0"/>
+          </a:p>
+        </p:txBody>
+      </p:sp>
+      <p:sp>
+        <p:nvSpPr>
+          <p:cNvPr id="39" name="文本框 38"/>
           <p:cNvSpPr txBox="1"/>
           <p:nvPr/>
         </p:nvSpPr>
@@ -4269,18 +3739,13 @@
               <a:rPr lang="zh-CN" altLang="en-US" sz="1400" dirty="0"/>
               <a:t>失败</a:t>
             </a:r>
-          </a:p>
-        </p:txBody>
-      </p:sp>
-      <p:sp>
-        <p:nvSpPr>
-          <p:cNvPr id="40" name="文本框 39">
-            <a:extLst>
-              <a:ext uri="{FF2B5EF4-FFF2-40B4-BE49-F238E27FC236}">
-                <a16:creationId xmlns:a16="http://schemas.microsoft.com/office/drawing/2014/main" id="{181FC1DA-62AB-48DA-871F-E4722BA1C8B2}"/>
-              </a:ext>
-            </a:extLst>
-          </p:cNvPr>
+            <a:endParaRPr lang="zh-CN" altLang="en-US" sz="1400" dirty="0"/>
+          </a:p>
+        </p:txBody>
+      </p:sp>
+      <p:sp>
+        <p:nvSpPr>
+          <p:cNvPr id="40" name="文本框 39"/>
           <p:cNvSpPr txBox="1"/>
           <p:nvPr/>
         </p:nvSpPr>
@@ -4308,18 +3773,13 @@
               <a:rPr lang="zh-CN" altLang="en-US" sz="1400" dirty="0"/>
               <a:t>对象</a:t>
             </a:r>
-          </a:p>
-        </p:txBody>
-      </p:sp>
-      <p:sp>
-        <p:nvSpPr>
-          <p:cNvPr id="41" name="文本框 40">
-            <a:extLst>
-              <a:ext uri="{FF2B5EF4-FFF2-40B4-BE49-F238E27FC236}">
-                <a16:creationId xmlns:a16="http://schemas.microsoft.com/office/drawing/2014/main" id="{7BB279EE-B081-4FD6-85C6-DDE9DA96045B}"/>
-              </a:ext>
-            </a:extLst>
-          </p:cNvPr>
+            <a:endParaRPr lang="zh-CN" altLang="en-US" sz="1400" dirty="0"/>
+          </a:p>
+        </p:txBody>
+      </p:sp>
+      <p:sp>
+        <p:nvSpPr>
+          <p:cNvPr id="41" name="文本框 40"/>
           <p:cNvSpPr txBox="1"/>
           <p:nvPr/>
         </p:nvSpPr>
@@ -4347,18 +3807,13 @@
               <a:rPr lang="zh-CN" altLang="en-US" sz="1400" dirty="0"/>
               <a:t>对象</a:t>
             </a:r>
-          </a:p>
-        </p:txBody>
-      </p:sp>
-      <p:sp>
-        <p:nvSpPr>
-          <p:cNvPr id="43" name="文本框 42">
-            <a:extLst>
-              <a:ext uri="{FF2B5EF4-FFF2-40B4-BE49-F238E27FC236}">
-                <a16:creationId xmlns:a16="http://schemas.microsoft.com/office/drawing/2014/main" id="{B18BD38E-3939-4860-A705-AAD24264D06A}"/>
-              </a:ext>
-            </a:extLst>
-          </p:cNvPr>
+            <a:endParaRPr lang="zh-CN" altLang="en-US" sz="1400" dirty="0"/>
+          </a:p>
+        </p:txBody>
+      </p:sp>
+      <p:sp>
+        <p:nvSpPr>
+          <p:cNvPr id="43" name="文本框 42"/>
           <p:cNvSpPr txBox="1"/>
           <p:nvPr/>
         </p:nvSpPr>
@@ -4382,15 +3837,11 @@
               <a:rPr lang="zh-CN" altLang="en-US" sz="1400" dirty="0"/>
               <a:t>返回</a:t>
             </a:r>
+            <a:endParaRPr lang="zh-CN" altLang="en-US" sz="1400" dirty="0"/>
           </a:p>
         </p:txBody>
       </p:sp>
     </p:spTree>
-    <p:extLst>
-      <p:ext uri="{BB962C8B-B14F-4D97-AF65-F5344CB8AC3E}">
-        <p14:creationId xmlns:p14="http://schemas.microsoft.com/office/powerpoint/2010/main" val="2286302414"/>
-      </p:ext>
-    </p:extLst>
   </p:cSld>
   <p:clrMapOvr>
     <a:masterClrMapping/>
@@ -4417,13 +3868,7 @@
       </p:grpSpPr>
       <p:sp>
         <p:nvSpPr>
-          <p:cNvPr id="4" name="矩形: 圆角 3">
-            <a:extLst>
-              <a:ext uri="{FF2B5EF4-FFF2-40B4-BE49-F238E27FC236}">
-                <a16:creationId xmlns:a16="http://schemas.microsoft.com/office/drawing/2014/main" id="{1C07B429-86AF-47B6-9883-CA42CAD33FF5}"/>
-              </a:ext>
-            </a:extLst>
-          </p:cNvPr>
+          <p:cNvPr id="4" name="矩形: 圆角 3"/>
           <p:cNvSpPr/>
           <p:nvPr/>
         </p:nvSpPr>
@@ -4471,13 +3916,7 @@
       </p:sp>
       <p:sp>
         <p:nvSpPr>
-          <p:cNvPr id="5" name="矩形: 圆角 4">
-            <a:extLst>
-              <a:ext uri="{FF2B5EF4-FFF2-40B4-BE49-F238E27FC236}">
-                <a16:creationId xmlns:a16="http://schemas.microsoft.com/office/drawing/2014/main" id="{2F49EA96-F357-44F6-B9AB-43AEBB788CC0}"/>
-              </a:ext>
-            </a:extLst>
-          </p:cNvPr>
+          <p:cNvPr id="5" name="矩形: 圆角 4"/>
           <p:cNvSpPr/>
           <p:nvPr/>
         </p:nvSpPr>
@@ -4529,13 +3968,7 @@
       </p:sp>
       <p:cxnSp>
         <p:nvCxnSpPr>
-          <p:cNvPr id="8" name="直接箭头连接符 7">
-            <a:extLst>
-              <a:ext uri="{FF2B5EF4-FFF2-40B4-BE49-F238E27FC236}">
-                <a16:creationId xmlns:a16="http://schemas.microsoft.com/office/drawing/2014/main" id="{FC2EFD0A-0E46-409E-B412-87FD17FF9A33}"/>
-              </a:ext>
-            </a:extLst>
-          </p:cNvPr>
+          <p:cNvPr id="8" name="直接箭头连接符 7"/>
           <p:cNvCxnSpPr/>
           <p:nvPr/>
         </p:nvCxnSpPr>
@@ -4568,13 +4001,7 @@
       </p:cxnSp>
       <p:sp>
         <p:nvSpPr>
-          <p:cNvPr id="9" name="文本框 8">
-            <a:extLst>
-              <a:ext uri="{FF2B5EF4-FFF2-40B4-BE49-F238E27FC236}">
-                <a16:creationId xmlns:a16="http://schemas.microsoft.com/office/drawing/2014/main" id="{7D808FFB-99B1-4D21-B8E6-F6E2926FD753}"/>
-              </a:ext>
-            </a:extLst>
-          </p:cNvPr>
+          <p:cNvPr id="9" name="文本框 8"/>
           <p:cNvSpPr txBox="1"/>
           <p:nvPr/>
         </p:nvSpPr>
@@ -4604,13 +4031,7 @@
       </p:sp>
       <p:sp>
         <p:nvSpPr>
-          <p:cNvPr id="10" name="文本框 9">
-            <a:extLst>
-              <a:ext uri="{FF2B5EF4-FFF2-40B4-BE49-F238E27FC236}">
-                <a16:creationId xmlns:a16="http://schemas.microsoft.com/office/drawing/2014/main" id="{F225615E-A438-41F6-9EB9-A40CFF745165}"/>
-              </a:ext>
-            </a:extLst>
-          </p:cNvPr>
+          <p:cNvPr id="10" name="文本框 9"/>
           <p:cNvSpPr txBox="1"/>
           <p:nvPr/>
         </p:nvSpPr>
@@ -4640,13 +4061,7 @@
       </p:sp>
       <p:cxnSp>
         <p:nvCxnSpPr>
-          <p:cNvPr id="11" name="直接箭头连接符 10">
-            <a:extLst>
-              <a:ext uri="{FF2B5EF4-FFF2-40B4-BE49-F238E27FC236}">
-                <a16:creationId xmlns:a16="http://schemas.microsoft.com/office/drawing/2014/main" id="{BE0A7279-8E12-4A05-BDAA-BF8273EE2449}"/>
-              </a:ext>
-            </a:extLst>
-          </p:cNvPr>
+          <p:cNvPr id="11" name="直接箭头连接符 10"/>
           <p:cNvCxnSpPr/>
           <p:nvPr/>
         </p:nvCxnSpPr>
@@ -4680,16 +4095,8 @@
       </p:cxnSp>
       <p:cxnSp>
         <p:nvCxnSpPr>
-          <p:cNvPr id="12" name="直接箭头连接符 11">
-            <a:extLst>
-              <a:ext uri="{FF2B5EF4-FFF2-40B4-BE49-F238E27FC236}">
-                <a16:creationId xmlns:a16="http://schemas.microsoft.com/office/drawing/2014/main" id="{06108BE1-CA1E-4AE7-877C-39B92AF92852}"/>
-              </a:ext>
-            </a:extLst>
-          </p:cNvPr>
-          <p:cNvCxnSpPr>
-            <a:cxnSpLocks/>
-          </p:cNvCxnSpPr>
+          <p:cNvPr id="12" name="直接箭头连接符 11"/>
+          <p:cNvCxnSpPr/>
           <p:nvPr/>
         </p:nvCxnSpPr>
         <p:spPr>
@@ -4721,13 +4128,7 @@
       </p:cxnSp>
       <p:sp>
         <p:nvSpPr>
-          <p:cNvPr id="14" name="文本框 13">
-            <a:extLst>
-              <a:ext uri="{FF2B5EF4-FFF2-40B4-BE49-F238E27FC236}">
-                <a16:creationId xmlns:a16="http://schemas.microsoft.com/office/drawing/2014/main" id="{0A1F30B4-4B6D-4835-9536-B627DDD49A93}"/>
-              </a:ext>
-            </a:extLst>
-          </p:cNvPr>
+          <p:cNvPr id="14" name="文本框 13"/>
           <p:cNvSpPr txBox="1"/>
           <p:nvPr/>
         </p:nvSpPr>
@@ -4757,16 +4158,8 @@
       </p:sp>
       <p:cxnSp>
         <p:nvCxnSpPr>
-          <p:cNvPr id="32" name="直接箭头连接符 31">
-            <a:extLst>
-              <a:ext uri="{FF2B5EF4-FFF2-40B4-BE49-F238E27FC236}">
-                <a16:creationId xmlns:a16="http://schemas.microsoft.com/office/drawing/2014/main" id="{3AAB98F9-15BE-4778-A6B0-709D0BE65342}"/>
-              </a:ext>
-            </a:extLst>
-          </p:cNvPr>
-          <p:cNvCxnSpPr>
-            <a:cxnSpLocks/>
-          </p:cNvCxnSpPr>
+          <p:cNvPr id="32" name="直接箭头连接符 31"/>
+          <p:cNvCxnSpPr/>
           <p:nvPr/>
         </p:nvCxnSpPr>
         <p:spPr>
@@ -4799,13 +4192,7 @@
       </p:cxnSp>
       <p:sp>
         <p:nvSpPr>
-          <p:cNvPr id="35" name="文本框 34">
-            <a:extLst>
-              <a:ext uri="{FF2B5EF4-FFF2-40B4-BE49-F238E27FC236}">
-                <a16:creationId xmlns:a16="http://schemas.microsoft.com/office/drawing/2014/main" id="{0EA21600-F41C-4BEB-B86E-FC43ADB7183B}"/>
-              </a:ext>
-            </a:extLst>
-          </p:cNvPr>
+          <p:cNvPr id="35" name="文本框 34"/>
           <p:cNvSpPr txBox="1"/>
           <p:nvPr/>
         </p:nvSpPr>
@@ -4835,13 +4222,7 @@
       </p:sp>
       <p:sp>
         <p:nvSpPr>
-          <p:cNvPr id="6" name="矩形: 圆角 5">
-            <a:extLst>
-              <a:ext uri="{FF2B5EF4-FFF2-40B4-BE49-F238E27FC236}">
-                <a16:creationId xmlns:a16="http://schemas.microsoft.com/office/drawing/2014/main" id="{2678BDD2-DEC9-43AE-AB60-B0E077FAC0F9}"/>
-              </a:ext>
-            </a:extLst>
-          </p:cNvPr>
+          <p:cNvPr id="6" name="矩形: 圆角 5"/>
           <p:cNvSpPr/>
           <p:nvPr/>
         </p:nvSpPr>
@@ -4900,11 +4281,6 @@
         </p:txBody>
       </p:sp>
     </p:spTree>
-    <p:extLst>
-      <p:ext uri="{BB962C8B-B14F-4D97-AF65-F5344CB8AC3E}">
-        <p14:creationId xmlns:p14="http://schemas.microsoft.com/office/powerpoint/2010/main" val="3679376892"/>
-      </p:ext>
-    </p:extLst>
   </p:cSld>
   <p:clrMapOvr>
     <a:masterClrMapping/>
@@ -4931,13 +4307,7 @@
       </p:grpSpPr>
       <p:sp>
         <p:nvSpPr>
-          <p:cNvPr id="4" name="矩形: 圆角 3">
-            <a:extLst>
-              <a:ext uri="{FF2B5EF4-FFF2-40B4-BE49-F238E27FC236}">
-                <a16:creationId xmlns:a16="http://schemas.microsoft.com/office/drawing/2014/main" id="{1C07B429-86AF-47B6-9883-CA42CAD33FF5}"/>
-              </a:ext>
-            </a:extLst>
-          </p:cNvPr>
+          <p:cNvPr id="4" name="矩形: 圆角 3"/>
           <p:cNvSpPr/>
           <p:nvPr/>
         </p:nvSpPr>
@@ -4985,13 +4355,7 @@
       </p:sp>
       <p:sp>
         <p:nvSpPr>
-          <p:cNvPr id="5" name="矩形: 圆角 4">
-            <a:extLst>
-              <a:ext uri="{FF2B5EF4-FFF2-40B4-BE49-F238E27FC236}">
-                <a16:creationId xmlns:a16="http://schemas.microsoft.com/office/drawing/2014/main" id="{2F49EA96-F357-44F6-B9AB-43AEBB788CC0}"/>
-              </a:ext>
-            </a:extLst>
-          </p:cNvPr>
+          <p:cNvPr id="5" name="矩形: 圆角 4"/>
           <p:cNvSpPr/>
           <p:nvPr/>
         </p:nvSpPr>
@@ -5043,13 +4407,7 @@
       </p:sp>
       <p:cxnSp>
         <p:nvCxnSpPr>
-          <p:cNvPr id="8" name="直接箭头连接符 7">
-            <a:extLst>
-              <a:ext uri="{FF2B5EF4-FFF2-40B4-BE49-F238E27FC236}">
-                <a16:creationId xmlns:a16="http://schemas.microsoft.com/office/drawing/2014/main" id="{FC2EFD0A-0E46-409E-B412-87FD17FF9A33}"/>
-              </a:ext>
-            </a:extLst>
-          </p:cNvPr>
+          <p:cNvPr id="8" name="直接箭头连接符 7"/>
           <p:cNvCxnSpPr/>
           <p:nvPr/>
         </p:nvCxnSpPr>
@@ -5082,13 +4440,7 @@
       </p:cxnSp>
       <p:sp>
         <p:nvSpPr>
-          <p:cNvPr id="9" name="文本框 8">
-            <a:extLst>
-              <a:ext uri="{FF2B5EF4-FFF2-40B4-BE49-F238E27FC236}">
-                <a16:creationId xmlns:a16="http://schemas.microsoft.com/office/drawing/2014/main" id="{7D808FFB-99B1-4D21-B8E6-F6E2926FD753}"/>
-              </a:ext>
-            </a:extLst>
-          </p:cNvPr>
+          <p:cNvPr id="9" name="文本框 8"/>
           <p:cNvSpPr txBox="1"/>
           <p:nvPr/>
         </p:nvSpPr>
@@ -5118,16 +4470,8 @@
       </p:sp>
       <p:cxnSp>
         <p:nvCxnSpPr>
-          <p:cNvPr id="12" name="直接箭头连接符 11">
-            <a:extLst>
-              <a:ext uri="{FF2B5EF4-FFF2-40B4-BE49-F238E27FC236}">
-                <a16:creationId xmlns:a16="http://schemas.microsoft.com/office/drawing/2014/main" id="{06108BE1-CA1E-4AE7-877C-39B92AF92852}"/>
-              </a:ext>
-            </a:extLst>
-          </p:cNvPr>
-          <p:cNvCxnSpPr>
-            <a:cxnSpLocks/>
-          </p:cNvCxnSpPr>
+          <p:cNvPr id="12" name="直接箭头连接符 11"/>
+          <p:cNvCxnSpPr/>
           <p:nvPr/>
         </p:nvCxnSpPr>
         <p:spPr>
@@ -5159,13 +4503,7 @@
       </p:cxnSp>
       <p:sp>
         <p:nvSpPr>
-          <p:cNvPr id="14" name="文本框 13">
-            <a:extLst>
-              <a:ext uri="{FF2B5EF4-FFF2-40B4-BE49-F238E27FC236}">
-                <a16:creationId xmlns:a16="http://schemas.microsoft.com/office/drawing/2014/main" id="{0A1F30B4-4B6D-4835-9536-B627DDD49A93}"/>
-              </a:ext>
-            </a:extLst>
-          </p:cNvPr>
+          <p:cNvPr id="14" name="文本框 13"/>
           <p:cNvSpPr txBox="1"/>
           <p:nvPr/>
         </p:nvSpPr>
@@ -5195,13 +4533,7 @@
       </p:sp>
       <p:sp>
         <p:nvSpPr>
-          <p:cNvPr id="15" name="矩形: 圆角 14">
-            <a:extLst>
-              <a:ext uri="{FF2B5EF4-FFF2-40B4-BE49-F238E27FC236}">
-                <a16:creationId xmlns:a16="http://schemas.microsoft.com/office/drawing/2014/main" id="{CE70EC2E-C357-4F6D-B02F-3561AB3C29C1}"/>
-              </a:ext>
-            </a:extLst>
-          </p:cNvPr>
+          <p:cNvPr id="15" name="矩形: 圆角 14"/>
           <p:cNvSpPr/>
           <p:nvPr/>
         </p:nvSpPr>
@@ -5249,16 +4581,8 @@
       </p:sp>
       <p:cxnSp>
         <p:nvCxnSpPr>
-          <p:cNvPr id="16" name="直接箭头连接符 15">
-            <a:extLst>
-              <a:ext uri="{FF2B5EF4-FFF2-40B4-BE49-F238E27FC236}">
-                <a16:creationId xmlns:a16="http://schemas.microsoft.com/office/drawing/2014/main" id="{A815C21E-9C49-4C63-BF12-041A7D66C565}"/>
-              </a:ext>
-            </a:extLst>
-          </p:cNvPr>
-          <p:cNvCxnSpPr>
-            <a:cxnSpLocks/>
-          </p:cNvCxnSpPr>
+          <p:cNvPr id="16" name="直接箭头连接符 15"/>
+          <p:cNvCxnSpPr/>
           <p:nvPr/>
         </p:nvCxnSpPr>
         <p:spPr>
@@ -5290,13 +4614,7 @@
       </p:cxnSp>
       <p:sp>
         <p:nvSpPr>
-          <p:cNvPr id="17" name="文本框 16">
-            <a:extLst>
-              <a:ext uri="{FF2B5EF4-FFF2-40B4-BE49-F238E27FC236}">
-                <a16:creationId xmlns:a16="http://schemas.microsoft.com/office/drawing/2014/main" id="{E591C892-F29E-4B71-BEAA-9E40B043B392}"/>
-              </a:ext>
-            </a:extLst>
-          </p:cNvPr>
+          <p:cNvPr id="17" name="文本框 16"/>
           <p:cNvSpPr txBox="1"/>
           <p:nvPr/>
         </p:nvSpPr>
@@ -5326,13 +4644,7 @@
       </p:sp>
       <p:sp>
         <p:nvSpPr>
-          <p:cNvPr id="24" name="矩形: 圆角 23">
-            <a:extLst>
-              <a:ext uri="{FF2B5EF4-FFF2-40B4-BE49-F238E27FC236}">
-                <a16:creationId xmlns:a16="http://schemas.microsoft.com/office/drawing/2014/main" id="{160FB28D-0483-4656-857B-60C7EBEE55C3}"/>
-              </a:ext>
-            </a:extLst>
-          </p:cNvPr>
+          <p:cNvPr id="24" name="矩形: 圆角 23"/>
           <p:cNvSpPr/>
           <p:nvPr/>
         </p:nvSpPr>
@@ -5392,13 +4704,7 @@
       </p:sp>
       <p:cxnSp>
         <p:nvCxnSpPr>
-          <p:cNvPr id="25" name="直接箭头连接符 24">
-            <a:extLst>
-              <a:ext uri="{FF2B5EF4-FFF2-40B4-BE49-F238E27FC236}">
-                <a16:creationId xmlns:a16="http://schemas.microsoft.com/office/drawing/2014/main" id="{A511D69C-F5B4-4CE4-BAA8-C3B1E46D7357}"/>
-              </a:ext>
-            </a:extLst>
-          </p:cNvPr>
+          <p:cNvPr id="25" name="直接箭头连接符 24"/>
           <p:cNvCxnSpPr/>
           <p:nvPr/>
         </p:nvCxnSpPr>
@@ -5431,13 +4737,7 @@
       </p:cxnSp>
       <p:sp>
         <p:nvSpPr>
-          <p:cNvPr id="26" name="文本框 25">
-            <a:extLst>
-              <a:ext uri="{FF2B5EF4-FFF2-40B4-BE49-F238E27FC236}">
-                <a16:creationId xmlns:a16="http://schemas.microsoft.com/office/drawing/2014/main" id="{97626CAA-C9AA-4FA9-A1DC-F0DFE9C23DD8}"/>
-              </a:ext>
-            </a:extLst>
-          </p:cNvPr>
+          <p:cNvPr id="26" name="文本框 25"/>
           <p:cNvSpPr txBox="1"/>
           <p:nvPr/>
         </p:nvSpPr>
@@ -5467,13 +4767,7 @@
       </p:sp>
       <p:sp>
         <p:nvSpPr>
-          <p:cNvPr id="27" name="文本框 26">
-            <a:extLst>
-              <a:ext uri="{FF2B5EF4-FFF2-40B4-BE49-F238E27FC236}">
-                <a16:creationId xmlns:a16="http://schemas.microsoft.com/office/drawing/2014/main" id="{E51DBD9B-C6A6-4E13-B348-CBC0B554905A}"/>
-              </a:ext>
-            </a:extLst>
-          </p:cNvPr>
+          <p:cNvPr id="27" name="文本框 26"/>
           <p:cNvSpPr txBox="1"/>
           <p:nvPr/>
         </p:nvSpPr>
@@ -5503,13 +4797,7 @@
       </p:sp>
       <p:cxnSp>
         <p:nvCxnSpPr>
-          <p:cNvPr id="28" name="直接箭头连接符 27">
-            <a:extLst>
-              <a:ext uri="{FF2B5EF4-FFF2-40B4-BE49-F238E27FC236}">
-                <a16:creationId xmlns:a16="http://schemas.microsoft.com/office/drawing/2014/main" id="{57FF3AB9-C7D8-4FC8-8BE3-FA14E45DF178}"/>
-              </a:ext>
-            </a:extLst>
-          </p:cNvPr>
+          <p:cNvPr id="28" name="直接箭头连接符 27"/>
           <p:cNvCxnSpPr/>
           <p:nvPr/>
         </p:nvCxnSpPr>
@@ -5543,16 +4831,8 @@
       </p:cxnSp>
       <p:cxnSp>
         <p:nvCxnSpPr>
-          <p:cNvPr id="32" name="直接箭头连接符 31">
-            <a:extLst>
-              <a:ext uri="{FF2B5EF4-FFF2-40B4-BE49-F238E27FC236}">
-                <a16:creationId xmlns:a16="http://schemas.microsoft.com/office/drawing/2014/main" id="{3AAB98F9-15BE-4778-A6B0-709D0BE65342}"/>
-              </a:ext>
-            </a:extLst>
-          </p:cNvPr>
-          <p:cNvCxnSpPr>
-            <a:cxnSpLocks/>
-          </p:cNvCxnSpPr>
+          <p:cNvPr id="32" name="直接箭头连接符 31"/>
+          <p:cNvCxnSpPr/>
           <p:nvPr/>
         </p:nvCxnSpPr>
         <p:spPr>
@@ -5585,13 +4865,7 @@
       </p:cxnSp>
       <p:sp>
         <p:nvSpPr>
-          <p:cNvPr id="35" name="文本框 34">
-            <a:extLst>
-              <a:ext uri="{FF2B5EF4-FFF2-40B4-BE49-F238E27FC236}">
-                <a16:creationId xmlns:a16="http://schemas.microsoft.com/office/drawing/2014/main" id="{0EA21600-F41C-4BEB-B86E-FC43ADB7183B}"/>
-              </a:ext>
-            </a:extLst>
-          </p:cNvPr>
+          <p:cNvPr id="35" name="文本框 34"/>
           <p:cNvSpPr txBox="1"/>
           <p:nvPr/>
         </p:nvSpPr>
@@ -5621,16 +4895,8 @@
       </p:sp>
       <p:cxnSp>
         <p:nvCxnSpPr>
-          <p:cNvPr id="36" name="直接箭头连接符 35">
-            <a:extLst>
-              <a:ext uri="{FF2B5EF4-FFF2-40B4-BE49-F238E27FC236}">
-                <a16:creationId xmlns:a16="http://schemas.microsoft.com/office/drawing/2014/main" id="{3B09C82F-4DEA-4F33-ACDC-4CB64308E1AE}"/>
-              </a:ext>
-            </a:extLst>
-          </p:cNvPr>
-          <p:cNvCxnSpPr>
-            <a:cxnSpLocks/>
-          </p:cNvCxnSpPr>
+          <p:cNvPr id="36" name="直接箭头连接符 35"/>
+          <p:cNvCxnSpPr/>
           <p:nvPr/>
         </p:nvCxnSpPr>
         <p:spPr>
@@ -5663,13 +4929,7 @@
       </p:cxnSp>
       <p:sp>
         <p:nvSpPr>
-          <p:cNvPr id="37" name="文本框 36">
-            <a:extLst>
-              <a:ext uri="{FF2B5EF4-FFF2-40B4-BE49-F238E27FC236}">
-                <a16:creationId xmlns:a16="http://schemas.microsoft.com/office/drawing/2014/main" id="{2589100B-2ADC-475E-AF30-95A947D00562}"/>
-              </a:ext>
-            </a:extLst>
-          </p:cNvPr>
+          <p:cNvPr id="37" name="文本框 36"/>
           <p:cNvSpPr txBox="1"/>
           <p:nvPr/>
         </p:nvSpPr>
@@ -5699,13 +4959,7 @@
       </p:sp>
       <p:sp>
         <p:nvSpPr>
-          <p:cNvPr id="6" name="矩形: 圆角 5">
-            <a:extLst>
-              <a:ext uri="{FF2B5EF4-FFF2-40B4-BE49-F238E27FC236}">
-                <a16:creationId xmlns:a16="http://schemas.microsoft.com/office/drawing/2014/main" id="{2678BDD2-DEC9-43AE-AB60-B0E077FAC0F9}"/>
-              </a:ext>
-            </a:extLst>
-          </p:cNvPr>
+          <p:cNvPr id="6" name="矩形: 圆角 5"/>
           <p:cNvSpPr/>
           <p:nvPr/>
         </p:nvSpPr>
@@ -5765,13 +5019,7 @@
       </p:sp>
       <p:sp>
         <p:nvSpPr>
-          <p:cNvPr id="34" name="矩形: 圆角 33">
-            <a:extLst>
-              <a:ext uri="{FF2B5EF4-FFF2-40B4-BE49-F238E27FC236}">
-                <a16:creationId xmlns:a16="http://schemas.microsoft.com/office/drawing/2014/main" id="{6E36909E-CB50-438B-B629-5ED8C225567E}"/>
-              </a:ext>
-            </a:extLst>
-          </p:cNvPr>
+          <p:cNvPr id="34" name="矩形: 圆角 33"/>
           <p:cNvSpPr/>
           <p:nvPr/>
         </p:nvSpPr>
@@ -5825,13 +5073,7 @@
       </p:sp>
       <p:sp>
         <p:nvSpPr>
-          <p:cNvPr id="20" name="弧形 19">
-            <a:extLst>
-              <a:ext uri="{FF2B5EF4-FFF2-40B4-BE49-F238E27FC236}">
-                <a16:creationId xmlns:a16="http://schemas.microsoft.com/office/drawing/2014/main" id="{CB33E0EC-DCF6-4CA0-8507-4E352AEED231}"/>
-              </a:ext>
-            </a:extLst>
-          </p:cNvPr>
+          <p:cNvPr id="20" name="弧形 19"/>
           <p:cNvSpPr/>
           <p:nvPr/>
         </p:nvSpPr>
@@ -5872,13 +5114,7 @@
       </p:sp>
       <p:sp>
         <p:nvSpPr>
-          <p:cNvPr id="38" name="文本框 37">
-            <a:extLst>
-              <a:ext uri="{FF2B5EF4-FFF2-40B4-BE49-F238E27FC236}">
-                <a16:creationId xmlns:a16="http://schemas.microsoft.com/office/drawing/2014/main" id="{CC71CD06-193A-4883-AE57-6F6D2356E4AC}"/>
-              </a:ext>
-            </a:extLst>
-          </p:cNvPr>
+          <p:cNvPr id="38" name="文本框 37"/>
           <p:cNvSpPr txBox="1"/>
           <p:nvPr/>
         </p:nvSpPr>
@@ -5902,15 +5138,11 @@
               <a:rPr lang="zh-CN" altLang="en-US" b="1" dirty="0"/>
               <a:t>继承</a:t>
             </a:r>
+            <a:endParaRPr lang="zh-CN" altLang="en-US" b="1" dirty="0"/>
           </a:p>
         </p:txBody>
       </p:sp>
     </p:spTree>
-    <p:extLst>
-      <p:ext uri="{BB962C8B-B14F-4D97-AF65-F5344CB8AC3E}">
-        <p14:creationId xmlns:p14="http://schemas.microsoft.com/office/powerpoint/2010/main" val="2481171930"/>
-      </p:ext>
-    </p:extLst>
   </p:cSld>
   <p:clrMapOvr>
     <a:masterClrMapping/>
@@ -5937,13 +5169,7 @@
       </p:grpSpPr>
       <p:sp>
         <p:nvSpPr>
-          <p:cNvPr id="4" name="矩形: 圆角 3">
-            <a:extLst>
-              <a:ext uri="{FF2B5EF4-FFF2-40B4-BE49-F238E27FC236}">
-                <a16:creationId xmlns:a16="http://schemas.microsoft.com/office/drawing/2014/main" id="{1C07B429-86AF-47B6-9883-CA42CAD33FF5}"/>
-              </a:ext>
-            </a:extLst>
-          </p:cNvPr>
+          <p:cNvPr id="4" name="矩形: 圆角 3"/>
           <p:cNvSpPr/>
           <p:nvPr/>
         </p:nvSpPr>
@@ -5991,13 +5217,7 @@
       </p:sp>
       <p:cxnSp>
         <p:nvCxnSpPr>
-          <p:cNvPr id="8" name="直接箭头连接符 7">
-            <a:extLst>
-              <a:ext uri="{FF2B5EF4-FFF2-40B4-BE49-F238E27FC236}">
-                <a16:creationId xmlns:a16="http://schemas.microsoft.com/office/drawing/2014/main" id="{FC2EFD0A-0E46-409E-B412-87FD17FF9A33}"/>
-              </a:ext>
-            </a:extLst>
-          </p:cNvPr>
+          <p:cNvPr id="8" name="直接箭头连接符 7"/>
           <p:cNvCxnSpPr/>
           <p:nvPr/>
         </p:nvCxnSpPr>
@@ -6030,13 +5250,7 @@
       </p:cxnSp>
       <p:sp>
         <p:nvSpPr>
-          <p:cNvPr id="9" name="文本框 8">
-            <a:extLst>
-              <a:ext uri="{FF2B5EF4-FFF2-40B4-BE49-F238E27FC236}">
-                <a16:creationId xmlns:a16="http://schemas.microsoft.com/office/drawing/2014/main" id="{7D808FFB-99B1-4D21-B8E6-F6E2926FD753}"/>
-              </a:ext>
-            </a:extLst>
-          </p:cNvPr>
+          <p:cNvPr id="9" name="文本框 8"/>
           <p:cNvSpPr txBox="1"/>
           <p:nvPr/>
         </p:nvSpPr>
@@ -6066,13 +5280,7 @@
       </p:sp>
       <p:sp>
         <p:nvSpPr>
-          <p:cNvPr id="10" name="文本框 9">
-            <a:extLst>
-              <a:ext uri="{FF2B5EF4-FFF2-40B4-BE49-F238E27FC236}">
-                <a16:creationId xmlns:a16="http://schemas.microsoft.com/office/drawing/2014/main" id="{F225615E-A438-41F6-9EB9-A40CFF745165}"/>
-              </a:ext>
-            </a:extLst>
-          </p:cNvPr>
+          <p:cNvPr id="10" name="文本框 9"/>
           <p:cNvSpPr txBox="1"/>
           <p:nvPr/>
         </p:nvSpPr>
@@ -6102,13 +5310,7 @@
       </p:sp>
       <p:cxnSp>
         <p:nvCxnSpPr>
-          <p:cNvPr id="11" name="直接箭头连接符 10">
-            <a:extLst>
-              <a:ext uri="{FF2B5EF4-FFF2-40B4-BE49-F238E27FC236}">
-                <a16:creationId xmlns:a16="http://schemas.microsoft.com/office/drawing/2014/main" id="{BE0A7279-8E12-4A05-BDAA-BF8273EE2449}"/>
-              </a:ext>
-            </a:extLst>
-          </p:cNvPr>
+          <p:cNvPr id="11" name="直接箭头连接符 10"/>
           <p:cNvCxnSpPr/>
           <p:nvPr/>
         </p:nvCxnSpPr>
@@ -6142,16 +5344,8 @@
       </p:cxnSp>
       <p:cxnSp>
         <p:nvCxnSpPr>
-          <p:cNvPr id="12" name="直接箭头连接符 11">
-            <a:extLst>
-              <a:ext uri="{FF2B5EF4-FFF2-40B4-BE49-F238E27FC236}">
-                <a16:creationId xmlns:a16="http://schemas.microsoft.com/office/drawing/2014/main" id="{06108BE1-CA1E-4AE7-877C-39B92AF92852}"/>
-              </a:ext>
-            </a:extLst>
-          </p:cNvPr>
-          <p:cNvCxnSpPr>
-            <a:cxnSpLocks/>
-          </p:cNvCxnSpPr>
+          <p:cNvPr id="12" name="直接箭头连接符 11"/>
+          <p:cNvCxnSpPr/>
           <p:nvPr/>
         </p:nvCxnSpPr>
         <p:spPr>
@@ -6183,13 +5377,7 @@
       </p:cxnSp>
       <p:sp>
         <p:nvSpPr>
-          <p:cNvPr id="14" name="文本框 13">
-            <a:extLst>
-              <a:ext uri="{FF2B5EF4-FFF2-40B4-BE49-F238E27FC236}">
-                <a16:creationId xmlns:a16="http://schemas.microsoft.com/office/drawing/2014/main" id="{0A1F30B4-4B6D-4835-9536-B627DDD49A93}"/>
-              </a:ext>
-            </a:extLst>
-          </p:cNvPr>
+          <p:cNvPr id="14" name="文本框 13"/>
           <p:cNvSpPr txBox="1"/>
           <p:nvPr/>
         </p:nvSpPr>
@@ -6219,13 +5407,7 @@
       </p:sp>
       <p:sp>
         <p:nvSpPr>
-          <p:cNvPr id="15" name="矩形: 圆角 14">
-            <a:extLst>
-              <a:ext uri="{FF2B5EF4-FFF2-40B4-BE49-F238E27FC236}">
-                <a16:creationId xmlns:a16="http://schemas.microsoft.com/office/drawing/2014/main" id="{CE70EC2E-C357-4F6D-B02F-3561AB3C29C1}"/>
-              </a:ext>
-            </a:extLst>
-          </p:cNvPr>
+          <p:cNvPr id="15" name="矩形: 圆角 14"/>
           <p:cNvSpPr/>
           <p:nvPr/>
         </p:nvSpPr>
@@ -6273,16 +5455,8 @@
       </p:sp>
       <p:cxnSp>
         <p:nvCxnSpPr>
-          <p:cNvPr id="16" name="直接箭头连接符 15">
-            <a:extLst>
-              <a:ext uri="{FF2B5EF4-FFF2-40B4-BE49-F238E27FC236}">
-                <a16:creationId xmlns:a16="http://schemas.microsoft.com/office/drawing/2014/main" id="{A815C21E-9C49-4C63-BF12-041A7D66C565}"/>
-              </a:ext>
-            </a:extLst>
-          </p:cNvPr>
-          <p:cNvCxnSpPr>
-            <a:cxnSpLocks/>
-          </p:cNvCxnSpPr>
+          <p:cNvPr id="16" name="直接箭头连接符 15"/>
+          <p:cNvCxnSpPr/>
           <p:nvPr/>
         </p:nvCxnSpPr>
         <p:spPr>
@@ -6314,13 +5488,7 @@
       </p:cxnSp>
       <p:sp>
         <p:nvSpPr>
-          <p:cNvPr id="17" name="文本框 16">
-            <a:extLst>
-              <a:ext uri="{FF2B5EF4-FFF2-40B4-BE49-F238E27FC236}">
-                <a16:creationId xmlns:a16="http://schemas.microsoft.com/office/drawing/2014/main" id="{E591C892-F29E-4B71-BEAA-9E40B043B392}"/>
-              </a:ext>
-            </a:extLst>
-          </p:cNvPr>
+          <p:cNvPr id="17" name="文本框 16"/>
           <p:cNvSpPr txBox="1"/>
           <p:nvPr/>
         </p:nvSpPr>
@@ -6350,13 +5518,7 @@
       </p:sp>
       <p:sp>
         <p:nvSpPr>
-          <p:cNvPr id="24" name="矩形: 圆角 23">
-            <a:extLst>
-              <a:ext uri="{FF2B5EF4-FFF2-40B4-BE49-F238E27FC236}">
-                <a16:creationId xmlns:a16="http://schemas.microsoft.com/office/drawing/2014/main" id="{160FB28D-0483-4656-857B-60C7EBEE55C3}"/>
-              </a:ext>
-            </a:extLst>
-          </p:cNvPr>
+          <p:cNvPr id="24" name="矩形: 圆角 23"/>
           <p:cNvSpPr/>
           <p:nvPr/>
         </p:nvSpPr>
@@ -6416,13 +5578,7 @@
       </p:sp>
       <p:cxnSp>
         <p:nvCxnSpPr>
-          <p:cNvPr id="25" name="直接箭头连接符 24">
-            <a:extLst>
-              <a:ext uri="{FF2B5EF4-FFF2-40B4-BE49-F238E27FC236}">
-                <a16:creationId xmlns:a16="http://schemas.microsoft.com/office/drawing/2014/main" id="{A511D69C-F5B4-4CE4-BAA8-C3B1E46D7357}"/>
-              </a:ext>
-            </a:extLst>
-          </p:cNvPr>
+          <p:cNvPr id="25" name="直接箭头连接符 24"/>
           <p:cNvCxnSpPr/>
           <p:nvPr/>
         </p:nvCxnSpPr>
@@ -6455,13 +5611,7 @@
       </p:cxnSp>
       <p:sp>
         <p:nvSpPr>
-          <p:cNvPr id="26" name="文本框 25">
-            <a:extLst>
-              <a:ext uri="{FF2B5EF4-FFF2-40B4-BE49-F238E27FC236}">
-                <a16:creationId xmlns:a16="http://schemas.microsoft.com/office/drawing/2014/main" id="{97626CAA-C9AA-4FA9-A1DC-F0DFE9C23DD8}"/>
-              </a:ext>
-            </a:extLst>
-          </p:cNvPr>
+          <p:cNvPr id="26" name="文本框 25"/>
           <p:cNvSpPr txBox="1"/>
           <p:nvPr/>
         </p:nvSpPr>
@@ -6491,13 +5641,7 @@
       </p:sp>
       <p:sp>
         <p:nvSpPr>
-          <p:cNvPr id="27" name="文本框 26">
-            <a:extLst>
-              <a:ext uri="{FF2B5EF4-FFF2-40B4-BE49-F238E27FC236}">
-                <a16:creationId xmlns:a16="http://schemas.microsoft.com/office/drawing/2014/main" id="{E51DBD9B-C6A6-4E13-B348-CBC0B554905A}"/>
-              </a:ext>
-            </a:extLst>
-          </p:cNvPr>
+          <p:cNvPr id="27" name="文本框 26"/>
           <p:cNvSpPr txBox="1"/>
           <p:nvPr/>
         </p:nvSpPr>
@@ -6527,13 +5671,7 @@
       </p:sp>
       <p:cxnSp>
         <p:nvCxnSpPr>
-          <p:cNvPr id="28" name="直接箭头连接符 27">
-            <a:extLst>
-              <a:ext uri="{FF2B5EF4-FFF2-40B4-BE49-F238E27FC236}">
-                <a16:creationId xmlns:a16="http://schemas.microsoft.com/office/drawing/2014/main" id="{57FF3AB9-C7D8-4FC8-8BE3-FA14E45DF178}"/>
-              </a:ext>
-            </a:extLst>
-          </p:cNvPr>
+          <p:cNvPr id="28" name="直接箭头连接符 27"/>
           <p:cNvCxnSpPr/>
           <p:nvPr/>
         </p:nvCxnSpPr>
@@ -6567,16 +5705,8 @@
       </p:cxnSp>
       <p:cxnSp>
         <p:nvCxnSpPr>
-          <p:cNvPr id="32" name="直接箭头连接符 31">
-            <a:extLst>
-              <a:ext uri="{FF2B5EF4-FFF2-40B4-BE49-F238E27FC236}">
-                <a16:creationId xmlns:a16="http://schemas.microsoft.com/office/drawing/2014/main" id="{3AAB98F9-15BE-4778-A6B0-709D0BE65342}"/>
-              </a:ext>
-            </a:extLst>
-          </p:cNvPr>
-          <p:cNvCxnSpPr>
-            <a:cxnSpLocks/>
-          </p:cNvCxnSpPr>
+          <p:cNvPr id="32" name="直接箭头连接符 31"/>
+          <p:cNvCxnSpPr/>
           <p:nvPr/>
         </p:nvCxnSpPr>
         <p:spPr>
@@ -6609,13 +5739,7 @@
       </p:cxnSp>
       <p:sp>
         <p:nvSpPr>
-          <p:cNvPr id="35" name="文本框 34">
-            <a:extLst>
-              <a:ext uri="{FF2B5EF4-FFF2-40B4-BE49-F238E27FC236}">
-                <a16:creationId xmlns:a16="http://schemas.microsoft.com/office/drawing/2014/main" id="{0EA21600-F41C-4BEB-B86E-FC43ADB7183B}"/>
-              </a:ext>
-            </a:extLst>
-          </p:cNvPr>
+          <p:cNvPr id="35" name="文本框 34"/>
           <p:cNvSpPr txBox="1"/>
           <p:nvPr/>
         </p:nvSpPr>
@@ -6645,16 +5769,8 @@
       </p:sp>
       <p:cxnSp>
         <p:nvCxnSpPr>
-          <p:cNvPr id="36" name="直接箭头连接符 35">
-            <a:extLst>
-              <a:ext uri="{FF2B5EF4-FFF2-40B4-BE49-F238E27FC236}">
-                <a16:creationId xmlns:a16="http://schemas.microsoft.com/office/drawing/2014/main" id="{3B09C82F-4DEA-4F33-ACDC-4CB64308E1AE}"/>
-              </a:ext>
-            </a:extLst>
-          </p:cNvPr>
-          <p:cNvCxnSpPr>
-            <a:cxnSpLocks/>
-          </p:cNvCxnSpPr>
+          <p:cNvPr id="36" name="直接箭头连接符 35"/>
+          <p:cNvCxnSpPr/>
           <p:nvPr/>
         </p:nvCxnSpPr>
         <p:spPr>
@@ -6687,13 +5803,7 @@
       </p:cxnSp>
       <p:sp>
         <p:nvSpPr>
-          <p:cNvPr id="37" name="文本框 36">
-            <a:extLst>
-              <a:ext uri="{FF2B5EF4-FFF2-40B4-BE49-F238E27FC236}">
-                <a16:creationId xmlns:a16="http://schemas.microsoft.com/office/drawing/2014/main" id="{2589100B-2ADC-475E-AF30-95A947D00562}"/>
-              </a:ext>
-            </a:extLst>
-          </p:cNvPr>
+          <p:cNvPr id="37" name="文本框 36"/>
           <p:cNvSpPr txBox="1"/>
           <p:nvPr/>
         </p:nvSpPr>
@@ -6723,13 +5833,7 @@
       </p:sp>
       <p:sp>
         <p:nvSpPr>
-          <p:cNvPr id="6" name="矩形: 圆角 5">
-            <a:extLst>
-              <a:ext uri="{FF2B5EF4-FFF2-40B4-BE49-F238E27FC236}">
-                <a16:creationId xmlns:a16="http://schemas.microsoft.com/office/drawing/2014/main" id="{2678BDD2-DEC9-43AE-AB60-B0E077FAC0F9}"/>
-              </a:ext>
-            </a:extLst>
-          </p:cNvPr>
+          <p:cNvPr id="6" name="矩形: 圆角 5"/>
           <p:cNvSpPr/>
           <p:nvPr/>
         </p:nvSpPr>
@@ -6793,13 +5897,7 @@
       </p:sp>
       <p:sp>
         <p:nvSpPr>
-          <p:cNvPr id="34" name="矩形: 圆角 33">
-            <a:extLst>
-              <a:ext uri="{FF2B5EF4-FFF2-40B4-BE49-F238E27FC236}">
-                <a16:creationId xmlns:a16="http://schemas.microsoft.com/office/drawing/2014/main" id="{6E36909E-CB50-438B-B629-5ED8C225567E}"/>
-              </a:ext>
-            </a:extLst>
-          </p:cNvPr>
+          <p:cNvPr id="34" name="矩形: 圆角 33"/>
           <p:cNvSpPr/>
           <p:nvPr/>
         </p:nvSpPr>
@@ -6853,13 +5951,7 @@
       </p:sp>
       <p:sp>
         <p:nvSpPr>
-          <p:cNvPr id="20" name="弧形 19">
-            <a:extLst>
-              <a:ext uri="{FF2B5EF4-FFF2-40B4-BE49-F238E27FC236}">
-                <a16:creationId xmlns:a16="http://schemas.microsoft.com/office/drawing/2014/main" id="{CB33E0EC-DCF6-4CA0-8507-4E352AEED231}"/>
-              </a:ext>
-            </a:extLst>
-          </p:cNvPr>
+          <p:cNvPr id="20" name="弧形 19"/>
           <p:cNvSpPr/>
           <p:nvPr/>
         </p:nvSpPr>
@@ -6900,13 +5992,7 @@
       </p:sp>
       <p:sp>
         <p:nvSpPr>
-          <p:cNvPr id="38" name="文本框 37">
-            <a:extLst>
-              <a:ext uri="{FF2B5EF4-FFF2-40B4-BE49-F238E27FC236}">
-                <a16:creationId xmlns:a16="http://schemas.microsoft.com/office/drawing/2014/main" id="{CC71CD06-193A-4883-AE57-6F6D2356E4AC}"/>
-              </a:ext>
-            </a:extLst>
-          </p:cNvPr>
+          <p:cNvPr id="38" name="文本框 37"/>
           <p:cNvSpPr txBox="1"/>
           <p:nvPr/>
         </p:nvSpPr>
@@ -6930,18 +6016,13 @@
               <a:rPr lang="zh-CN" altLang="en-US" b="1" dirty="0"/>
               <a:t>继承</a:t>
             </a:r>
+            <a:endParaRPr lang="zh-CN" altLang="en-US" b="1" dirty="0"/>
           </a:p>
         </p:txBody>
       </p:sp>
       <p:grpSp>
         <p:nvGrpSpPr>
-          <p:cNvPr id="2" name="组合 1">
-            <a:extLst>
-              <a:ext uri="{FF2B5EF4-FFF2-40B4-BE49-F238E27FC236}">
-                <a16:creationId xmlns:a16="http://schemas.microsoft.com/office/drawing/2014/main" id="{617B8FB5-DF54-4DFE-AD0E-9962872EE39F}"/>
-              </a:ext>
-            </a:extLst>
-          </p:cNvPr>
+          <p:cNvPr id="2" name="组合 1"/>
           <p:cNvGrpSpPr/>
           <p:nvPr/>
         </p:nvGrpSpPr>
@@ -6955,13 +6036,7 @@
         </p:grpSpPr>
         <p:sp>
           <p:nvSpPr>
-            <p:cNvPr id="39" name="矩形: 圆角 38">
-              <a:extLst>
-                <a:ext uri="{FF2B5EF4-FFF2-40B4-BE49-F238E27FC236}">
-                  <a16:creationId xmlns:a16="http://schemas.microsoft.com/office/drawing/2014/main" id="{B1C3A868-CF1C-4A48-A226-C35AD500153D}"/>
-                </a:ext>
-              </a:extLst>
-            </p:cNvPr>
+            <p:cNvPr id="39" name="矩形: 圆角 38"/>
             <p:cNvSpPr/>
             <p:nvPr/>
           </p:nvSpPr>
@@ -7009,13 +6084,7 @@
         </p:sp>
         <p:sp>
           <p:nvSpPr>
-            <p:cNvPr id="40" name="矩形: 圆角 39">
-              <a:extLst>
-                <a:ext uri="{FF2B5EF4-FFF2-40B4-BE49-F238E27FC236}">
-                  <a16:creationId xmlns:a16="http://schemas.microsoft.com/office/drawing/2014/main" id="{15FE90BA-E02C-4ACB-8694-76E2E8E88D90}"/>
-                </a:ext>
-              </a:extLst>
-            </p:cNvPr>
+            <p:cNvPr id="40" name="矩形: 圆角 39"/>
             <p:cNvSpPr/>
             <p:nvPr/>
           </p:nvSpPr>
@@ -7067,13 +6136,7 @@
         </p:sp>
         <p:cxnSp>
           <p:nvCxnSpPr>
-            <p:cNvPr id="41" name="直接箭头连接符 40">
-              <a:extLst>
-                <a:ext uri="{FF2B5EF4-FFF2-40B4-BE49-F238E27FC236}">
-                  <a16:creationId xmlns:a16="http://schemas.microsoft.com/office/drawing/2014/main" id="{D8AC43C1-9A95-4CF1-AE75-3C16E38A61FD}"/>
-                </a:ext>
-              </a:extLst>
-            </p:cNvPr>
+            <p:cNvPr id="41" name="直接箭头连接符 40"/>
             <p:cNvCxnSpPr/>
             <p:nvPr/>
           </p:nvCxnSpPr>
@@ -7106,13 +6169,7 @@
         </p:cxnSp>
         <p:sp>
           <p:nvSpPr>
-            <p:cNvPr id="42" name="文本框 41">
-              <a:extLst>
-                <a:ext uri="{FF2B5EF4-FFF2-40B4-BE49-F238E27FC236}">
-                  <a16:creationId xmlns:a16="http://schemas.microsoft.com/office/drawing/2014/main" id="{A82BE188-F86D-40BC-93F8-A9EB2EF6582E}"/>
-                </a:ext>
-              </a:extLst>
-            </p:cNvPr>
+            <p:cNvPr id="42" name="文本框 41"/>
             <p:cNvSpPr txBox="1"/>
             <p:nvPr/>
           </p:nvSpPr>
@@ -7142,16 +6199,8 @@
         </p:sp>
         <p:cxnSp>
           <p:nvCxnSpPr>
-            <p:cNvPr id="45" name="直接箭头连接符 44">
-              <a:extLst>
-                <a:ext uri="{FF2B5EF4-FFF2-40B4-BE49-F238E27FC236}">
-                  <a16:creationId xmlns:a16="http://schemas.microsoft.com/office/drawing/2014/main" id="{831803E5-B5FB-480B-9908-4BD463A31937}"/>
-                </a:ext>
-              </a:extLst>
-            </p:cNvPr>
-            <p:cNvCxnSpPr>
-              <a:cxnSpLocks/>
-            </p:cNvCxnSpPr>
+            <p:cNvPr id="45" name="直接箭头连接符 44"/>
+            <p:cNvCxnSpPr/>
             <p:nvPr/>
           </p:nvCxnSpPr>
           <p:spPr>
@@ -7183,13 +6232,7 @@
         </p:cxnSp>
         <p:sp>
           <p:nvSpPr>
-            <p:cNvPr id="46" name="文本框 45">
-              <a:extLst>
-                <a:ext uri="{FF2B5EF4-FFF2-40B4-BE49-F238E27FC236}">
-                  <a16:creationId xmlns:a16="http://schemas.microsoft.com/office/drawing/2014/main" id="{FFA43FB6-AE34-46D8-8DF6-7ACE082879A9}"/>
-                </a:ext>
-              </a:extLst>
-            </p:cNvPr>
+            <p:cNvPr id="46" name="文本框 45"/>
             <p:cNvSpPr txBox="1"/>
             <p:nvPr/>
           </p:nvSpPr>
@@ -7219,16 +6262,8 @@
         </p:sp>
         <p:cxnSp>
           <p:nvCxnSpPr>
-            <p:cNvPr id="47" name="直接箭头连接符 46">
-              <a:extLst>
-                <a:ext uri="{FF2B5EF4-FFF2-40B4-BE49-F238E27FC236}">
-                  <a16:creationId xmlns:a16="http://schemas.microsoft.com/office/drawing/2014/main" id="{EEEFB1A1-60A8-4A17-B691-1F05E82BF6FB}"/>
-                </a:ext>
-              </a:extLst>
-            </p:cNvPr>
-            <p:cNvCxnSpPr>
-              <a:cxnSpLocks/>
-            </p:cNvCxnSpPr>
+            <p:cNvPr id="47" name="直接箭头连接符 46"/>
+            <p:cNvCxnSpPr/>
             <p:nvPr/>
           </p:nvCxnSpPr>
           <p:spPr>
@@ -7261,13 +6296,7 @@
         </p:cxnSp>
         <p:sp>
           <p:nvSpPr>
-            <p:cNvPr id="48" name="文本框 47">
-              <a:extLst>
-                <a:ext uri="{FF2B5EF4-FFF2-40B4-BE49-F238E27FC236}">
-                  <a16:creationId xmlns:a16="http://schemas.microsoft.com/office/drawing/2014/main" id="{F489C828-728A-4713-8615-2DA6E4C702B5}"/>
-                </a:ext>
-              </a:extLst>
-            </p:cNvPr>
+            <p:cNvPr id="48" name="文本框 47"/>
             <p:cNvSpPr txBox="1"/>
             <p:nvPr/>
           </p:nvSpPr>
@@ -7297,13 +6326,7 @@
         </p:sp>
         <p:sp>
           <p:nvSpPr>
-            <p:cNvPr id="49" name="矩形: 圆角 48">
-              <a:extLst>
-                <a:ext uri="{FF2B5EF4-FFF2-40B4-BE49-F238E27FC236}">
-                  <a16:creationId xmlns:a16="http://schemas.microsoft.com/office/drawing/2014/main" id="{1C1FA635-3F3A-475C-A2ED-5A8C386A9FFF}"/>
-                </a:ext>
-              </a:extLst>
-            </p:cNvPr>
+            <p:cNvPr id="49" name="矩形: 圆角 48"/>
             <p:cNvSpPr/>
             <p:nvPr/>
           </p:nvSpPr>
@@ -7367,13 +6390,7 @@
         </p:sp>
         <p:sp>
           <p:nvSpPr>
-            <p:cNvPr id="50" name="矩形: 圆角 49">
-              <a:extLst>
-                <a:ext uri="{FF2B5EF4-FFF2-40B4-BE49-F238E27FC236}">
-                  <a16:creationId xmlns:a16="http://schemas.microsoft.com/office/drawing/2014/main" id="{0117317C-7B01-45C6-8708-13588681598C}"/>
-                </a:ext>
-              </a:extLst>
-            </p:cNvPr>
+            <p:cNvPr id="50" name="矩形: 圆角 49"/>
             <p:cNvSpPr/>
             <p:nvPr/>
           </p:nvSpPr>
@@ -7427,13 +6444,7 @@
         </p:sp>
         <p:sp>
           <p:nvSpPr>
-            <p:cNvPr id="51" name="弧形 50">
-              <a:extLst>
-                <a:ext uri="{FF2B5EF4-FFF2-40B4-BE49-F238E27FC236}">
-                  <a16:creationId xmlns:a16="http://schemas.microsoft.com/office/drawing/2014/main" id="{240E15FD-541A-4ADB-9C58-036CF1102602}"/>
-                </a:ext>
-              </a:extLst>
-            </p:cNvPr>
+            <p:cNvPr id="51" name="弧形 50"/>
             <p:cNvSpPr/>
             <p:nvPr/>
           </p:nvSpPr>
@@ -7474,13 +6485,7 @@
         </p:sp>
         <p:sp>
           <p:nvSpPr>
-            <p:cNvPr id="52" name="文本框 51">
-              <a:extLst>
-                <a:ext uri="{FF2B5EF4-FFF2-40B4-BE49-F238E27FC236}">
-                  <a16:creationId xmlns:a16="http://schemas.microsoft.com/office/drawing/2014/main" id="{24C41834-E4E3-470B-848F-EEDF8F863D81}"/>
-                </a:ext>
-              </a:extLst>
-            </p:cNvPr>
+            <p:cNvPr id="52" name="文本框 51"/>
             <p:cNvSpPr txBox="1"/>
             <p:nvPr/>
           </p:nvSpPr>
@@ -7504,19 +6509,14 @@
                 <a:rPr lang="zh-CN" altLang="en-US" b="1" dirty="0"/>
                 <a:t>继承</a:t>
               </a:r>
+              <a:endParaRPr lang="zh-CN" altLang="en-US" b="1" dirty="0"/>
             </a:p>
           </p:txBody>
         </p:sp>
       </p:grpSp>
       <p:sp>
         <p:nvSpPr>
-          <p:cNvPr id="7" name="椭圆 6">
-            <a:extLst>
-              <a:ext uri="{FF2B5EF4-FFF2-40B4-BE49-F238E27FC236}">
-                <a16:creationId xmlns:a16="http://schemas.microsoft.com/office/drawing/2014/main" id="{E7E5251B-3AC3-499E-813E-8773FC9AF3D5}"/>
-              </a:ext>
-            </a:extLst>
-          </p:cNvPr>
+          <p:cNvPr id="7" name="椭圆 6"/>
           <p:cNvSpPr/>
           <p:nvPr/>
         </p:nvSpPr>
@@ -7560,13 +6560,7 @@
       </p:sp>
       <p:sp>
         <p:nvSpPr>
-          <p:cNvPr id="53" name="椭圆 52">
-            <a:extLst>
-              <a:ext uri="{FF2B5EF4-FFF2-40B4-BE49-F238E27FC236}">
-                <a16:creationId xmlns:a16="http://schemas.microsoft.com/office/drawing/2014/main" id="{575B0F3A-5594-43C7-A37C-2417C9F5A4C2}"/>
-              </a:ext>
-            </a:extLst>
-          </p:cNvPr>
+          <p:cNvPr id="53" name="椭圆 52"/>
           <p:cNvSpPr/>
           <p:nvPr/>
         </p:nvSpPr>
@@ -7610,13 +6604,7 @@
       </p:sp>
       <p:sp>
         <p:nvSpPr>
-          <p:cNvPr id="54" name="椭圆 53">
-            <a:extLst>
-              <a:ext uri="{FF2B5EF4-FFF2-40B4-BE49-F238E27FC236}">
-                <a16:creationId xmlns:a16="http://schemas.microsoft.com/office/drawing/2014/main" id="{76657FEE-DF3C-4705-AFB9-26F9C7CCF696}"/>
-              </a:ext>
-            </a:extLst>
-          </p:cNvPr>
+          <p:cNvPr id="54" name="椭圆 53"/>
           <p:cNvSpPr/>
           <p:nvPr/>
         </p:nvSpPr>
@@ -7660,13 +6648,7 @@
       </p:sp>
       <p:sp>
         <p:nvSpPr>
-          <p:cNvPr id="55" name="椭圆 54">
-            <a:extLst>
-              <a:ext uri="{FF2B5EF4-FFF2-40B4-BE49-F238E27FC236}">
-                <a16:creationId xmlns:a16="http://schemas.microsoft.com/office/drawing/2014/main" id="{98283D6D-C6E6-41A6-B908-01169BD84A5D}"/>
-              </a:ext>
-            </a:extLst>
-          </p:cNvPr>
+          <p:cNvPr id="55" name="椭圆 54"/>
           <p:cNvSpPr/>
           <p:nvPr/>
         </p:nvSpPr>
@@ -7710,13 +6692,7 @@
       </p:sp>
       <p:sp>
         <p:nvSpPr>
-          <p:cNvPr id="56" name="椭圆 55">
-            <a:extLst>
-              <a:ext uri="{FF2B5EF4-FFF2-40B4-BE49-F238E27FC236}">
-                <a16:creationId xmlns:a16="http://schemas.microsoft.com/office/drawing/2014/main" id="{1A0C8B6C-E312-4161-B3E2-007D0E735F92}"/>
-              </a:ext>
-            </a:extLst>
-          </p:cNvPr>
+          <p:cNvPr id="56" name="椭圆 55"/>
           <p:cNvSpPr/>
           <p:nvPr/>
         </p:nvSpPr>
@@ -7760,15 +6736,8 @@
       </p:sp>
       <p:cxnSp>
         <p:nvCxnSpPr>
-          <p:cNvPr id="18" name="直接连接符 17">
-            <a:extLst>
-              <a:ext uri="{FF2B5EF4-FFF2-40B4-BE49-F238E27FC236}">
-                <a16:creationId xmlns:a16="http://schemas.microsoft.com/office/drawing/2014/main" id="{CEDDC217-42B4-4F29-BAE8-1D50F6A26F9C}"/>
-              </a:ext>
-            </a:extLst>
-          </p:cNvPr>
+          <p:cNvPr id="18" name="直接连接符 17"/>
           <p:cNvCxnSpPr>
-            <a:cxnSpLocks/>
             <a:stCxn id="53" idx="6"/>
             <a:endCxn id="39" idx="1"/>
           </p:cNvCxnSpPr>
@@ -7801,15 +6770,8 @@
       </p:cxnSp>
       <p:cxnSp>
         <p:nvCxnSpPr>
-          <p:cNvPr id="57" name="直接连接符 56">
-            <a:extLst>
-              <a:ext uri="{FF2B5EF4-FFF2-40B4-BE49-F238E27FC236}">
-                <a16:creationId xmlns:a16="http://schemas.microsoft.com/office/drawing/2014/main" id="{D000EE38-E60A-440C-8E22-6A051955A33A}"/>
-              </a:ext>
-            </a:extLst>
-          </p:cNvPr>
+          <p:cNvPr id="57" name="直接连接符 56"/>
           <p:cNvCxnSpPr>
-            <a:cxnSpLocks/>
             <a:stCxn id="54" idx="6"/>
             <a:endCxn id="39" idx="1"/>
           </p:cNvCxnSpPr>
@@ -7842,15 +6804,8 @@
       </p:cxnSp>
       <p:cxnSp>
         <p:nvCxnSpPr>
-          <p:cNvPr id="58" name="直接连接符 57">
-            <a:extLst>
-              <a:ext uri="{FF2B5EF4-FFF2-40B4-BE49-F238E27FC236}">
-                <a16:creationId xmlns:a16="http://schemas.microsoft.com/office/drawing/2014/main" id="{0F181114-78E8-4C63-83CC-E58065393C64}"/>
-              </a:ext>
-            </a:extLst>
-          </p:cNvPr>
+          <p:cNvPr id="58" name="直接连接符 57"/>
           <p:cNvCxnSpPr>
-            <a:cxnSpLocks/>
             <a:stCxn id="7" idx="6"/>
             <a:endCxn id="4" idx="1"/>
           </p:cNvCxnSpPr>
@@ -7883,15 +6838,8 @@
       </p:cxnSp>
       <p:cxnSp>
         <p:nvCxnSpPr>
-          <p:cNvPr id="60" name="直接连接符 59">
-            <a:extLst>
-              <a:ext uri="{FF2B5EF4-FFF2-40B4-BE49-F238E27FC236}">
-                <a16:creationId xmlns:a16="http://schemas.microsoft.com/office/drawing/2014/main" id="{6AB188FF-528B-4D52-B92B-E7B8A417073B}"/>
-              </a:ext>
-            </a:extLst>
-          </p:cNvPr>
+          <p:cNvPr id="60" name="直接连接符 59"/>
           <p:cNvCxnSpPr>
-            <a:cxnSpLocks/>
             <a:stCxn id="6" idx="3"/>
             <a:endCxn id="55" idx="2"/>
           </p:cNvCxnSpPr>
@@ -7924,15 +6872,8 @@
       </p:cxnSp>
       <p:cxnSp>
         <p:nvCxnSpPr>
-          <p:cNvPr id="63" name="直接连接符 62">
-            <a:extLst>
-              <a:ext uri="{FF2B5EF4-FFF2-40B4-BE49-F238E27FC236}">
-                <a16:creationId xmlns:a16="http://schemas.microsoft.com/office/drawing/2014/main" id="{E05863FB-0F0B-4E19-BE64-C356BE227B0B}"/>
-              </a:ext>
-            </a:extLst>
-          </p:cNvPr>
+          <p:cNvPr id="63" name="直接连接符 62"/>
           <p:cNvCxnSpPr>
-            <a:cxnSpLocks/>
             <a:stCxn id="49" idx="3"/>
             <a:endCxn id="56" idx="2"/>
           </p:cNvCxnSpPr>
@@ -7964,11 +6905,6 @@
         </p:style>
       </p:cxnSp>
     </p:spTree>
-    <p:extLst>
-      <p:ext uri="{BB962C8B-B14F-4D97-AF65-F5344CB8AC3E}">
-        <p14:creationId xmlns:p14="http://schemas.microsoft.com/office/powerpoint/2010/main" val="2142046460"/>
-      </p:ext>
-    </p:extLst>
   </p:cSld>
   <p:clrMapOvr>
     <a:masterClrMapping/>
@@ -7995,13 +6931,7 @@
       </p:grpSpPr>
       <p:sp>
         <p:nvSpPr>
-          <p:cNvPr id="4" name="矩形: 圆角 3">
-            <a:extLst>
-              <a:ext uri="{FF2B5EF4-FFF2-40B4-BE49-F238E27FC236}">
-                <a16:creationId xmlns:a16="http://schemas.microsoft.com/office/drawing/2014/main" id="{1C07B429-86AF-47B6-9883-CA42CAD33FF5}"/>
-              </a:ext>
-            </a:extLst>
-          </p:cNvPr>
+          <p:cNvPr id="4" name="矩形: 圆角 3"/>
           <p:cNvSpPr/>
           <p:nvPr/>
         </p:nvSpPr>
@@ -8049,13 +6979,7 @@
       </p:sp>
       <p:sp>
         <p:nvSpPr>
-          <p:cNvPr id="5" name="矩形: 圆角 4">
-            <a:extLst>
-              <a:ext uri="{FF2B5EF4-FFF2-40B4-BE49-F238E27FC236}">
-                <a16:creationId xmlns:a16="http://schemas.microsoft.com/office/drawing/2014/main" id="{2F49EA96-F357-44F6-B9AB-43AEBB788CC0}"/>
-              </a:ext>
-            </a:extLst>
-          </p:cNvPr>
+          <p:cNvPr id="5" name="矩形: 圆角 4"/>
           <p:cNvSpPr/>
           <p:nvPr/>
         </p:nvSpPr>
@@ -8107,13 +7031,7 @@
       </p:sp>
       <p:cxnSp>
         <p:nvCxnSpPr>
-          <p:cNvPr id="8" name="直接箭头连接符 7">
-            <a:extLst>
-              <a:ext uri="{FF2B5EF4-FFF2-40B4-BE49-F238E27FC236}">
-                <a16:creationId xmlns:a16="http://schemas.microsoft.com/office/drawing/2014/main" id="{FC2EFD0A-0E46-409E-B412-87FD17FF9A33}"/>
-              </a:ext>
-            </a:extLst>
-          </p:cNvPr>
+          <p:cNvPr id="8" name="直接箭头连接符 7"/>
           <p:cNvCxnSpPr/>
           <p:nvPr/>
         </p:nvCxnSpPr>
@@ -8146,13 +7064,7 @@
       </p:cxnSp>
       <p:sp>
         <p:nvSpPr>
-          <p:cNvPr id="9" name="文本框 8">
-            <a:extLst>
-              <a:ext uri="{FF2B5EF4-FFF2-40B4-BE49-F238E27FC236}">
-                <a16:creationId xmlns:a16="http://schemas.microsoft.com/office/drawing/2014/main" id="{7D808FFB-99B1-4D21-B8E6-F6E2926FD753}"/>
-              </a:ext>
-            </a:extLst>
-          </p:cNvPr>
+          <p:cNvPr id="9" name="文本框 8"/>
           <p:cNvSpPr txBox="1"/>
           <p:nvPr/>
         </p:nvSpPr>
@@ -8182,13 +7094,7 @@
       </p:sp>
       <p:sp>
         <p:nvSpPr>
-          <p:cNvPr id="10" name="文本框 9">
-            <a:extLst>
-              <a:ext uri="{FF2B5EF4-FFF2-40B4-BE49-F238E27FC236}">
-                <a16:creationId xmlns:a16="http://schemas.microsoft.com/office/drawing/2014/main" id="{F225615E-A438-41F6-9EB9-A40CFF745165}"/>
-              </a:ext>
-            </a:extLst>
-          </p:cNvPr>
+          <p:cNvPr id="10" name="文本框 9"/>
           <p:cNvSpPr txBox="1"/>
           <p:nvPr/>
         </p:nvSpPr>
@@ -8218,13 +7124,7 @@
       </p:sp>
       <p:cxnSp>
         <p:nvCxnSpPr>
-          <p:cNvPr id="11" name="直接箭头连接符 10">
-            <a:extLst>
-              <a:ext uri="{FF2B5EF4-FFF2-40B4-BE49-F238E27FC236}">
-                <a16:creationId xmlns:a16="http://schemas.microsoft.com/office/drawing/2014/main" id="{BE0A7279-8E12-4A05-BDAA-BF8273EE2449}"/>
-              </a:ext>
-            </a:extLst>
-          </p:cNvPr>
+          <p:cNvPr id="11" name="直接箭头连接符 10"/>
           <p:cNvCxnSpPr/>
           <p:nvPr/>
         </p:nvCxnSpPr>
@@ -8258,16 +7158,8 @@
       </p:cxnSp>
       <p:cxnSp>
         <p:nvCxnSpPr>
-          <p:cNvPr id="12" name="直接箭头连接符 11">
-            <a:extLst>
-              <a:ext uri="{FF2B5EF4-FFF2-40B4-BE49-F238E27FC236}">
-                <a16:creationId xmlns:a16="http://schemas.microsoft.com/office/drawing/2014/main" id="{06108BE1-CA1E-4AE7-877C-39B92AF92852}"/>
-              </a:ext>
-            </a:extLst>
-          </p:cNvPr>
-          <p:cNvCxnSpPr>
-            <a:cxnSpLocks/>
-          </p:cNvCxnSpPr>
+          <p:cNvPr id="12" name="直接箭头连接符 11"/>
+          <p:cNvCxnSpPr/>
           <p:nvPr/>
         </p:nvCxnSpPr>
         <p:spPr>
@@ -8299,13 +7191,7 @@
       </p:cxnSp>
       <p:sp>
         <p:nvSpPr>
-          <p:cNvPr id="14" name="文本框 13">
-            <a:extLst>
-              <a:ext uri="{FF2B5EF4-FFF2-40B4-BE49-F238E27FC236}">
-                <a16:creationId xmlns:a16="http://schemas.microsoft.com/office/drawing/2014/main" id="{0A1F30B4-4B6D-4835-9536-B627DDD49A93}"/>
-              </a:ext>
-            </a:extLst>
-          </p:cNvPr>
+          <p:cNvPr id="14" name="文本框 13"/>
           <p:cNvSpPr txBox="1"/>
           <p:nvPr/>
         </p:nvSpPr>
@@ -8335,16 +7221,8 @@
       </p:sp>
       <p:cxnSp>
         <p:nvCxnSpPr>
-          <p:cNvPr id="16" name="直接箭头连接符 15">
-            <a:extLst>
-              <a:ext uri="{FF2B5EF4-FFF2-40B4-BE49-F238E27FC236}">
-                <a16:creationId xmlns:a16="http://schemas.microsoft.com/office/drawing/2014/main" id="{A815C21E-9C49-4C63-BF12-041A7D66C565}"/>
-              </a:ext>
-            </a:extLst>
-          </p:cNvPr>
-          <p:cNvCxnSpPr>
-            <a:cxnSpLocks/>
-          </p:cNvCxnSpPr>
+          <p:cNvPr id="16" name="直接箭头连接符 15"/>
+          <p:cNvCxnSpPr/>
           <p:nvPr/>
         </p:nvCxnSpPr>
         <p:spPr>
@@ -8376,13 +7254,7 @@
       </p:cxnSp>
       <p:sp>
         <p:nvSpPr>
-          <p:cNvPr id="17" name="文本框 16">
-            <a:extLst>
-              <a:ext uri="{FF2B5EF4-FFF2-40B4-BE49-F238E27FC236}">
-                <a16:creationId xmlns:a16="http://schemas.microsoft.com/office/drawing/2014/main" id="{E591C892-F29E-4B71-BEAA-9E40B043B392}"/>
-              </a:ext>
-            </a:extLst>
-          </p:cNvPr>
+          <p:cNvPr id="17" name="文本框 16"/>
           <p:cNvSpPr txBox="1"/>
           <p:nvPr/>
         </p:nvSpPr>
@@ -8412,13 +7284,7 @@
       </p:sp>
       <p:grpSp>
         <p:nvGrpSpPr>
-          <p:cNvPr id="62" name="组合 61">
-            <a:extLst>
-              <a:ext uri="{FF2B5EF4-FFF2-40B4-BE49-F238E27FC236}">
-                <a16:creationId xmlns:a16="http://schemas.microsoft.com/office/drawing/2014/main" id="{E514B782-7682-44F1-BCC2-C567BB10748B}"/>
-              </a:ext>
-            </a:extLst>
-          </p:cNvPr>
+          <p:cNvPr id="62" name="组合 61"/>
           <p:cNvGrpSpPr/>
           <p:nvPr/>
         </p:nvGrpSpPr>
@@ -8432,13 +7298,7 @@
         </p:grpSpPr>
         <p:sp>
           <p:nvSpPr>
-            <p:cNvPr id="15" name="矩形: 圆角 14">
-              <a:extLst>
-                <a:ext uri="{FF2B5EF4-FFF2-40B4-BE49-F238E27FC236}">
-                  <a16:creationId xmlns:a16="http://schemas.microsoft.com/office/drawing/2014/main" id="{CE70EC2E-C357-4F6D-B02F-3561AB3C29C1}"/>
-                </a:ext>
-              </a:extLst>
-            </p:cNvPr>
+            <p:cNvPr id="15" name="矩形: 圆角 14"/>
             <p:cNvSpPr/>
             <p:nvPr/>
           </p:nvSpPr>
@@ -8486,13 +7346,7 @@
         </p:sp>
         <p:sp>
           <p:nvSpPr>
-            <p:cNvPr id="24" name="矩形: 圆角 23">
-              <a:extLst>
-                <a:ext uri="{FF2B5EF4-FFF2-40B4-BE49-F238E27FC236}">
-                  <a16:creationId xmlns:a16="http://schemas.microsoft.com/office/drawing/2014/main" id="{160FB28D-0483-4656-857B-60C7EBEE55C3}"/>
-                </a:ext>
-              </a:extLst>
-            </p:cNvPr>
+            <p:cNvPr id="24" name="矩形: 圆角 23"/>
             <p:cNvSpPr/>
             <p:nvPr/>
           </p:nvSpPr>
@@ -8552,13 +7406,7 @@
         </p:sp>
         <p:cxnSp>
           <p:nvCxnSpPr>
-            <p:cNvPr id="25" name="直接箭头连接符 24">
-              <a:extLst>
-                <a:ext uri="{FF2B5EF4-FFF2-40B4-BE49-F238E27FC236}">
-                  <a16:creationId xmlns:a16="http://schemas.microsoft.com/office/drawing/2014/main" id="{A511D69C-F5B4-4CE4-BAA8-C3B1E46D7357}"/>
-                </a:ext>
-              </a:extLst>
-            </p:cNvPr>
+            <p:cNvPr id="25" name="直接箭头连接符 24"/>
             <p:cNvCxnSpPr/>
             <p:nvPr/>
           </p:nvCxnSpPr>
@@ -8591,13 +7439,7 @@
         </p:cxnSp>
         <p:sp>
           <p:nvSpPr>
-            <p:cNvPr id="26" name="文本框 25">
-              <a:extLst>
-                <a:ext uri="{FF2B5EF4-FFF2-40B4-BE49-F238E27FC236}">
-                  <a16:creationId xmlns:a16="http://schemas.microsoft.com/office/drawing/2014/main" id="{97626CAA-C9AA-4FA9-A1DC-F0DFE9C23DD8}"/>
-                </a:ext>
-              </a:extLst>
-            </p:cNvPr>
+            <p:cNvPr id="26" name="文本框 25"/>
             <p:cNvSpPr txBox="1"/>
             <p:nvPr/>
           </p:nvSpPr>
@@ -8627,13 +7469,7 @@
         </p:sp>
         <p:sp>
           <p:nvSpPr>
-            <p:cNvPr id="27" name="文本框 26">
-              <a:extLst>
-                <a:ext uri="{FF2B5EF4-FFF2-40B4-BE49-F238E27FC236}">
-                  <a16:creationId xmlns:a16="http://schemas.microsoft.com/office/drawing/2014/main" id="{E51DBD9B-C6A6-4E13-B348-CBC0B554905A}"/>
-                </a:ext>
-              </a:extLst>
-            </p:cNvPr>
+            <p:cNvPr id="27" name="文本框 26"/>
             <p:cNvSpPr txBox="1"/>
             <p:nvPr/>
           </p:nvSpPr>
@@ -8663,13 +7499,7 @@
         </p:sp>
         <p:cxnSp>
           <p:nvCxnSpPr>
-            <p:cNvPr id="28" name="直接箭头连接符 27">
-              <a:extLst>
-                <a:ext uri="{FF2B5EF4-FFF2-40B4-BE49-F238E27FC236}">
-                  <a16:creationId xmlns:a16="http://schemas.microsoft.com/office/drawing/2014/main" id="{57FF3AB9-C7D8-4FC8-8BE3-FA14E45DF178}"/>
-                </a:ext>
-              </a:extLst>
-            </p:cNvPr>
+            <p:cNvPr id="28" name="直接箭头连接符 27"/>
             <p:cNvCxnSpPr/>
             <p:nvPr/>
           </p:nvCxnSpPr>
@@ -8704,16 +7534,8 @@
       </p:grpSp>
       <p:cxnSp>
         <p:nvCxnSpPr>
-          <p:cNvPr id="32" name="直接箭头连接符 31">
-            <a:extLst>
-              <a:ext uri="{FF2B5EF4-FFF2-40B4-BE49-F238E27FC236}">
-                <a16:creationId xmlns:a16="http://schemas.microsoft.com/office/drawing/2014/main" id="{3AAB98F9-15BE-4778-A6B0-709D0BE65342}"/>
-              </a:ext>
-            </a:extLst>
-          </p:cNvPr>
-          <p:cNvCxnSpPr>
-            <a:cxnSpLocks/>
-          </p:cNvCxnSpPr>
+          <p:cNvPr id="32" name="直接箭头连接符 31"/>
+          <p:cNvCxnSpPr/>
           <p:nvPr/>
         </p:nvCxnSpPr>
         <p:spPr>
@@ -8746,13 +7568,7 @@
       </p:cxnSp>
       <p:sp>
         <p:nvSpPr>
-          <p:cNvPr id="35" name="文本框 34">
-            <a:extLst>
-              <a:ext uri="{FF2B5EF4-FFF2-40B4-BE49-F238E27FC236}">
-                <a16:creationId xmlns:a16="http://schemas.microsoft.com/office/drawing/2014/main" id="{0EA21600-F41C-4BEB-B86E-FC43ADB7183B}"/>
-              </a:ext>
-            </a:extLst>
-          </p:cNvPr>
+          <p:cNvPr id="35" name="文本框 34"/>
           <p:cNvSpPr txBox="1"/>
           <p:nvPr/>
         </p:nvSpPr>
@@ -8782,16 +7598,8 @@
       </p:sp>
       <p:cxnSp>
         <p:nvCxnSpPr>
-          <p:cNvPr id="36" name="直接箭头连接符 35">
-            <a:extLst>
-              <a:ext uri="{FF2B5EF4-FFF2-40B4-BE49-F238E27FC236}">
-                <a16:creationId xmlns:a16="http://schemas.microsoft.com/office/drawing/2014/main" id="{3B09C82F-4DEA-4F33-ACDC-4CB64308E1AE}"/>
-              </a:ext>
-            </a:extLst>
-          </p:cNvPr>
-          <p:cNvCxnSpPr>
-            <a:cxnSpLocks/>
-          </p:cNvCxnSpPr>
+          <p:cNvPr id="36" name="直接箭头连接符 35"/>
+          <p:cNvCxnSpPr/>
           <p:nvPr/>
         </p:nvCxnSpPr>
         <p:spPr>
@@ -8824,13 +7632,7 @@
       </p:cxnSp>
       <p:sp>
         <p:nvSpPr>
-          <p:cNvPr id="6" name="矩形: 圆角 5">
-            <a:extLst>
-              <a:ext uri="{FF2B5EF4-FFF2-40B4-BE49-F238E27FC236}">
-                <a16:creationId xmlns:a16="http://schemas.microsoft.com/office/drawing/2014/main" id="{2678BDD2-DEC9-43AE-AB60-B0E077FAC0F9}"/>
-              </a:ext>
-            </a:extLst>
-          </p:cNvPr>
+          <p:cNvPr id="6" name="矩形: 圆角 5"/>
           <p:cNvSpPr/>
           <p:nvPr/>
         </p:nvSpPr>
@@ -8890,13 +7692,7 @@
       </p:sp>
       <p:sp>
         <p:nvSpPr>
-          <p:cNvPr id="34" name="矩形: 圆角 33">
-            <a:extLst>
-              <a:ext uri="{FF2B5EF4-FFF2-40B4-BE49-F238E27FC236}">
-                <a16:creationId xmlns:a16="http://schemas.microsoft.com/office/drawing/2014/main" id="{6E36909E-CB50-438B-B629-5ED8C225567E}"/>
-              </a:ext>
-            </a:extLst>
-          </p:cNvPr>
+          <p:cNvPr id="34" name="矩形: 圆角 33"/>
           <p:cNvSpPr/>
           <p:nvPr/>
         </p:nvSpPr>
@@ -8950,13 +7746,7 @@
       </p:sp>
       <p:sp>
         <p:nvSpPr>
-          <p:cNvPr id="20" name="弧形 19">
-            <a:extLst>
-              <a:ext uri="{FF2B5EF4-FFF2-40B4-BE49-F238E27FC236}">
-                <a16:creationId xmlns:a16="http://schemas.microsoft.com/office/drawing/2014/main" id="{CB33E0EC-DCF6-4CA0-8507-4E352AEED231}"/>
-              </a:ext>
-            </a:extLst>
-          </p:cNvPr>
+          <p:cNvPr id="20" name="弧形 19"/>
           <p:cNvSpPr/>
           <p:nvPr/>
         </p:nvSpPr>
@@ -8997,13 +7787,7 @@
       </p:sp>
       <p:sp>
         <p:nvSpPr>
-          <p:cNvPr id="38" name="文本框 37">
-            <a:extLst>
-              <a:ext uri="{FF2B5EF4-FFF2-40B4-BE49-F238E27FC236}">
-                <a16:creationId xmlns:a16="http://schemas.microsoft.com/office/drawing/2014/main" id="{CC71CD06-193A-4883-AE57-6F6D2356E4AC}"/>
-              </a:ext>
-            </a:extLst>
-          </p:cNvPr>
+          <p:cNvPr id="38" name="文本框 37"/>
           <p:cNvSpPr txBox="1"/>
           <p:nvPr/>
         </p:nvSpPr>
@@ -9027,18 +7811,13 @@
               <a:rPr lang="zh-CN" altLang="en-US" b="1" dirty="0"/>
               <a:t>继承</a:t>
             </a:r>
-          </a:p>
-        </p:txBody>
-      </p:sp>
-      <p:sp>
-        <p:nvSpPr>
-          <p:cNvPr id="39" name="矩形: 圆角 38">
-            <a:extLst>
-              <a:ext uri="{FF2B5EF4-FFF2-40B4-BE49-F238E27FC236}">
-                <a16:creationId xmlns:a16="http://schemas.microsoft.com/office/drawing/2014/main" id="{59B44627-AEEF-4416-83A6-26270AC52443}"/>
-              </a:ext>
-            </a:extLst>
-          </p:cNvPr>
+            <a:endParaRPr lang="zh-CN" altLang="en-US" b="1" dirty="0"/>
+          </a:p>
+        </p:txBody>
+      </p:sp>
+      <p:sp>
+        <p:nvSpPr>
+          <p:cNvPr id="39" name="矩形: 圆角 38"/>
           <p:cNvSpPr/>
           <p:nvPr/>
         </p:nvSpPr>
@@ -9086,13 +7865,7 @@
       </p:sp>
       <p:sp>
         <p:nvSpPr>
-          <p:cNvPr id="40" name="矩形: 圆角 39">
-            <a:extLst>
-              <a:ext uri="{FF2B5EF4-FFF2-40B4-BE49-F238E27FC236}">
-                <a16:creationId xmlns:a16="http://schemas.microsoft.com/office/drawing/2014/main" id="{E4685894-2736-4169-8982-0DBB954BB2C0}"/>
-              </a:ext>
-            </a:extLst>
-          </p:cNvPr>
+          <p:cNvPr id="40" name="矩形: 圆角 39"/>
           <p:cNvSpPr/>
           <p:nvPr/>
         </p:nvSpPr>
@@ -9144,13 +7917,7 @@
       </p:sp>
       <p:grpSp>
         <p:nvGrpSpPr>
-          <p:cNvPr id="19" name="组合 18">
-            <a:extLst>
-              <a:ext uri="{FF2B5EF4-FFF2-40B4-BE49-F238E27FC236}">
-                <a16:creationId xmlns:a16="http://schemas.microsoft.com/office/drawing/2014/main" id="{901F78F4-77BB-47DB-A229-D8A1689F35AD}"/>
-              </a:ext>
-            </a:extLst>
-          </p:cNvPr>
+          <p:cNvPr id="19" name="组合 18"/>
           <p:cNvGrpSpPr/>
           <p:nvPr/>
         </p:nvGrpSpPr>
@@ -9164,13 +7931,7 @@
         </p:grpSpPr>
         <p:cxnSp>
           <p:nvCxnSpPr>
-            <p:cNvPr id="41" name="直接箭头连接符 40">
-              <a:extLst>
-                <a:ext uri="{FF2B5EF4-FFF2-40B4-BE49-F238E27FC236}">
-                  <a16:creationId xmlns:a16="http://schemas.microsoft.com/office/drawing/2014/main" id="{4C475E05-B49B-447F-B41E-CF7027B895CC}"/>
-                </a:ext>
-              </a:extLst>
-            </p:cNvPr>
+            <p:cNvPr id="41" name="直接箭头连接符 40"/>
             <p:cNvCxnSpPr/>
             <p:nvPr/>
           </p:nvCxnSpPr>
@@ -9203,13 +7964,7 @@
         </p:cxnSp>
         <p:sp>
           <p:nvSpPr>
-            <p:cNvPr id="42" name="文本框 41">
-              <a:extLst>
-                <a:ext uri="{FF2B5EF4-FFF2-40B4-BE49-F238E27FC236}">
-                  <a16:creationId xmlns:a16="http://schemas.microsoft.com/office/drawing/2014/main" id="{B118C19B-1BCC-489A-A472-7D25D4923A47}"/>
-                </a:ext>
-              </a:extLst>
-            </p:cNvPr>
+            <p:cNvPr id="42" name="文本框 41"/>
             <p:cNvSpPr txBox="1"/>
             <p:nvPr/>
           </p:nvSpPr>
@@ -9239,13 +7994,7 @@
         </p:sp>
         <p:sp>
           <p:nvSpPr>
-            <p:cNvPr id="43" name="文本框 42">
-              <a:extLst>
-                <a:ext uri="{FF2B5EF4-FFF2-40B4-BE49-F238E27FC236}">
-                  <a16:creationId xmlns:a16="http://schemas.microsoft.com/office/drawing/2014/main" id="{D1E14C70-96A9-4691-9B4C-BF41ABD5DB2A}"/>
-                </a:ext>
-              </a:extLst>
-            </p:cNvPr>
+            <p:cNvPr id="43" name="文本框 42"/>
             <p:cNvSpPr txBox="1"/>
             <p:nvPr/>
           </p:nvSpPr>
@@ -9275,13 +8024,7 @@
         </p:sp>
         <p:cxnSp>
           <p:nvCxnSpPr>
-            <p:cNvPr id="44" name="直接箭头连接符 43">
-              <a:extLst>
-                <a:ext uri="{FF2B5EF4-FFF2-40B4-BE49-F238E27FC236}">
-                  <a16:creationId xmlns:a16="http://schemas.microsoft.com/office/drawing/2014/main" id="{99EF6195-AABC-47A6-9A40-455A918068C2}"/>
-                </a:ext>
-              </a:extLst>
-            </p:cNvPr>
+            <p:cNvPr id="44" name="直接箭头连接符 43"/>
             <p:cNvCxnSpPr/>
             <p:nvPr/>
           </p:nvCxnSpPr>
@@ -9316,16 +8059,8 @@
       </p:grpSp>
       <p:cxnSp>
         <p:nvCxnSpPr>
-          <p:cNvPr id="45" name="直接箭头连接符 44">
-            <a:extLst>
-              <a:ext uri="{FF2B5EF4-FFF2-40B4-BE49-F238E27FC236}">
-                <a16:creationId xmlns:a16="http://schemas.microsoft.com/office/drawing/2014/main" id="{952153B5-F277-4423-BBD4-3114A5F236D7}"/>
-              </a:ext>
-            </a:extLst>
-          </p:cNvPr>
-          <p:cNvCxnSpPr>
-            <a:cxnSpLocks/>
-          </p:cNvCxnSpPr>
+          <p:cNvPr id="45" name="直接箭头连接符 44"/>
+          <p:cNvCxnSpPr/>
           <p:nvPr/>
         </p:nvCxnSpPr>
         <p:spPr>
@@ -9357,13 +8092,7 @@
       </p:cxnSp>
       <p:sp>
         <p:nvSpPr>
-          <p:cNvPr id="46" name="文本框 45">
-            <a:extLst>
-              <a:ext uri="{FF2B5EF4-FFF2-40B4-BE49-F238E27FC236}">
-                <a16:creationId xmlns:a16="http://schemas.microsoft.com/office/drawing/2014/main" id="{0CF9A68A-E5D3-476F-83F0-3815F56EB4ED}"/>
-              </a:ext>
-            </a:extLst>
-          </p:cNvPr>
+          <p:cNvPr id="46" name="文本框 45"/>
           <p:cNvSpPr txBox="1"/>
           <p:nvPr/>
         </p:nvSpPr>
@@ -9393,16 +8122,8 @@
       </p:sp>
       <p:cxnSp>
         <p:nvCxnSpPr>
-          <p:cNvPr id="47" name="直接箭头连接符 46">
-            <a:extLst>
-              <a:ext uri="{FF2B5EF4-FFF2-40B4-BE49-F238E27FC236}">
-                <a16:creationId xmlns:a16="http://schemas.microsoft.com/office/drawing/2014/main" id="{8B2F1FE7-4237-4CAD-A548-510F0406ED3F}"/>
-              </a:ext>
-            </a:extLst>
-          </p:cNvPr>
-          <p:cNvCxnSpPr>
-            <a:cxnSpLocks/>
-          </p:cNvCxnSpPr>
+          <p:cNvPr id="47" name="直接箭头连接符 46"/>
+          <p:cNvCxnSpPr/>
           <p:nvPr/>
         </p:nvCxnSpPr>
         <p:spPr>
@@ -9434,16 +8155,8 @@
       </p:cxnSp>
       <p:cxnSp>
         <p:nvCxnSpPr>
-          <p:cNvPr id="49" name="直接箭头连接符 48">
-            <a:extLst>
-              <a:ext uri="{FF2B5EF4-FFF2-40B4-BE49-F238E27FC236}">
-                <a16:creationId xmlns:a16="http://schemas.microsoft.com/office/drawing/2014/main" id="{3500638B-5E7F-4D61-9EA5-92D7C9713F46}"/>
-              </a:ext>
-            </a:extLst>
-          </p:cNvPr>
-          <p:cNvCxnSpPr>
-            <a:cxnSpLocks/>
-          </p:cNvCxnSpPr>
+          <p:cNvPr id="49" name="直接箭头连接符 48"/>
+          <p:cNvCxnSpPr/>
           <p:nvPr/>
         </p:nvCxnSpPr>
         <p:spPr>
@@ -9476,13 +8189,7 @@
       </p:cxnSp>
       <p:sp>
         <p:nvSpPr>
-          <p:cNvPr id="50" name="文本框 49">
-            <a:extLst>
-              <a:ext uri="{FF2B5EF4-FFF2-40B4-BE49-F238E27FC236}">
-                <a16:creationId xmlns:a16="http://schemas.microsoft.com/office/drawing/2014/main" id="{D1B417AB-3F54-4E85-8988-005665D94A59}"/>
-              </a:ext>
-            </a:extLst>
-          </p:cNvPr>
+          <p:cNvPr id="50" name="文本框 49"/>
           <p:cNvSpPr txBox="1"/>
           <p:nvPr/>
         </p:nvSpPr>
@@ -9512,16 +8219,8 @@
       </p:sp>
       <p:cxnSp>
         <p:nvCxnSpPr>
-          <p:cNvPr id="51" name="直接箭头连接符 50">
-            <a:extLst>
-              <a:ext uri="{FF2B5EF4-FFF2-40B4-BE49-F238E27FC236}">
-                <a16:creationId xmlns:a16="http://schemas.microsoft.com/office/drawing/2014/main" id="{445739F5-7997-4DBB-913C-AE47B92E8C28}"/>
-              </a:ext>
-            </a:extLst>
-          </p:cNvPr>
-          <p:cNvCxnSpPr>
-            <a:cxnSpLocks/>
-          </p:cNvCxnSpPr>
+          <p:cNvPr id="51" name="直接箭头连接符 50"/>
+          <p:cNvCxnSpPr/>
           <p:nvPr/>
         </p:nvCxnSpPr>
         <p:spPr>
@@ -9554,13 +8253,7 @@
       </p:cxnSp>
       <p:sp>
         <p:nvSpPr>
-          <p:cNvPr id="52" name="文本框 51">
-            <a:extLst>
-              <a:ext uri="{FF2B5EF4-FFF2-40B4-BE49-F238E27FC236}">
-                <a16:creationId xmlns:a16="http://schemas.microsoft.com/office/drawing/2014/main" id="{3A19FAAF-6ABA-46E4-8C15-59CBB3792CC8}"/>
-              </a:ext>
-            </a:extLst>
-          </p:cNvPr>
+          <p:cNvPr id="52" name="文本框 51"/>
           <p:cNvSpPr txBox="1"/>
           <p:nvPr/>
         </p:nvSpPr>
@@ -9590,13 +8283,7 @@
       </p:sp>
       <p:grpSp>
         <p:nvGrpSpPr>
-          <p:cNvPr id="18" name="组合 17">
-            <a:extLst>
-              <a:ext uri="{FF2B5EF4-FFF2-40B4-BE49-F238E27FC236}">
-                <a16:creationId xmlns:a16="http://schemas.microsoft.com/office/drawing/2014/main" id="{0013CFD2-3ADF-4180-8CE8-AF4EC31D56F2}"/>
-              </a:ext>
-            </a:extLst>
-          </p:cNvPr>
+          <p:cNvPr id="18" name="组合 17"/>
           <p:cNvGrpSpPr/>
           <p:nvPr/>
         </p:nvGrpSpPr>
@@ -9610,13 +8297,7 @@
         </p:grpSpPr>
         <p:grpSp>
           <p:nvGrpSpPr>
-            <p:cNvPr id="13" name="组合 12">
-              <a:extLst>
-                <a:ext uri="{FF2B5EF4-FFF2-40B4-BE49-F238E27FC236}">
-                  <a16:creationId xmlns:a16="http://schemas.microsoft.com/office/drawing/2014/main" id="{897AE143-6292-42FC-9ECF-2C9E6A7A86A0}"/>
-                </a:ext>
-              </a:extLst>
-            </p:cNvPr>
+            <p:cNvPr id="13" name="组合 12"/>
             <p:cNvGrpSpPr/>
             <p:nvPr/>
           </p:nvGrpSpPr>
@@ -9630,13 +8311,7 @@
           </p:grpSpPr>
           <p:sp>
             <p:nvSpPr>
-              <p:cNvPr id="53" name="矩形: 圆角 52">
-                <a:extLst>
-                  <a:ext uri="{FF2B5EF4-FFF2-40B4-BE49-F238E27FC236}">
-                    <a16:creationId xmlns:a16="http://schemas.microsoft.com/office/drawing/2014/main" id="{CB259B3C-CAA4-4897-BF46-A4B96390DD81}"/>
-                  </a:ext>
-                </a:extLst>
-              </p:cNvPr>
+              <p:cNvPr id="53" name="矩形: 圆角 52"/>
               <p:cNvSpPr/>
               <p:nvPr/>
             </p:nvSpPr>
@@ -9696,13 +8371,7 @@
           </p:sp>
           <p:sp>
             <p:nvSpPr>
-              <p:cNvPr id="54" name="矩形: 圆角 53">
-                <a:extLst>
-                  <a:ext uri="{FF2B5EF4-FFF2-40B4-BE49-F238E27FC236}">
-                    <a16:creationId xmlns:a16="http://schemas.microsoft.com/office/drawing/2014/main" id="{634DFF8D-D690-4F56-A5CE-0C12E1A0AC71}"/>
-                  </a:ext>
-                </a:extLst>
-              </p:cNvPr>
+              <p:cNvPr id="54" name="矩形: 圆角 53"/>
               <p:cNvSpPr/>
               <p:nvPr/>
             </p:nvSpPr>
@@ -9757,13 +8426,7 @@
         </p:grpSp>
         <p:sp>
           <p:nvSpPr>
-            <p:cNvPr id="55" name="弧形 54">
-              <a:extLst>
-                <a:ext uri="{FF2B5EF4-FFF2-40B4-BE49-F238E27FC236}">
-                  <a16:creationId xmlns:a16="http://schemas.microsoft.com/office/drawing/2014/main" id="{39B3CC23-DCC7-440F-A234-32EED58E5C3B}"/>
-                </a:ext>
-              </a:extLst>
-            </p:cNvPr>
+            <p:cNvPr id="55" name="弧形 54"/>
             <p:cNvSpPr/>
             <p:nvPr/>
           </p:nvSpPr>
@@ -9804,13 +8467,7 @@
         </p:sp>
         <p:sp>
           <p:nvSpPr>
-            <p:cNvPr id="56" name="文本框 55">
-              <a:extLst>
-                <a:ext uri="{FF2B5EF4-FFF2-40B4-BE49-F238E27FC236}">
-                  <a16:creationId xmlns:a16="http://schemas.microsoft.com/office/drawing/2014/main" id="{4233796F-152B-4114-A912-9B0D4109DDFB}"/>
-                </a:ext>
-              </a:extLst>
-            </p:cNvPr>
+            <p:cNvPr id="56" name="文本框 55"/>
             <p:cNvSpPr txBox="1"/>
             <p:nvPr/>
           </p:nvSpPr>
@@ -9834,19 +8491,14 @@
                 <a:rPr lang="zh-CN" altLang="en-US" b="1" dirty="0"/>
                 <a:t>继承</a:t>
               </a:r>
+              <a:endParaRPr lang="zh-CN" altLang="en-US" b="1" dirty="0"/>
             </a:p>
           </p:txBody>
         </p:sp>
       </p:grpSp>
       <p:sp>
         <p:nvSpPr>
-          <p:cNvPr id="69" name="椭圆 68">
-            <a:extLst>
-              <a:ext uri="{FF2B5EF4-FFF2-40B4-BE49-F238E27FC236}">
-                <a16:creationId xmlns:a16="http://schemas.microsoft.com/office/drawing/2014/main" id="{46AF39BA-E6BF-4641-A88B-92B4F1B2CA5C}"/>
-              </a:ext>
-            </a:extLst>
-          </p:cNvPr>
+          <p:cNvPr id="69" name="椭圆 68"/>
           <p:cNvSpPr/>
           <p:nvPr/>
         </p:nvSpPr>
@@ -9890,15 +8542,8 @@
       </p:sp>
       <p:cxnSp>
         <p:nvCxnSpPr>
-          <p:cNvPr id="70" name="直接连接符 69">
-            <a:extLst>
-              <a:ext uri="{FF2B5EF4-FFF2-40B4-BE49-F238E27FC236}">
-                <a16:creationId xmlns:a16="http://schemas.microsoft.com/office/drawing/2014/main" id="{53616243-FF6A-4C36-9967-D5DFA25CD00C}"/>
-              </a:ext>
-            </a:extLst>
-          </p:cNvPr>
+          <p:cNvPr id="70" name="直接连接符 69"/>
           <p:cNvCxnSpPr>
-            <a:cxnSpLocks/>
             <a:stCxn id="69" idx="4"/>
             <a:endCxn id="4" idx="0"/>
           </p:cNvCxnSpPr>
@@ -9931,13 +8576,7 @@
       </p:cxnSp>
       <p:sp>
         <p:nvSpPr>
-          <p:cNvPr id="73" name="椭圆 72">
-            <a:extLst>
-              <a:ext uri="{FF2B5EF4-FFF2-40B4-BE49-F238E27FC236}">
-                <a16:creationId xmlns:a16="http://schemas.microsoft.com/office/drawing/2014/main" id="{B4CA68DB-5590-4586-A6A3-2AF5C6B7991E}"/>
-              </a:ext>
-            </a:extLst>
-          </p:cNvPr>
+          <p:cNvPr id="73" name="椭圆 72"/>
           <p:cNvSpPr/>
           <p:nvPr/>
         </p:nvSpPr>
@@ -9981,15 +8620,8 @@
       </p:sp>
       <p:cxnSp>
         <p:nvCxnSpPr>
-          <p:cNvPr id="74" name="直接连接符 73">
-            <a:extLst>
-              <a:ext uri="{FF2B5EF4-FFF2-40B4-BE49-F238E27FC236}">
-                <a16:creationId xmlns:a16="http://schemas.microsoft.com/office/drawing/2014/main" id="{D3EB18EB-94CB-4213-BBD8-22B5D0ADE624}"/>
-              </a:ext>
-            </a:extLst>
-          </p:cNvPr>
+          <p:cNvPr id="74" name="直接连接符 73"/>
           <p:cNvCxnSpPr>
-            <a:cxnSpLocks/>
             <a:stCxn id="73" idx="0"/>
             <a:endCxn id="6" idx="2"/>
           </p:cNvCxnSpPr>
@@ -10022,13 +8654,7 @@
       </p:cxnSp>
       <p:sp>
         <p:nvSpPr>
-          <p:cNvPr id="78" name="椭圆 77">
-            <a:extLst>
-              <a:ext uri="{FF2B5EF4-FFF2-40B4-BE49-F238E27FC236}">
-                <a16:creationId xmlns:a16="http://schemas.microsoft.com/office/drawing/2014/main" id="{1270B5D0-8B37-4008-BD37-4384B9004010}"/>
-              </a:ext>
-            </a:extLst>
-          </p:cNvPr>
+          <p:cNvPr id="78" name="椭圆 77"/>
           <p:cNvSpPr/>
           <p:nvPr/>
         </p:nvSpPr>
@@ -10072,15 +8698,8 @@
       </p:sp>
       <p:cxnSp>
         <p:nvCxnSpPr>
-          <p:cNvPr id="79" name="直接连接符 78">
-            <a:extLst>
-              <a:ext uri="{FF2B5EF4-FFF2-40B4-BE49-F238E27FC236}">
-                <a16:creationId xmlns:a16="http://schemas.microsoft.com/office/drawing/2014/main" id="{D412A04D-CE08-4BDE-8FCA-A4A514823CD2}"/>
-              </a:ext>
-            </a:extLst>
-          </p:cNvPr>
+          <p:cNvPr id="79" name="直接连接符 78"/>
           <p:cNvCxnSpPr>
-            <a:cxnSpLocks/>
             <a:stCxn id="78" idx="4"/>
             <a:endCxn id="39" idx="0"/>
           </p:cNvCxnSpPr>
@@ -10113,13 +8732,7 @@
       </p:cxnSp>
       <p:sp>
         <p:nvSpPr>
-          <p:cNvPr id="82" name="椭圆 81">
-            <a:extLst>
-              <a:ext uri="{FF2B5EF4-FFF2-40B4-BE49-F238E27FC236}">
-                <a16:creationId xmlns:a16="http://schemas.microsoft.com/office/drawing/2014/main" id="{1381DC41-C718-4010-918D-9B3368C5294A}"/>
-              </a:ext>
-            </a:extLst>
-          </p:cNvPr>
+          <p:cNvPr id="82" name="椭圆 81"/>
           <p:cNvSpPr/>
           <p:nvPr/>
         </p:nvSpPr>
@@ -10163,15 +8776,8 @@
       </p:sp>
       <p:cxnSp>
         <p:nvCxnSpPr>
-          <p:cNvPr id="87" name="直接连接符 86">
-            <a:extLst>
-              <a:ext uri="{FF2B5EF4-FFF2-40B4-BE49-F238E27FC236}">
-                <a16:creationId xmlns:a16="http://schemas.microsoft.com/office/drawing/2014/main" id="{692485D6-15E2-4F65-ACB9-16D92EE3EDE4}"/>
-              </a:ext>
-            </a:extLst>
-          </p:cNvPr>
+          <p:cNvPr id="87" name="直接连接符 86"/>
           <p:cNvCxnSpPr>
-            <a:cxnSpLocks/>
             <a:stCxn id="82" idx="0"/>
             <a:endCxn id="53" idx="2"/>
           </p:cNvCxnSpPr>
@@ -10203,11 +8809,6 @@
         </p:style>
       </p:cxnSp>
     </p:spTree>
-    <p:extLst>
-      <p:ext uri="{BB962C8B-B14F-4D97-AF65-F5344CB8AC3E}">
-        <p14:creationId xmlns:p14="http://schemas.microsoft.com/office/powerpoint/2010/main" val="39958811"/>
-      </p:ext>
-    </p:extLst>
   </p:cSld>
   <p:clrMapOvr>
     <a:masterClrMapping/>
@@ -10234,13 +8835,7 @@
       </p:grpSpPr>
       <p:sp>
         <p:nvSpPr>
-          <p:cNvPr id="4" name="矩形: 圆角 3">
-            <a:extLst>
-              <a:ext uri="{FF2B5EF4-FFF2-40B4-BE49-F238E27FC236}">
-                <a16:creationId xmlns:a16="http://schemas.microsoft.com/office/drawing/2014/main" id="{1C07B429-86AF-47B6-9883-CA42CAD33FF5}"/>
-              </a:ext>
-            </a:extLst>
-          </p:cNvPr>
+          <p:cNvPr id="4" name="矩形: 圆角 3"/>
           <p:cNvSpPr/>
           <p:nvPr/>
         </p:nvSpPr>
@@ -10288,16 +8883,8 @@
       </p:sp>
       <p:cxnSp>
         <p:nvCxnSpPr>
-          <p:cNvPr id="8" name="直接箭头连接符 7">
-            <a:extLst>
-              <a:ext uri="{FF2B5EF4-FFF2-40B4-BE49-F238E27FC236}">
-                <a16:creationId xmlns:a16="http://schemas.microsoft.com/office/drawing/2014/main" id="{FC2EFD0A-0E46-409E-B412-87FD17FF9A33}"/>
-              </a:ext>
-            </a:extLst>
-          </p:cNvPr>
-          <p:cNvCxnSpPr>
-            <a:cxnSpLocks/>
-          </p:cNvCxnSpPr>
+          <p:cNvPr id="8" name="直接箭头连接符 7"/>
+          <p:cNvCxnSpPr/>
           <p:nvPr/>
         </p:nvCxnSpPr>
         <p:spPr>
@@ -10329,13 +8916,7 @@
       </p:cxnSp>
       <p:sp>
         <p:nvSpPr>
-          <p:cNvPr id="9" name="文本框 8">
-            <a:extLst>
-              <a:ext uri="{FF2B5EF4-FFF2-40B4-BE49-F238E27FC236}">
-                <a16:creationId xmlns:a16="http://schemas.microsoft.com/office/drawing/2014/main" id="{7D808FFB-99B1-4D21-B8E6-F6E2926FD753}"/>
-              </a:ext>
-            </a:extLst>
-          </p:cNvPr>
+          <p:cNvPr id="9" name="文本框 8"/>
           <p:cNvSpPr txBox="1"/>
           <p:nvPr/>
         </p:nvSpPr>
@@ -10365,13 +8946,7 @@
       </p:sp>
       <p:sp>
         <p:nvSpPr>
-          <p:cNvPr id="10" name="文本框 9">
-            <a:extLst>
-              <a:ext uri="{FF2B5EF4-FFF2-40B4-BE49-F238E27FC236}">
-                <a16:creationId xmlns:a16="http://schemas.microsoft.com/office/drawing/2014/main" id="{F225615E-A438-41F6-9EB9-A40CFF745165}"/>
-              </a:ext>
-            </a:extLst>
-          </p:cNvPr>
+          <p:cNvPr id="10" name="文本框 9"/>
           <p:cNvSpPr txBox="1"/>
           <p:nvPr/>
         </p:nvSpPr>
@@ -10401,16 +8976,8 @@
       </p:sp>
       <p:cxnSp>
         <p:nvCxnSpPr>
-          <p:cNvPr id="11" name="直接箭头连接符 10">
-            <a:extLst>
-              <a:ext uri="{FF2B5EF4-FFF2-40B4-BE49-F238E27FC236}">
-                <a16:creationId xmlns:a16="http://schemas.microsoft.com/office/drawing/2014/main" id="{BE0A7279-8E12-4A05-BDAA-BF8273EE2449}"/>
-              </a:ext>
-            </a:extLst>
-          </p:cNvPr>
-          <p:cNvCxnSpPr>
-            <a:cxnSpLocks/>
-          </p:cNvCxnSpPr>
+          <p:cNvPr id="11" name="直接箭头连接符 10"/>
+          <p:cNvCxnSpPr/>
           <p:nvPr/>
         </p:nvCxnSpPr>
         <p:spPr>
@@ -10443,16 +9010,8 @@
       </p:cxnSp>
       <p:cxnSp>
         <p:nvCxnSpPr>
-          <p:cNvPr id="12" name="直接箭头连接符 11">
-            <a:extLst>
-              <a:ext uri="{FF2B5EF4-FFF2-40B4-BE49-F238E27FC236}">
-                <a16:creationId xmlns:a16="http://schemas.microsoft.com/office/drawing/2014/main" id="{06108BE1-CA1E-4AE7-877C-39B92AF92852}"/>
-              </a:ext>
-            </a:extLst>
-          </p:cNvPr>
-          <p:cNvCxnSpPr>
-            <a:cxnSpLocks/>
-          </p:cNvCxnSpPr>
+          <p:cNvPr id="12" name="直接箭头连接符 11"/>
+          <p:cNvCxnSpPr/>
           <p:nvPr/>
         </p:nvCxnSpPr>
         <p:spPr>
@@ -10484,13 +9043,7 @@
       </p:cxnSp>
       <p:sp>
         <p:nvSpPr>
-          <p:cNvPr id="14" name="文本框 13">
-            <a:extLst>
-              <a:ext uri="{FF2B5EF4-FFF2-40B4-BE49-F238E27FC236}">
-                <a16:creationId xmlns:a16="http://schemas.microsoft.com/office/drawing/2014/main" id="{0A1F30B4-4B6D-4835-9536-B627DDD49A93}"/>
-              </a:ext>
-            </a:extLst>
-          </p:cNvPr>
+          <p:cNvPr id="14" name="文本框 13"/>
           <p:cNvSpPr txBox="1"/>
           <p:nvPr/>
         </p:nvSpPr>
@@ -10520,13 +9073,7 @@
       </p:sp>
       <p:sp>
         <p:nvSpPr>
-          <p:cNvPr id="15" name="矩形: 圆角 14">
-            <a:extLst>
-              <a:ext uri="{FF2B5EF4-FFF2-40B4-BE49-F238E27FC236}">
-                <a16:creationId xmlns:a16="http://schemas.microsoft.com/office/drawing/2014/main" id="{CE70EC2E-C357-4F6D-B02F-3561AB3C29C1}"/>
-              </a:ext>
-            </a:extLst>
-          </p:cNvPr>
+          <p:cNvPr id="15" name="矩形: 圆角 14"/>
           <p:cNvSpPr/>
           <p:nvPr/>
         </p:nvSpPr>
@@ -10574,16 +9121,8 @@
       </p:sp>
       <p:cxnSp>
         <p:nvCxnSpPr>
-          <p:cNvPr id="16" name="直接箭头连接符 15">
-            <a:extLst>
-              <a:ext uri="{FF2B5EF4-FFF2-40B4-BE49-F238E27FC236}">
-                <a16:creationId xmlns:a16="http://schemas.microsoft.com/office/drawing/2014/main" id="{A815C21E-9C49-4C63-BF12-041A7D66C565}"/>
-              </a:ext>
-            </a:extLst>
-          </p:cNvPr>
-          <p:cNvCxnSpPr>
-            <a:cxnSpLocks/>
-          </p:cNvCxnSpPr>
+          <p:cNvPr id="16" name="直接箭头连接符 15"/>
+          <p:cNvCxnSpPr/>
           <p:nvPr/>
         </p:nvCxnSpPr>
         <p:spPr>
@@ -10615,13 +9154,7 @@
       </p:cxnSp>
       <p:sp>
         <p:nvSpPr>
-          <p:cNvPr id="17" name="文本框 16">
-            <a:extLst>
-              <a:ext uri="{FF2B5EF4-FFF2-40B4-BE49-F238E27FC236}">
-                <a16:creationId xmlns:a16="http://schemas.microsoft.com/office/drawing/2014/main" id="{E591C892-F29E-4B71-BEAA-9E40B043B392}"/>
-              </a:ext>
-            </a:extLst>
-          </p:cNvPr>
+          <p:cNvPr id="17" name="文本框 16"/>
           <p:cNvSpPr txBox="1"/>
           <p:nvPr/>
         </p:nvSpPr>
@@ -10651,13 +9184,7 @@
       </p:sp>
       <p:sp>
         <p:nvSpPr>
-          <p:cNvPr id="24" name="矩形: 圆角 23">
-            <a:extLst>
-              <a:ext uri="{FF2B5EF4-FFF2-40B4-BE49-F238E27FC236}">
-                <a16:creationId xmlns:a16="http://schemas.microsoft.com/office/drawing/2014/main" id="{160FB28D-0483-4656-857B-60C7EBEE55C3}"/>
-              </a:ext>
-            </a:extLst>
-          </p:cNvPr>
+          <p:cNvPr id="24" name="矩形: 圆角 23"/>
           <p:cNvSpPr/>
           <p:nvPr/>
         </p:nvSpPr>
@@ -10717,13 +9244,7 @@
       </p:sp>
       <p:cxnSp>
         <p:nvCxnSpPr>
-          <p:cNvPr id="25" name="直接箭头连接符 24">
-            <a:extLst>
-              <a:ext uri="{FF2B5EF4-FFF2-40B4-BE49-F238E27FC236}">
-                <a16:creationId xmlns:a16="http://schemas.microsoft.com/office/drawing/2014/main" id="{A511D69C-F5B4-4CE4-BAA8-C3B1E46D7357}"/>
-              </a:ext>
-            </a:extLst>
-          </p:cNvPr>
+          <p:cNvPr id="25" name="直接箭头连接符 24"/>
           <p:cNvCxnSpPr/>
           <p:nvPr/>
         </p:nvCxnSpPr>
@@ -10756,13 +9277,7 @@
       </p:cxnSp>
       <p:sp>
         <p:nvSpPr>
-          <p:cNvPr id="26" name="文本框 25">
-            <a:extLst>
-              <a:ext uri="{FF2B5EF4-FFF2-40B4-BE49-F238E27FC236}">
-                <a16:creationId xmlns:a16="http://schemas.microsoft.com/office/drawing/2014/main" id="{97626CAA-C9AA-4FA9-A1DC-F0DFE9C23DD8}"/>
-              </a:ext>
-            </a:extLst>
-          </p:cNvPr>
+          <p:cNvPr id="26" name="文本框 25"/>
           <p:cNvSpPr txBox="1"/>
           <p:nvPr/>
         </p:nvSpPr>
@@ -10792,13 +9307,7 @@
       </p:sp>
       <p:sp>
         <p:nvSpPr>
-          <p:cNvPr id="27" name="文本框 26">
-            <a:extLst>
-              <a:ext uri="{FF2B5EF4-FFF2-40B4-BE49-F238E27FC236}">
-                <a16:creationId xmlns:a16="http://schemas.microsoft.com/office/drawing/2014/main" id="{E51DBD9B-C6A6-4E13-B348-CBC0B554905A}"/>
-              </a:ext>
-            </a:extLst>
-          </p:cNvPr>
+          <p:cNvPr id="27" name="文本框 26"/>
           <p:cNvSpPr txBox="1"/>
           <p:nvPr/>
         </p:nvSpPr>
@@ -10828,13 +9337,7 @@
       </p:sp>
       <p:cxnSp>
         <p:nvCxnSpPr>
-          <p:cNvPr id="28" name="直接箭头连接符 27">
-            <a:extLst>
-              <a:ext uri="{FF2B5EF4-FFF2-40B4-BE49-F238E27FC236}">
-                <a16:creationId xmlns:a16="http://schemas.microsoft.com/office/drawing/2014/main" id="{57FF3AB9-C7D8-4FC8-8BE3-FA14E45DF178}"/>
-              </a:ext>
-            </a:extLst>
-          </p:cNvPr>
+          <p:cNvPr id="28" name="直接箭头连接符 27"/>
           <p:cNvCxnSpPr/>
           <p:nvPr/>
         </p:nvCxnSpPr>
@@ -10868,16 +9371,8 @@
       </p:cxnSp>
       <p:cxnSp>
         <p:nvCxnSpPr>
-          <p:cNvPr id="32" name="直接箭头连接符 31">
-            <a:extLst>
-              <a:ext uri="{FF2B5EF4-FFF2-40B4-BE49-F238E27FC236}">
-                <a16:creationId xmlns:a16="http://schemas.microsoft.com/office/drawing/2014/main" id="{3AAB98F9-15BE-4778-A6B0-709D0BE65342}"/>
-              </a:ext>
-            </a:extLst>
-          </p:cNvPr>
-          <p:cNvCxnSpPr>
-            <a:cxnSpLocks/>
-          </p:cNvCxnSpPr>
+          <p:cNvPr id="32" name="直接箭头连接符 31"/>
+          <p:cNvCxnSpPr/>
           <p:nvPr/>
         </p:nvCxnSpPr>
         <p:spPr>
@@ -10910,13 +9405,7 @@
       </p:cxnSp>
       <p:sp>
         <p:nvSpPr>
-          <p:cNvPr id="35" name="文本框 34">
-            <a:extLst>
-              <a:ext uri="{FF2B5EF4-FFF2-40B4-BE49-F238E27FC236}">
-                <a16:creationId xmlns:a16="http://schemas.microsoft.com/office/drawing/2014/main" id="{0EA21600-F41C-4BEB-B86E-FC43ADB7183B}"/>
-              </a:ext>
-            </a:extLst>
-          </p:cNvPr>
+          <p:cNvPr id="35" name="文本框 34"/>
           <p:cNvSpPr txBox="1"/>
           <p:nvPr/>
         </p:nvSpPr>
@@ -10946,16 +9435,8 @@
       </p:sp>
       <p:cxnSp>
         <p:nvCxnSpPr>
-          <p:cNvPr id="36" name="直接箭头连接符 35">
-            <a:extLst>
-              <a:ext uri="{FF2B5EF4-FFF2-40B4-BE49-F238E27FC236}">
-                <a16:creationId xmlns:a16="http://schemas.microsoft.com/office/drawing/2014/main" id="{3B09C82F-4DEA-4F33-ACDC-4CB64308E1AE}"/>
-              </a:ext>
-            </a:extLst>
-          </p:cNvPr>
-          <p:cNvCxnSpPr>
-            <a:cxnSpLocks/>
-          </p:cNvCxnSpPr>
+          <p:cNvPr id="36" name="直接箭头连接符 35"/>
+          <p:cNvCxnSpPr/>
           <p:nvPr/>
         </p:nvCxnSpPr>
         <p:spPr>
@@ -10988,13 +9469,7 @@
       </p:cxnSp>
       <p:sp>
         <p:nvSpPr>
-          <p:cNvPr id="37" name="文本框 36">
-            <a:extLst>
-              <a:ext uri="{FF2B5EF4-FFF2-40B4-BE49-F238E27FC236}">
-                <a16:creationId xmlns:a16="http://schemas.microsoft.com/office/drawing/2014/main" id="{2589100B-2ADC-475E-AF30-95A947D00562}"/>
-              </a:ext>
-            </a:extLst>
-          </p:cNvPr>
+          <p:cNvPr id="37" name="文本框 36"/>
           <p:cNvSpPr txBox="1"/>
           <p:nvPr/>
         </p:nvSpPr>
@@ -11024,13 +9499,7 @@
       </p:sp>
       <p:sp>
         <p:nvSpPr>
-          <p:cNvPr id="6" name="矩形: 圆角 5">
-            <a:extLst>
-              <a:ext uri="{FF2B5EF4-FFF2-40B4-BE49-F238E27FC236}">
-                <a16:creationId xmlns:a16="http://schemas.microsoft.com/office/drawing/2014/main" id="{2678BDD2-DEC9-43AE-AB60-B0E077FAC0F9}"/>
-              </a:ext>
-            </a:extLst>
-          </p:cNvPr>
+          <p:cNvPr id="6" name="矩形: 圆角 5"/>
           <p:cNvSpPr/>
           <p:nvPr/>
         </p:nvSpPr>
@@ -11094,13 +9563,7 @@
       </p:sp>
       <p:sp>
         <p:nvSpPr>
-          <p:cNvPr id="34" name="矩形: 圆角 33">
-            <a:extLst>
-              <a:ext uri="{FF2B5EF4-FFF2-40B4-BE49-F238E27FC236}">
-                <a16:creationId xmlns:a16="http://schemas.microsoft.com/office/drawing/2014/main" id="{6E36909E-CB50-438B-B629-5ED8C225567E}"/>
-              </a:ext>
-            </a:extLst>
-          </p:cNvPr>
+          <p:cNvPr id="34" name="矩形: 圆角 33"/>
           <p:cNvSpPr/>
           <p:nvPr/>
         </p:nvSpPr>
@@ -11154,13 +9617,7 @@
       </p:sp>
       <p:sp>
         <p:nvSpPr>
-          <p:cNvPr id="20" name="弧形 19">
-            <a:extLst>
-              <a:ext uri="{FF2B5EF4-FFF2-40B4-BE49-F238E27FC236}">
-                <a16:creationId xmlns:a16="http://schemas.microsoft.com/office/drawing/2014/main" id="{CB33E0EC-DCF6-4CA0-8507-4E352AEED231}"/>
-              </a:ext>
-            </a:extLst>
-          </p:cNvPr>
+          <p:cNvPr id="20" name="弧形 19"/>
           <p:cNvSpPr/>
           <p:nvPr/>
         </p:nvSpPr>
@@ -11201,13 +9658,7 @@
       </p:sp>
       <p:sp>
         <p:nvSpPr>
-          <p:cNvPr id="38" name="文本框 37">
-            <a:extLst>
-              <a:ext uri="{FF2B5EF4-FFF2-40B4-BE49-F238E27FC236}">
-                <a16:creationId xmlns:a16="http://schemas.microsoft.com/office/drawing/2014/main" id="{CC71CD06-193A-4883-AE57-6F6D2356E4AC}"/>
-              </a:ext>
-            </a:extLst>
-          </p:cNvPr>
+          <p:cNvPr id="38" name="文本框 37"/>
           <p:cNvSpPr txBox="1"/>
           <p:nvPr/>
         </p:nvSpPr>
@@ -11231,18 +9682,13 @@
               <a:rPr lang="zh-CN" altLang="en-US" b="1" dirty="0"/>
               <a:t>继承</a:t>
             </a:r>
+            <a:endParaRPr lang="zh-CN" altLang="en-US" b="1" dirty="0"/>
           </a:p>
         </p:txBody>
       </p:sp>
       <p:grpSp>
         <p:nvGrpSpPr>
-          <p:cNvPr id="2" name="组合 1">
-            <a:extLst>
-              <a:ext uri="{FF2B5EF4-FFF2-40B4-BE49-F238E27FC236}">
-                <a16:creationId xmlns:a16="http://schemas.microsoft.com/office/drawing/2014/main" id="{617B8FB5-DF54-4DFE-AD0E-9962872EE39F}"/>
-              </a:ext>
-            </a:extLst>
-          </p:cNvPr>
+          <p:cNvPr id="2" name="组合 1"/>
           <p:cNvGrpSpPr/>
           <p:nvPr/>
         </p:nvGrpSpPr>
@@ -11256,13 +9702,7 @@
         </p:grpSpPr>
         <p:sp>
           <p:nvSpPr>
-            <p:cNvPr id="39" name="矩形: 圆角 38">
-              <a:extLst>
-                <a:ext uri="{FF2B5EF4-FFF2-40B4-BE49-F238E27FC236}">
-                  <a16:creationId xmlns:a16="http://schemas.microsoft.com/office/drawing/2014/main" id="{B1C3A868-CF1C-4A48-A226-C35AD500153D}"/>
-                </a:ext>
-              </a:extLst>
-            </p:cNvPr>
+            <p:cNvPr id="39" name="矩形: 圆角 38"/>
             <p:cNvSpPr/>
             <p:nvPr/>
           </p:nvSpPr>
@@ -11310,13 +9750,7 @@
         </p:sp>
         <p:sp>
           <p:nvSpPr>
-            <p:cNvPr id="40" name="矩形: 圆角 39">
-              <a:extLst>
-                <a:ext uri="{FF2B5EF4-FFF2-40B4-BE49-F238E27FC236}">
-                  <a16:creationId xmlns:a16="http://schemas.microsoft.com/office/drawing/2014/main" id="{15FE90BA-E02C-4ACB-8694-76E2E8E88D90}"/>
-                </a:ext>
-              </a:extLst>
-            </p:cNvPr>
+            <p:cNvPr id="40" name="矩形: 圆角 39"/>
             <p:cNvSpPr/>
             <p:nvPr/>
           </p:nvSpPr>
@@ -11368,13 +9802,7 @@
         </p:sp>
         <p:cxnSp>
           <p:nvCxnSpPr>
-            <p:cNvPr id="41" name="直接箭头连接符 40">
-              <a:extLst>
-                <a:ext uri="{FF2B5EF4-FFF2-40B4-BE49-F238E27FC236}">
-                  <a16:creationId xmlns:a16="http://schemas.microsoft.com/office/drawing/2014/main" id="{D8AC43C1-9A95-4CF1-AE75-3C16E38A61FD}"/>
-                </a:ext>
-              </a:extLst>
-            </p:cNvPr>
+            <p:cNvPr id="41" name="直接箭头连接符 40"/>
             <p:cNvCxnSpPr/>
             <p:nvPr/>
           </p:nvCxnSpPr>
@@ -11407,13 +9835,7 @@
         </p:cxnSp>
         <p:sp>
           <p:nvSpPr>
-            <p:cNvPr id="42" name="文本框 41">
-              <a:extLst>
-                <a:ext uri="{FF2B5EF4-FFF2-40B4-BE49-F238E27FC236}">
-                  <a16:creationId xmlns:a16="http://schemas.microsoft.com/office/drawing/2014/main" id="{A82BE188-F86D-40BC-93F8-A9EB2EF6582E}"/>
-                </a:ext>
-              </a:extLst>
-            </p:cNvPr>
+            <p:cNvPr id="42" name="文本框 41"/>
             <p:cNvSpPr txBox="1"/>
             <p:nvPr/>
           </p:nvSpPr>
@@ -11443,16 +9865,8 @@
         </p:sp>
         <p:cxnSp>
           <p:nvCxnSpPr>
-            <p:cNvPr id="45" name="直接箭头连接符 44">
-              <a:extLst>
-                <a:ext uri="{FF2B5EF4-FFF2-40B4-BE49-F238E27FC236}">
-                  <a16:creationId xmlns:a16="http://schemas.microsoft.com/office/drawing/2014/main" id="{831803E5-B5FB-480B-9908-4BD463A31937}"/>
-                </a:ext>
-              </a:extLst>
-            </p:cNvPr>
-            <p:cNvCxnSpPr>
-              <a:cxnSpLocks/>
-            </p:cNvCxnSpPr>
+            <p:cNvPr id="45" name="直接箭头连接符 44"/>
+            <p:cNvCxnSpPr/>
             <p:nvPr/>
           </p:nvCxnSpPr>
           <p:spPr>
@@ -11484,13 +9898,7 @@
         </p:cxnSp>
         <p:sp>
           <p:nvSpPr>
-            <p:cNvPr id="46" name="文本框 45">
-              <a:extLst>
-                <a:ext uri="{FF2B5EF4-FFF2-40B4-BE49-F238E27FC236}">
-                  <a16:creationId xmlns:a16="http://schemas.microsoft.com/office/drawing/2014/main" id="{FFA43FB6-AE34-46D8-8DF6-7ACE082879A9}"/>
-                </a:ext>
-              </a:extLst>
-            </p:cNvPr>
+            <p:cNvPr id="46" name="文本框 45"/>
             <p:cNvSpPr txBox="1"/>
             <p:nvPr/>
           </p:nvSpPr>
@@ -11520,16 +9928,8 @@
         </p:sp>
         <p:cxnSp>
           <p:nvCxnSpPr>
-            <p:cNvPr id="47" name="直接箭头连接符 46">
-              <a:extLst>
-                <a:ext uri="{FF2B5EF4-FFF2-40B4-BE49-F238E27FC236}">
-                  <a16:creationId xmlns:a16="http://schemas.microsoft.com/office/drawing/2014/main" id="{EEEFB1A1-60A8-4A17-B691-1F05E82BF6FB}"/>
-                </a:ext>
-              </a:extLst>
-            </p:cNvPr>
-            <p:cNvCxnSpPr>
-              <a:cxnSpLocks/>
-            </p:cNvCxnSpPr>
+            <p:cNvPr id="47" name="直接箭头连接符 46"/>
+            <p:cNvCxnSpPr/>
             <p:nvPr/>
           </p:nvCxnSpPr>
           <p:spPr>
@@ -11562,13 +9962,7 @@
         </p:cxnSp>
         <p:sp>
           <p:nvSpPr>
-            <p:cNvPr id="48" name="文本框 47">
-              <a:extLst>
-                <a:ext uri="{FF2B5EF4-FFF2-40B4-BE49-F238E27FC236}">
-                  <a16:creationId xmlns:a16="http://schemas.microsoft.com/office/drawing/2014/main" id="{F489C828-728A-4713-8615-2DA6E4C702B5}"/>
-                </a:ext>
-              </a:extLst>
-            </p:cNvPr>
+            <p:cNvPr id="48" name="文本框 47"/>
             <p:cNvSpPr txBox="1"/>
             <p:nvPr/>
           </p:nvSpPr>
@@ -11598,13 +9992,7 @@
         </p:sp>
         <p:sp>
           <p:nvSpPr>
-            <p:cNvPr id="49" name="矩形: 圆角 48">
-              <a:extLst>
-                <a:ext uri="{FF2B5EF4-FFF2-40B4-BE49-F238E27FC236}">
-                  <a16:creationId xmlns:a16="http://schemas.microsoft.com/office/drawing/2014/main" id="{1C1FA635-3F3A-475C-A2ED-5A8C386A9FFF}"/>
-                </a:ext>
-              </a:extLst>
-            </p:cNvPr>
+            <p:cNvPr id="49" name="矩形: 圆角 48"/>
             <p:cNvSpPr/>
             <p:nvPr/>
           </p:nvSpPr>
@@ -11668,13 +10056,7 @@
         </p:sp>
         <p:sp>
           <p:nvSpPr>
-            <p:cNvPr id="50" name="矩形: 圆角 49">
-              <a:extLst>
-                <a:ext uri="{FF2B5EF4-FFF2-40B4-BE49-F238E27FC236}">
-                  <a16:creationId xmlns:a16="http://schemas.microsoft.com/office/drawing/2014/main" id="{0117317C-7B01-45C6-8708-13588681598C}"/>
-                </a:ext>
-              </a:extLst>
-            </p:cNvPr>
+            <p:cNvPr id="50" name="矩形: 圆角 49"/>
             <p:cNvSpPr/>
             <p:nvPr/>
           </p:nvSpPr>
@@ -11728,13 +10110,7 @@
         </p:sp>
         <p:sp>
           <p:nvSpPr>
-            <p:cNvPr id="51" name="弧形 50">
-              <a:extLst>
-                <a:ext uri="{FF2B5EF4-FFF2-40B4-BE49-F238E27FC236}">
-                  <a16:creationId xmlns:a16="http://schemas.microsoft.com/office/drawing/2014/main" id="{240E15FD-541A-4ADB-9C58-036CF1102602}"/>
-                </a:ext>
-              </a:extLst>
-            </p:cNvPr>
+            <p:cNvPr id="51" name="弧形 50"/>
             <p:cNvSpPr/>
             <p:nvPr/>
           </p:nvSpPr>
@@ -11775,13 +10151,7 @@
         </p:sp>
         <p:sp>
           <p:nvSpPr>
-            <p:cNvPr id="52" name="文本框 51">
-              <a:extLst>
-                <a:ext uri="{FF2B5EF4-FFF2-40B4-BE49-F238E27FC236}">
-                  <a16:creationId xmlns:a16="http://schemas.microsoft.com/office/drawing/2014/main" id="{24C41834-E4E3-470B-848F-EEDF8F863D81}"/>
-                </a:ext>
-              </a:extLst>
-            </p:cNvPr>
+            <p:cNvPr id="52" name="文本框 51"/>
             <p:cNvSpPr txBox="1"/>
             <p:nvPr/>
           </p:nvSpPr>
@@ -11805,19 +10175,14 @@
                 <a:rPr lang="zh-CN" altLang="en-US" b="1" dirty="0"/>
                 <a:t>继承</a:t>
               </a:r>
+              <a:endParaRPr lang="zh-CN" altLang="en-US" b="1" dirty="0"/>
             </a:p>
           </p:txBody>
         </p:sp>
       </p:grpSp>
       <p:sp>
         <p:nvSpPr>
-          <p:cNvPr id="7" name="椭圆 6">
-            <a:extLst>
-              <a:ext uri="{FF2B5EF4-FFF2-40B4-BE49-F238E27FC236}">
-                <a16:creationId xmlns:a16="http://schemas.microsoft.com/office/drawing/2014/main" id="{E7E5251B-3AC3-499E-813E-8773FC9AF3D5}"/>
-              </a:ext>
-            </a:extLst>
-          </p:cNvPr>
+          <p:cNvPr id="7" name="椭圆 6"/>
           <p:cNvSpPr/>
           <p:nvPr/>
         </p:nvSpPr>
@@ -11861,13 +10226,7 @@
       </p:sp>
       <p:sp>
         <p:nvSpPr>
-          <p:cNvPr id="54" name="椭圆 53">
-            <a:extLst>
-              <a:ext uri="{FF2B5EF4-FFF2-40B4-BE49-F238E27FC236}">
-                <a16:creationId xmlns:a16="http://schemas.microsoft.com/office/drawing/2014/main" id="{76657FEE-DF3C-4705-AFB9-26F9C7CCF696}"/>
-              </a:ext>
-            </a:extLst>
-          </p:cNvPr>
+          <p:cNvPr id="54" name="椭圆 53"/>
           <p:cNvSpPr/>
           <p:nvPr/>
         </p:nvSpPr>
@@ -11911,13 +10270,7 @@
       </p:sp>
       <p:sp>
         <p:nvSpPr>
-          <p:cNvPr id="55" name="椭圆 54">
-            <a:extLst>
-              <a:ext uri="{FF2B5EF4-FFF2-40B4-BE49-F238E27FC236}">
-                <a16:creationId xmlns:a16="http://schemas.microsoft.com/office/drawing/2014/main" id="{98283D6D-C6E6-41A6-B908-01169BD84A5D}"/>
-              </a:ext>
-            </a:extLst>
-          </p:cNvPr>
+          <p:cNvPr id="55" name="椭圆 54"/>
           <p:cNvSpPr/>
           <p:nvPr/>
         </p:nvSpPr>
@@ -11961,13 +10314,7 @@
       </p:sp>
       <p:sp>
         <p:nvSpPr>
-          <p:cNvPr id="56" name="椭圆 55">
-            <a:extLst>
-              <a:ext uri="{FF2B5EF4-FFF2-40B4-BE49-F238E27FC236}">
-                <a16:creationId xmlns:a16="http://schemas.microsoft.com/office/drawing/2014/main" id="{1A0C8B6C-E312-4161-B3E2-007D0E735F92}"/>
-              </a:ext>
-            </a:extLst>
-          </p:cNvPr>
+          <p:cNvPr id="56" name="椭圆 55"/>
           <p:cNvSpPr/>
           <p:nvPr/>
         </p:nvSpPr>
@@ -12011,15 +10358,8 @@
       </p:sp>
       <p:cxnSp>
         <p:nvCxnSpPr>
-          <p:cNvPr id="57" name="直接连接符 56">
-            <a:extLst>
-              <a:ext uri="{FF2B5EF4-FFF2-40B4-BE49-F238E27FC236}">
-                <a16:creationId xmlns:a16="http://schemas.microsoft.com/office/drawing/2014/main" id="{D000EE38-E60A-440C-8E22-6A051955A33A}"/>
-              </a:ext>
-            </a:extLst>
-          </p:cNvPr>
+          <p:cNvPr id="57" name="直接连接符 56"/>
           <p:cNvCxnSpPr>
-            <a:cxnSpLocks/>
             <a:stCxn id="54" idx="4"/>
             <a:endCxn id="39" idx="0"/>
           </p:cNvCxnSpPr>
@@ -12052,15 +10392,8 @@
       </p:cxnSp>
       <p:cxnSp>
         <p:nvCxnSpPr>
-          <p:cNvPr id="58" name="直接连接符 57">
-            <a:extLst>
-              <a:ext uri="{FF2B5EF4-FFF2-40B4-BE49-F238E27FC236}">
-                <a16:creationId xmlns:a16="http://schemas.microsoft.com/office/drawing/2014/main" id="{0F181114-78E8-4C63-83CC-E58065393C64}"/>
-              </a:ext>
-            </a:extLst>
-          </p:cNvPr>
+          <p:cNvPr id="58" name="直接连接符 57"/>
           <p:cNvCxnSpPr>
-            <a:cxnSpLocks/>
             <a:stCxn id="7" idx="0"/>
             <a:endCxn id="4" idx="2"/>
           </p:cNvCxnSpPr>
@@ -12093,15 +10426,8 @@
       </p:cxnSp>
       <p:cxnSp>
         <p:nvCxnSpPr>
-          <p:cNvPr id="60" name="直接连接符 59">
-            <a:extLst>
-              <a:ext uri="{FF2B5EF4-FFF2-40B4-BE49-F238E27FC236}">
-                <a16:creationId xmlns:a16="http://schemas.microsoft.com/office/drawing/2014/main" id="{6AB188FF-528B-4D52-B92B-E7B8A417073B}"/>
-              </a:ext>
-            </a:extLst>
-          </p:cNvPr>
+          <p:cNvPr id="60" name="直接连接符 59"/>
           <p:cNvCxnSpPr>
-            <a:cxnSpLocks/>
             <a:stCxn id="6" idx="2"/>
             <a:endCxn id="55" idx="2"/>
           </p:cNvCxnSpPr>
@@ -12134,15 +10460,8 @@
       </p:cxnSp>
       <p:cxnSp>
         <p:nvCxnSpPr>
-          <p:cNvPr id="63" name="直接连接符 62">
-            <a:extLst>
-              <a:ext uri="{FF2B5EF4-FFF2-40B4-BE49-F238E27FC236}">
-                <a16:creationId xmlns:a16="http://schemas.microsoft.com/office/drawing/2014/main" id="{E05863FB-0F0B-4E19-BE64-C356BE227B0B}"/>
-              </a:ext>
-            </a:extLst>
-          </p:cNvPr>
+          <p:cNvPr id="63" name="直接连接符 62"/>
           <p:cNvCxnSpPr>
-            <a:cxnSpLocks/>
             <a:stCxn id="49" idx="3"/>
             <a:endCxn id="56" idx="2"/>
           </p:cNvCxnSpPr>
@@ -12175,13 +10494,7 @@
       </p:cxnSp>
       <p:sp>
         <p:nvSpPr>
-          <p:cNvPr id="59" name="矩形: 圆角 58">
-            <a:extLst>
-              <a:ext uri="{FF2B5EF4-FFF2-40B4-BE49-F238E27FC236}">
-                <a16:creationId xmlns:a16="http://schemas.microsoft.com/office/drawing/2014/main" id="{74680C85-E526-46E7-8655-36BBA39EFA77}"/>
-              </a:ext>
-            </a:extLst>
-          </p:cNvPr>
+          <p:cNvPr id="59" name="矩形: 圆角 58"/>
           <p:cNvSpPr/>
           <p:nvPr/>
         </p:nvSpPr>
@@ -12233,13 +10546,7 @@
       </p:sp>
       <p:cxnSp>
         <p:nvCxnSpPr>
-          <p:cNvPr id="61" name="直接箭头连接符 60">
-            <a:extLst>
-              <a:ext uri="{FF2B5EF4-FFF2-40B4-BE49-F238E27FC236}">
-                <a16:creationId xmlns:a16="http://schemas.microsoft.com/office/drawing/2014/main" id="{A0B4D467-2C18-449C-B8B3-BCAFF0889AB3}"/>
-              </a:ext>
-            </a:extLst>
-          </p:cNvPr>
+          <p:cNvPr id="61" name="直接箭头连接符 60"/>
           <p:cNvCxnSpPr/>
           <p:nvPr/>
         </p:nvCxnSpPr>
@@ -12272,13 +10579,7 @@
       </p:cxnSp>
       <p:sp>
         <p:nvSpPr>
-          <p:cNvPr id="62" name="文本框 61">
-            <a:extLst>
-              <a:ext uri="{FF2B5EF4-FFF2-40B4-BE49-F238E27FC236}">
-                <a16:creationId xmlns:a16="http://schemas.microsoft.com/office/drawing/2014/main" id="{83E2623A-1377-4F4C-853D-9B9F8FEFB204}"/>
-              </a:ext>
-            </a:extLst>
-          </p:cNvPr>
+          <p:cNvPr id="62" name="文本框 61"/>
           <p:cNvSpPr txBox="1"/>
           <p:nvPr/>
         </p:nvSpPr>
@@ -12308,13 +10609,7 @@
       </p:sp>
       <p:sp>
         <p:nvSpPr>
-          <p:cNvPr id="86" name="文本框 85">
-            <a:extLst>
-              <a:ext uri="{FF2B5EF4-FFF2-40B4-BE49-F238E27FC236}">
-                <a16:creationId xmlns:a16="http://schemas.microsoft.com/office/drawing/2014/main" id="{34207480-419D-4324-B4ED-AD2DA6396226}"/>
-              </a:ext>
-            </a:extLst>
-          </p:cNvPr>
+          <p:cNvPr id="86" name="文本框 85"/>
           <p:cNvSpPr txBox="1"/>
           <p:nvPr/>
         </p:nvSpPr>
@@ -12344,13 +10639,7 @@
       </p:sp>
       <p:cxnSp>
         <p:nvCxnSpPr>
-          <p:cNvPr id="87" name="直接箭头连接符 86">
-            <a:extLst>
-              <a:ext uri="{FF2B5EF4-FFF2-40B4-BE49-F238E27FC236}">
-                <a16:creationId xmlns:a16="http://schemas.microsoft.com/office/drawing/2014/main" id="{4B507A82-06B0-491A-BB61-6ECBC56F287B}"/>
-              </a:ext>
-            </a:extLst>
-          </p:cNvPr>
+          <p:cNvPr id="87" name="直接箭头连接符 86"/>
           <p:cNvCxnSpPr/>
           <p:nvPr/>
         </p:nvCxnSpPr>
@@ -12384,16 +10673,8 @@
       </p:cxnSp>
       <p:cxnSp>
         <p:nvCxnSpPr>
-          <p:cNvPr id="88" name="直接箭头连接符 87">
-            <a:extLst>
-              <a:ext uri="{FF2B5EF4-FFF2-40B4-BE49-F238E27FC236}">
-                <a16:creationId xmlns:a16="http://schemas.microsoft.com/office/drawing/2014/main" id="{A529C326-1595-4AF0-860D-EC060FB2D88A}"/>
-              </a:ext>
-            </a:extLst>
-          </p:cNvPr>
-          <p:cNvCxnSpPr>
-            <a:cxnSpLocks/>
-          </p:cNvCxnSpPr>
+          <p:cNvPr id="88" name="直接箭头连接符 87"/>
+          <p:cNvCxnSpPr/>
           <p:nvPr/>
         </p:nvCxnSpPr>
         <p:spPr>
@@ -12425,13 +10706,7 @@
       </p:cxnSp>
       <p:sp>
         <p:nvSpPr>
-          <p:cNvPr id="91" name="文本框 90">
-            <a:extLst>
-              <a:ext uri="{FF2B5EF4-FFF2-40B4-BE49-F238E27FC236}">
-                <a16:creationId xmlns:a16="http://schemas.microsoft.com/office/drawing/2014/main" id="{2C2E5D59-ED59-458C-A9E7-9ABD97144E31}"/>
-              </a:ext>
-            </a:extLst>
-          </p:cNvPr>
+          <p:cNvPr id="91" name="文本框 90"/>
           <p:cNvSpPr txBox="1"/>
           <p:nvPr/>
         </p:nvSpPr>
@@ -12460,11 +10735,6 @@
         </p:txBody>
       </p:sp>
     </p:spTree>
-    <p:extLst>
-      <p:ext uri="{BB962C8B-B14F-4D97-AF65-F5344CB8AC3E}">
-        <p14:creationId xmlns:p14="http://schemas.microsoft.com/office/powerpoint/2010/main" val="13538766"/>
-      </p:ext>
-    </p:extLst>
   </p:cSld>
   <p:clrMapOvr>
     <a:masterClrMapping/>
@@ -12491,13 +10761,7 @@
       </p:grpSpPr>
       <p:sp>
         <p:nvSpPr>
-          <p:cNvPr id="45" name="矩形: 圆角 44">
-            <a:extLst>
-              <a:ext uri="{FF2B5EF4-FFF2-40B4-BE49-F238E27FC236}">
-                <a16:creationId xmlns:a16="http://schemas.microsoft.com/office/drawing/2014/main" id="{6BD02E03-2768-4073-9A44-2C31008F112F}"/>
-              </a:ext>
-            </a:extLst>
-          </p:cNvPr>
+          <p:cNvPr id="45" name="矩形: 圆角 44"/>
           <p:cNvSpPr/>
           <p:nvPr/>
         </p:nvSpPr>
@@ -12575,195 +10839,62 @@
           </a:p>
         </p:txBody>
       </p:sp>
-      <p:grpSp>
-        <p:nvGrpSpPr>
-          <p:cNvPr id="64" name="组合 63">
-            <a:extLst>
-              <a:ext uri="{FF2B5EF4-FFF2-40B4-BE49-F238E27FC236}">
-                <a16:creationId xmlns:a16="http://schemas.microsoft.com/office/drawing/2014/main" id="{DF15C1BA-7862-4B5A-9579-5B3E835A55AB}"/>
-              </a:ext>
-            </a:extLst>
-          </p:cNvPr>
-          <p:cNvGrpSpPr/>
-          <p:nvPr/>
-        </p:nvGrpSpPr>
-        <p:grpSpPr>
-          <a:xfrm>
-            <a:off x="4801170" y="419449"/>
-            <a:ext cx="1417739" cy="1838588"/>
-            <a:chOff x="4781724" y="419449"/>
-            <a:chExt cx="1417739" cy="1838588"/>
-          </a:xfrm>
-        </p:grpSpPr>
-        <p:sp>
-          <p:nvSpPr>
-            <p:cNvPr id="2" name="矩形: 圆角 1">
-              <a:extLst>
-                <a:ext uri="{FF2B5EF4-FFF2-40B4-BE49-F238E27FC236}">
-                  <a16:creationId xmlns:a16="http://schemas.microsoft.com/office/drawing/2014/main" id="{6EACA629-F221-4F87-8DCF-CBBE7C0E4850}"/>
-                </a:ext>
-              </a:extLst>
-            </p:cNvPr>
-            <p:cNvSpPr/>
-            <p:nvPr/>
-          </p:nvSpPr>
-          <p:spPr>
-            <a:xfrm>
-              <a:off x="4781724" y="419449"/>
-              <a:ext cx="1417739" cy="746621"/>
-            </a:xfrm>
-            <a:prstGeom prst="roundRect">
-              <a:avLst/>
-            </a:prstGeom>
-          </p:spPr>
-          <p:style>
-            <a:lnRef idx="2">
-              <a:schemeClr val="accent1">
-                <a:shade val="50000"/>
-              </a:schemeClr>
-            </a:lnRef>
-            <a:fillRef idx="1">
-              <a:schemeClr val="accent1"/>
-            </a:fillRef>
-            <a:effectRef idx="0">
-              <a:schemeClr val="accent1"/>
-            </a:effectRef>
-            <a:fontRef idx="minor">
-              <a:schemeClr val="lt1"/>
-            </a:fontRef>
-          </p:style>
-          <p:txBody>
-            <a:bodyPr rtlCol="0" anchor="ctr"/>
-            <a:lstStyle/>
-            <a:p>
-              <a:pPr algn="ctr"/>
-              <a:r>
-                <a:rPr lang="zh-CN" altLang="en-US" dirty="0"/>
-                <a:t>文档</a:t>
-              </a:r>
-              <a:endParaRPr lang="en-US" altLang="zh-CN" dirty="0"/>
-            </a:p>
-            <a:p>
-              <a:pPr algn="ctr"/>
-              <a:r>
-                <a:rPr lang="en-US" altLang="zh-CN" dirty="0"/>
-                <a:t>document</a:t>
-              </a:r>
-              <a:endParaRPr lang="zh-CN" altLang="en-US" dirty="0"/>
-            </a:p>
-          </p:txBody>
-        </p:sp>
-        <p:sp>
-          <p:nvSpPr>
-            <p:cNvPr id="39" name="矩形: 圆角 38">
-              <a:extLst>
-                <a:ext uri="{FF2B5EF4-FFF2-40B4-BE49-F238E27FC236}">
-                  <a16:creationId xmlns:a16="http://schemas.microsoft.com/office/drawing/2014/main" id="{9208B2C4-B6FF-4CB1-B527-89D09E42B8F7}"/>
-                </a:ext>
-              </a:extLst>
-            </p:cNvPr>
-            <p:cNvSpPr/>
-            <p:nvPr/>
-          </p:nvSpPr>
-          <p:spPr>
-            <a:xfrm>
-              <a:off x="4781724" y="1511416"/>
-              <a:ext cx="1417739" cy="746621"/>
-            </a:xfrm>
-            <a:prstGeom prst="roundRect">
-              <a:avLst/>
-            </a:prstGeom>
-          </p:spPr>
-          <p:style>
-            <a:lnRef idx="2">
-              <a:schemeClr val="accent1">
-                <a:shade val="50000"/>
-              </a:schemeClr>
-            </a:lnRef>
-            <a:fillRef idx="1">
-              <a:schemeClr val="accent1"/>
-            </a:fillRef>
-            <a:effectRef idx="0">
-              <a:schemeClr val="accent1"/>
-            </a:effectRef>
-            <a:fontRef idx="minor">
-              <a:schemeClr val="lt1"/>
-            </a:fontRef>
-          </p:style>
-          <p:txBody>
-            <a:bodyPr rtlCol="0" anchor="ctr"/>
-            <a:lstStyle/>
-            <a:p>
-              <a:pPr algn="ctr"/>
-              <a:r>
-                <a:rPr lang="zh-CN" altLang="en-US" dirty="0"/>
-                <a:t>根元素</a:t>
-              </a:r>
-              <a:endParaRPr lang="en-US" altLang="zh-CN" dirty="0"/>
-            </a:p>
-            <a:p>
-              <a:pPr algn="ctr"/>
-              <a:r>
-                <a:rPr lang="en-US" altLang="zh-CN" dirty="0"/>
-                <a:t>&lt;html&gt;</a:t>
-              </a:r>
-              <a:endParaRPr lang="zh-CN" altLang="en-US" dirty="0"/>
-            </a:p>
-          </p:txBody>
-        </p:sp>
-        <p:cxnSp>
-          <p:nvCxnSpPr>
-            <p:cNvPr id="13" name="直接连接符 12">
-              <a:extLst>
-                <a:ext uri="{FF2B5EF4-FFF2-40B4-BE49-F238E27FC236}">
-                  <a16:creationId xmlns:a16="http://schemas.microsoft.com/office/drawing/2014/main" id="{A1EE2247-7003-4E01-B74D-FED8BA5BD337}"/>
-                </a:ext>
-              </a:extLst>
-            </p:cNvPr>
-            <p:cNvCxnSpPr>
-              <a:cxnSpLocks/>
-              <a:stCxn id="2" idx="2"/>
-              <a:endCxn id="39" idx="0"/>
-            </p:cNvCxnSpPr>
-            <p:nvPr/>
-          </p:nvCxnSpPr>
-          <p:spPr>
-            <a:xfrm>
-              <a:off x="5490594" y="1166070"/>
-              <a:ext cx="0" cy="345346"/>
-            </a:xfrm>
-            <a:prstGeom prst="line">
-              <a:avLst/>
-            </a:prstGeom>
-            <a:ln w="38100"/>
-          </p:spPr>
-          <p:style>
-            <a:lnRef idx="1">
-              <a:schemeClr val="accent1"/>
-            </a:lnRef>
-            <a:fillRef idx="0">
-              <a:schemeClr val="accent1"/>
-            </a:fillRef>
-            <a:effectRef idx="0">
-              <a:schemeClr val="accent1"/>
-            </a:effectRef>
-            <a:fontRef idx="minor">
-              <a:schemeClr val="tx1"/>
-            </a:fontRef>
-          </p:style>
-        </p:cxnSp>
-      </p:grpSp>
+      <p:sp>
+        <p:nvSpPr>
+          <p:cNvPr id="39" name="矩形: 圆角 38"/>
+          <p:cNvSpPr/>
+          <p:nvPr/>
+        </p:nvSpPr>
+        <p:spPr>
+          <a:xfrm>
+            <a:off x="4801235" y="1511300"/>
+            <a:ext cx="1417955" cy="746760"/>
+          </a:xfrm>
+          <a:prstGeom prst="roundRect">
+            <a:avLst/>
+          </a:prstGeom>
+        </p:spPr>
+        <p:style>
+          <a:lnRef idx="2">
+            <a:schemeClr val="accent1">
+              <a:shade val="50000"/>
+            </a:schemeClr>
+          </a:lnRef>
+          <a:fillRef idx="1">
+            <a:schemeClr val="accent1"/>
+          </a:fillRef>
+          <a:effectRef idx="0">
+            <a:schemeClr val="accent1"/>
+          </a:effectRef>
+          <a:fontRef idx="minor">
+            <a:schemeClr val="lt1"/>
+          </a:fontRef>
+        </p:style>
+        <p:txBody>
+          <a:bodyPr rtlCol="0" anchor="ctr"/>
+          <a:lstStyle/>
+          <a:p>
+            <a:pPr algn="ctr"/>
+            <a:r>
+              <a:rPr lang="zh-CN" altLang="en-US" dirty="0"/>
+              <a:t>根元素</a:t>
+            </a:r>
+            <a:endParaRPr lang="en-US" altLang="zh-CN" dirty="0"/>
+          </a:p>
+          <a:p>
+            <a:pPr algn="ctr"/>
+            <a:r>
+              <a:rPr lang="en-US" altLang="zh-CN" dirty="0"/>
+              <a:t>&lt;html&gt;</a:t>
+            </a:r>
+            <a:endParaRPr lang="zh-CN" altLang="en-US" dirty="0"/>
+          </a:p>
+        </p:txBody>
+      </p:sp>
       <p:cxnSp>
         <p:nvCxnSpPr>
-          <p:cNvPr id="47" name="直接连接符 46">
-            <a:extLst>
-              <a:ext uri="{FF2B5EF4-FFF2-40B4-BE49-F238E27FC236}">
-                <a16:creationId xmlns:a16="http://schemas.microsoft.com/office/drawing/2014/main" id="{7F4FF847-BA6C-438B-9777-C15203F2C59A}"/>
-              </a:ext>
-            </a:extLst>
-          </p:cNvPr>
+          <p:cNvPr id="47" name="直接连接符 46"/>
           <p:cNvCxnSpPr>
-            <a:cxnSpLocks/>
             <a:stCxn id="40" idx="0"/>
             <a:endCxn id="39" idx="2"/>
           </p:cNvCxnSpPr>
@@ -12771,8 +10902,8 @@
         </p:nvCxnSpPr>
         <p:spPr>
           <a:xfrm flipH="1" flipV="1">
-            <a:off x="5510040" y="2258037"/>
-            <a:ext cx="1001043" cy="424342"/>
+            <a:off x="5510323" y="2258199"/>
+            <a:ext cx="1000760" cy="424180"/>
           </a:xfrm>
           <a:prstGeom prst="line">
             <a:avLst/>
@@ -12796,15 +10927,8 @@
       </p:cxnSp>
       <p:cxnSp>
         <p:nvCxnSpPr>
-          <p:cNvPr id="48" name="直接连接符 47">
-            <a:extLst>
-              <a:ext uri="{FF2B5EF4-FFF2-40B4-BE49-F238E27FC236}">
-                <a16:creationId xmlns:a16="http://schemas.microsoft.com/office/drawing/2014/main" id="{CB152F9B-CCCA-4BBF-A289-18A2D4A6D179}"/>
-              </a:ext>
-            </a:extLst>
-          </p:cNvPr>
+          <p:cNvPr id="48" name="直接连接符 47"/>
           <p:cNvCxnSpPr>
-            <a:cxnSpLocks/>
             <a:stCxn id="41" idx="0"/>
             <a:endCxn id="39" idx="2"/>
           </p:cNvCxnSpPr>
@@ -12812,8 +10936,8 @@
         </p:nvCxnSpPr>
         <p:spPr>
           <a:xfrm flipV="1">
-            <a:off x="4508998" y="2258037"/>
-            <a:ext cx="1001042" cy="424342"/>
+            <a:off x="4508998" y="2258199"/>
+            <a:ext cx="1001395" cy="424180"/>
           </a:xfrm>
           <a:prstGeom prst="line">
             <a:avLst/>
@@ -12837,13 +10961,7 @@
       </p:cxnSp>
       <p:grpSp>
         <p:nvGrpSpPr>
-          <p:cNvPr id="65" name="组合 64">
-            <a:extLst>
-              <a:ext uri="{FF2B5EF4-FFF2-40B4-BE49-F238E27FC236}">
-                <a16:creationId xmlns:a16="http://schemas.microsoft.com/office/drawing/2014/main" id="{CFA7C9CE-7F55-4412-999E-44726A0F24C4}"/>
-              </a:ext>
-            </a:extLst>
-          </p:cNvPr>
+          <p:cNvPr id="65" name="组合 64"/>
           <p:cNvGrpSpPr/>
           <p:nvPr/>
         </p:nvGrpSpPr>
@@ -12857,13 +10975,7 @@
         </p:grpSpPr>
         <p:sp>
           <p:nvSpPr>
-            <p:cNvPr id="41" name="矩形: 圆角 40">
-              <a:extLst>
-                <a:ext uri="{FF2B5EF4-FFF2-40B4-BE49-F238E27FC236}">
-                  <a16:creationId xmlns:a16="http://schemas.microsoft.com/office/drawing/2014/main" id="{637BFE78-344E-4EB9-B136-FFFD749785B8}"/>
-                </a:ext>
-              </a:extLst>
-            </p:cNvPr>
+            <p:cNvPr id="41" name="矩形: 圆角 40"/>
             <p:cNvSpPr/>
             <p:nvPr/>
           </p:nvSpPr>
@@ -12915,13 +11027,7 @@
         </p:sp>
         <p:sp>
           <p:nvSpPr>
-            <p:cNvPr id="42" name="矩形: 圆角 41">
-              <a:extLst>
-                <a:ext uri="{FF2B5EF4-FFF2-40B4-BE49-F238E27FC236}">
-                  <a16:creationId xmlns:a16="http://schemas.microsoft.com/office/drawing/2014/main" id="{82810ADB-2B17-4F56-B64F-E1BEDCED9482}"/>
-                </a:ext>
-              </a:extLst>
-            </p:cNvPr>
+            <p:cNvPr id="42" name="矩形: 圆角 41"/>
             <p:cNvSpPr/>
             <p:nvPr/>
           </p:nvSpPr>
@@ -12973,13 +11079,7 @@
         </p:sp>
         <p:sp>
           <p:nvSpPr>
-            <p:cNvPr id="43" name="矩形: 圆角 42">
-              <a:extLst>
-                <a:ext uri="{FF2B5EF4-FFF2-40B4-BE49-F238E27FC236}">
-                  <a16:creationId xmlns:a16="http://schemas.microsoft.com/office/drawing/2014/main" id="{229A0B39-7C96-4AF5-9D44-38DD9B4CF72B}"/>
-                </a:ext>
-              </a:extLst>
-            </p:cNvPr>
+            <p:cNvPr id="43" name="矩形: 圆角 42"/>
             <p:cNvSpPr/>
             <p:nvPr/>
           </p:nvSpPr>
@@ -13037,20 +11137,18 @@
                 </a:rPr>
                 <a:t>‘标题’</a:t>
               </a:r>
+              <a:endParaRPr lang="zh-CN" altLang="en-US" dirty="0">
+                <a:solidFill>
+                  <a:schemeClr val="tx1"/>
+                </a:solidFill>
+              </a:endParaRPr>
             </a:p>
           </p:txBody>
         </p:sp>
         <p:cxnSp>
           <p:nvCxnSpPr>
-            <p:cNvPr id="49" name="直接连接符 48">
-              <a:extLst>
-                <a:ext uri="{FF2B5EF4-FFF2-40B4-BE49-F238E27FC236}">
-                  <a16:creationId xmlns:a16="http://schemas.microsoft.com/office/drawing/2014/main" id="{CB039C18-51B7-4C06-8E37-E31AEB176FB9}"/>
-                </a:ext>
-              </a:extLst>
-            </p:cNvPr>
+            <p:cNvPr id="49" name="直接连接符 48"/>
             <p:cNvCxnSpPr>
-              <a:cxnSpLocks/>
               <a:stCxn id="41" idx="2"/>
               <a:endCxn id="42" idx="0"/>
             </p:cNvCxnSpPr>
@@ -13083,15 +11181,8 @@
         </p:cxnSp>
         <p:cxnSp>
           <p:nvCxnSpPr>
-            <p:cNvPr id="52" name="直接连接符 51">
-              <a:extLst>
-                <a:ext uri="{FF2B5EF4-FFF2-40B4-BE49-F238E27FC236}">
-                  <a16:creationId xmlns:a16="http://schemas.microsoft.com/office/drawing/2014/main" id="{029C39D8-9878-4A91-9AA3-80B9A98C0F82}"/>
-                </a:ext>
-              </a:extLst>
-            </p:cNvPr>
+            <p:cNvPr id="52" name="直接连接符 51"/>
             <p:cNvCxnSpPr>
-              <a:cxnSpLocks/>
               <a:stCxn id="43" idx="0"/>
               <a:endCxn id="42" idx="2"/>
             </p:cNvCxnSpPr>
@@ -13125,15 +11216,8 @@
       </p:grpSp>
       <p:cxnSp>
         <p:nvCxnSpPr>
-          <p:cNvPr id="58" name="直接连接符 57">
-            <a:extLst>
-              <a:ext uri="{FF2B5EF4-FFF2-40B4-BE49-F238E27FC236}">
-                <a16:creationId xmlns:a16="http://schemas.microsoft.com/office/drawing/2014/main" id="{AD612F91-3019-4024-BDE8-7B2EE5BFFCCF}"/>
-              </a:ext>
-            </a:extLst>
-          </p:cNvPr>
+          <p:cNvPr id="58" name="直接连接符 57"/>
           <p:cNvCxnSpPr>
-            <a:cxnSpLocks/>
             <a:stCxn id="44" idx="3"/>
             <a:endCxn id="45" idx="1"/>
           </p:cNvCxnSpPr>
@@ -13166,13 +11250,7 @@
       </p:cxnSp>
       <p:grpSp>
         <p:nvGrpSpPr>
-          <p:cNvPr id="66" name="组合 65">
-            <a:extLst>
-              <a:ext uri="{FF2B5EF4-FFF2-40B4-BE49-F238E27FC236}">
-                <a16:creationId xmlns:a16="http://schemas.microsoft.com/office/drawing/2014/main" id="{CCCF61C1-662D-41EE-8D13-E1062E50ED94}"/>
-              </a:ext>
-            </a:extLst>
-          </p:cNvPr>
+          <p:cNvPr id="66" name="组合 65"/>
           <p:cNvGrpSpPr/>
           <p:nvPr/>
         </p:nvGrpSpPr>
@@ -13186,13 +11264,7 @@
         </p:grpSpPr>
         <p:sp>
           <p:nvSpPr>
-            <p:cNvPr id="40" name="矩形: 圆角 39">
-              <a:extLst>
-                <a:ext uri="{FF2B5EF4-FFF2-40B4-BE49-F238E27FC236}">
-                  <a16:creationId xmlns:a16="http://schemas.microsoft.com/office/drawing/2014/main" id="{14BEC5FD-89BD-4FFA-9252-B5A9AE03098C}"/>
-                </a:ext>
-              </a:extLst>
-            </p:cNvPr>
+            <p:cNvPr id="40" name="矩形: 圆角 39"/>
             <p:cNvSpPr/>
             <p:nvPr/>
           </p:nvSpPr>
@@ -13244,13 +11316,7 @@
         </p:sp>
         <p:sp>
           <p:nvSpPr>
-            <p:cNvPr id="44" name="矩形: 圆角 43">
-              <a:extLst>
-                <a:ext uri="{FF2B5EF4-FFF2-40B4-BE49-F238E27FC236}">
-                  <a16:creationId xmlns:a16="http://schemas.microsoft.com/office/drawing/2014/main" id="{52AF8BC7-05E9-4FB0-A447-91A4CA8BB80F}"/>
-                </a:ext>
-              </a:extLst>
-            </p:cNvPr>
+            <p:cNvPr id="44" name="矩形: 圆角 43"/>
             <p:cNvSpPr/>
             <p:nvPr/>
           </p:nvSpPr>
@@ -13302,13 +11368,7 @@
         </p:sp>
         <p:sp>
           <p:nvSpPr>
-            <p:cNvPr id="46" name="矩形: 圆角 45">
-              <a:extLst>
-                <a:ext uri="{FF2B5EF4-FFF2-40B4-BE49-F238E27FC236}">
-                  <a16:creationId xmlns:a16="http://schemas.microsoft.com/office/drawing/2014/main" id="{027D0B6B-BDE6-43D8-A8D4-B8D5F8570C7A}"/>
-                </a:ext>
-              </a:extLst>
-            </p:cNvPr>
+            <p:cNvPr id="46" name="矩形: 圆角 45"/>
             <p:cNvSpPr/>
             <p:nvPr/>
           </p:nvSpPr>
@@ -13366,20 +11426,18 @@
                 </a:rPr>
                 <a:t>‘点击跳转’</a:t>
               </a:r>
+              <a:endParaRPr lang="zh-CN" altLang="en-US" dirty="0">
+                <a:solidFill>
+                  <a:schemeClr val="tx1"/>
+                </a:solidFill>
+              </a:endParaRPr>
             </a:p>
           </p:txBody>
         </p:sp>
         <p:cxnSp>
           <p:nvCxnSpPr>
-            <p:cNvPr id="55" name="直接连接符 54">
-              <a:extLst>
-                <a:ext uri="{FF2B5EF4-FFF2-40B4-BE49-F238E27FC236}">
-                  <a16:creationId xmlns:a16="http://schemas.microsoft.com/office/drawing/2014/main" id="{A62EAF49-1F95-4FA0-B9BB-D3765D46237E}"/>
-                </a:ext>
-              </a:extLst>
-            </p:cNvPr>
+            <p:cNvPr id="55" name="直接连接符 54"/>
             <p:cNvCxnSpPr>
-              <a:cxnSpLocks/>
               <a:stCxn id="44" idx="0"/>
               <a:endCxn id="40" idx="2"/>
             </p:cNvCxnSpPr>
@@ -13412,15 +11470,8 @@
         </p:cxnSp>
         <p:cxnSp>
           <p:nvCxnSpPr>
-            <p:cNvPr id="61" name="直接连接符 60">
-              <a:extLst>
-                <a:ext uri="{FF2B5EF4-FFF2-40B4-BE49-F238E27FC236}">
-                  <a16:creationId xmlns:a16="http://schemas.microsoft.com/office/drawing/2014/main" id="{4F406CFB-35B3-4152-A150-29B96082BD43}"/>
-                </a:ext>
-              </a:extLst>
-            </p:cNvPr>
+            <p:cNvPr id="61" name="直接连接符 60"/>
             <p:cNvCxnSpPr>
-              <a:cxnSpLocks/>
               <a:stCxn id="44" idx="2"/>
               <a:endCxn id="46" idx="0"/>
             </p:cNvCxnSpPr>
@@ -13453,11 +11504,6 @@
         </p:cxnSp>
       </p:grpSp>
     </p:spTree>
-    <p:extLst>
-      <p:ext uri="{BB962C8B-B14F-4D97-AF65-F5344CB8AC3E}">
-        <p14:creationId xmlns:p14="http://schemas.microsoft.com/office/powerpoint/2010/main" val="3082245147"/>
-      </p:ext>
-    </p:extLst>
   </p:cSld>
   <p:clrMapOvr>
     <a:masterClrMapping/>
@@ -13484,13 +11530,7 @@
       </p:grpSpPr>
       <p:sp>
         <p:nvSpPr>
-          <p:cNvPr id="4" name="矩形 3">
-            <a:extLst>
-              <a:ext uri="{FF2B5EF4-FFF2-40B4-BE49-F238E27FC236}">
-                <a16:creationId xmlns:a16="http://schemas.microsoft.com/office/drawing/2014/main" id="{99B7DF99-66DC-4BB4-9DD6-0AE70E9148DF}"/>
-              </a:ext>
-            </a:extLst>
-          </p:cNvPr>
+          <p:cNvPr id="4" name="矩形 3"/>
           <p:cNvSpPr/>
           <p:nvPr/>
         </p:nvSpPr>
@@ -13530,16 +11570,8 @@
       </p:sp>
       <p:cxnSp>
         <p:nvCxnSpPr>
-          <p:cNvPr id="9" name="直接连接符 8">
-            <a:extLst>
-              <a:ext uri="{FF2B5EF4-FFF2-40B4-BE49-F238E27FC236}">
-                <a16:creationId xmlns:a16="http://schemas.microsoft.com/office/drawing/2014/main" id="{69BAD70B-5B3A-44DC-B432-22DBC56E4881}"/>
-              </a:ext>
-            </a:extLst>
-          </p:cNvPr>
-          <p:cNvCxnSpPr>
-            <a:cxnSpLocks/>
-          </p:cNvCxnSpPr>
+          <p:cNvPr id="9" name="直接连接符 8"/>
+          <p:cNvCxnSpPr/>
           <p:nvPr/>
         </p:nvCxnSpPr>
         <p:spPr>
@@ -13569,16 +11601,8 @@
       </p:cxnSp>
       <p:cxnSp>
         <p:nvCxnSpPr>
-          <p:cNvPr id="10" name="直接连接符 9">
-            <a:extLst>
-              <a:ext uri="{FF2B5EF4-FFF2-40B4-BE49-F238E27FC236}">
-                <a16:creationId xmlns:a16="http://schemas.microsoft.com/office/drawing/2014/main" id="{BCF5D8CE-1413-490F-94BC-E4CFD5C1746F}"/>
-              </a:ext>
-            </a:extLst>
-          </p:cNvPr>
-          <p:cNvCxnSpPr>
-            <a:cxnSpLocks/>
-          </p:cNvCxnSpPr>
+          <p:cNvPr id="10" name="直接连接符 9"/>
+          <p:cNvCxnSpPr/>
           <p:nvPr/>
         </p:nvCxnSpPr>
         <p:spPr>
@@ -13608,13 +11632,7 @@
       </p:cxnSp>
       <p:cxnSp>
         <p:nvCxnSpPr>
-          <p:cNvPr id="12" name="直接箭头连接符 11">
-            <a:extLst>
-              <a:ext uri="{FF2B5EF4-FFF2-40B4-BE49-F238E27FC236}">
-                <a16:creationId xmlns:a16="http://schemas.microsoft.com/office/drawing/2014/main" id="{C306FC51-911F-4EAB-8D03-AFE6FF10842F}"/>
-              </a:ext>
-            </a:extLst>
-          </p:cNvPr>
+          <p:cNvPr id="12" name="直接箭头连接符 11"/>
           <p:cNvCxnSpPr/>
           <p:nvPr/>
         </p:nvCxnSpPr>
@@ -13647,13 +11665,7 @@
       </p:cxnSp>
       <p:cxnSp>
         <p:nvCxnSpPr>
-          <p:cNvPr id="14" name="直接箭头连接符 13">
-            <a:extLst>
-              <a:ext uri="{FF2B5EF4-FFF2-40B4-BE49-F238E27FC236}">
-                <a16:creationId xmlns:a16="http://schemas.microsoft.com/office/drawing/2014/main" id="{D4998E16-80B2-4974-8D2B-53DDD9C975DC}"/>
-              </a:ext>
-            </a:extLst>
-          </p:cNvPr>
+          <p:cNvPr id="14" name="直接箭头连接符 13"/>
           <p:cNvCxnSpPr/>
           <p:nvPr/>
         </p:nvCxnSpPr>
@@ -13686,13 +11698,7 @@
       </p:cxnSp>
       <p:sp>
         <p:nvSpPr>
-          <p:cNvPr id="17" name="矩形 16">
-            <a:extLst>
-              <a:ext uri="{FF2B5EF4-FFF2-40B4-BE49-F238E27FC236}">
-                <a16:creationId xmlns:a16="http://schemas.microsoft.com/office/drawing/2014/main" id="{3CFE5B02-1984-44C1-94B2-6DAF255B240D}"/>
-              </a:ext>
-            </a:extLst>
-          </p:cNvPr>
+          <p:cNvPr id="17" name="矩形 16"/>
           <p:cNvSpPr/>
           <p:nvPr/>
         </p:nvSpPr>
@@ -13748,16 +11754,8 @@
       </p:sp>
       <p:cxnSp>
         <p:nvCxnSpPr>
-          <p:cNvPr id="18" name="直接连接符 17">
-            <a:extLst>
-              <a:ext uri="{FF2B5EF4-FFF2-40B4-BE49-F238E27FC236}">
-                <a16:creationId xmlns:a16="http://schemas.microsoft.com/office/drawing/2014/main" id="{14C56073-939F-4B64-BC71-646A45B0336E}"/>
-              </a:ext>
-            </a:extLst>
-          </p:cNvPr>
-          <p:cNvCxnSpPr>
-            <a:cxnSpLocks/>
-          </p:cNvCxnSpPr>
+          <p:cNvPr id="18" name="直接连接符 17"/>
+          <p:cNvCxnSpPr/>
           <p:nvPr/>
         </p:nvCxnSpPr>
         <p:spPr>
@@ -13787,16 +11785,8 @@
       </p:cxnSp>
       <p:cxnSp>
         <p:nvCxnSpPr>
-          <p:cNvPr id="19" name="直接连接符 18">
-            <a:extLst>
-              <a:ext uri="{FF2B5EF4-FFF2-40B4-BE49-F238E27FC236}">
-                <a16:creationId xmlns:a16="http://schemas.microsoft.com/office/drawing/2014/main" id="{04EF4879-6E52-4817-AE9C-A3CF942EBCA2}"/>
-              </a:ext>
-            </a:extLst>
-          </p:cNvPr>
-          <p:cNvCxnSpPr>
-            <a:cxnSpLocks/>
-          </p:cNvCxnSpPr>
+          <p:cNvPr id="19" name="直接连接符 18"/>
+          <p:cNvCxnSpPr/>
           <p:nvPr/>
         </p:nvCxnSpPr>
         <p:spPr>
@@ -13826,13 +11816,7 @@
       </p:cxnSp>
       <p:sp>
         <p:nvSpPr>
-          <p:cNvPr id="21" name="文本框 20">
-            <a:extLst>
-              <a:ext uri="{FF2B5EF4-FFF2-40B4-BE49-F238E27FC236}">
-                <a16:creationId xmlns:a16="http://schemas.microsoft.com/office/drawing/2014/main" id="{8550E350-2BA0-475F-B772-2EBC1702E008}"/>
-              </a:ext>
-            </a:extLst>
-          </p:cNvPr>
+          <p:cNvPr id="21" name="文本框 20"/>
           <p:cNvSpPr txBox="1"/>
           <p:nvPr/>
         </p:nvSpPr>
@@ -13859,21 +11843,17 @@
               </a:rPr>
               <a:t>dom.scrollTop</a:t>
             </a:r>
+            <a:endParaRPr lang="zh-CN" altLang="en-US" b="1" dirty="0">
+              <a:latin typeface="微软雅黑" panose="020B0503020204020204" pitchFamily="34" charset="-122"/>
+              <a:ea typeface="微软雅黑" panose="020B0503020204020204" pitchFamily="34" charset="-122"/>
+            </a:endParaRPr>
           </a:p>
         </p:txBody>
       </p:sp>
       <p:cxnSp>
         <p:nvCxnSpPr>
-          <p:cNvPr id="23" name="直接箭头连接符 22">
-            <a:extLst>
-              <a:ext uri="{FF2B5EF4-FFF2-40B4-BE49-F238E27FC236}">
-                <a16:creationId xmlns:a16="http://schemas.microsoft.com/office/drawing/2014/main" id="{D636FD2D-DA8F-49BC-92AD-FDA6DA19FED7}"/>
-              </a:ext>
-            </a:extLst>
-          </p:cNvPr>
-          <p:cNvCxnSpPr>
-            <a:cxnSpLocks/>
-          </p:cNvCxnSpPr>
+          <p:cNvPr id="23" name="直接箭头连接符 22"/>
+          <p:cNvCxnSpPr/>
           <p:nvPr/>
         </p:nvCxnSpPr>
         <p:spPr>
@@ -13905,16 +11885,8 @@
       </p:cxnSp>
       <p:cxnSp>
         <p:nvCxnSpPr>
-          <p:cNvPr id="27" name="直接箭头连接符 26">
-            <a:extLst>
-              <a:ext uri="{FF2B5EF4-FFF2-40B4-BE49-F238E27FC236}">
-                <a16:creationId xmlns:a16="http://schemas.microsoft.com/office/drawing/2014/main" id="{C133B364-7E1D-4C74-96B4-FCC90F9CBC25}"/>
-              </a:ext>
-            </a:extLst>
-          </p:cNvPr>
-          <p:cNvCxnSpPr>
-            <a:cxnSpLocks/>
-          </p:cNvCxnSpPr>
+          <p:cNvPr id="27" name="直接箭头连接符 26"/>
+          <p:cNvCxnSpPr/>
           <p:nvPr/>
         </p:nvCxnSpPr>
         <p:spPr>
@@ -13946,13 +11918,7 @@
       </p:cxnSp>
       <p:sp>
         <p:nvSpPr>
-          <p:cNvPr id="30" name="文本框 29">
-            <a:extLst>
-              <a:ext uri="{FF2B5EF4-FFF2-40B4-BE49-F238E27FC236}">
-                <a16:creationId xmlns:a16="http://schemas.microsoft.com/office/drawing/2014/main" id="{898C6ECD-A2BD-46B5-A036-37FD8386CD08}"/>
-              </a:ext>
-            </a:extLst>
-          </p:cNvPr>
+          <p:cNvPr id="30" name="文本框 29"/>
           <p:cNvSpPr txBox="1"/>
           <p:nvPr/>
         </p:nvSpPr>
@@ -13986,7 +11952,6 @@
               <a:buSzTx/>
               <a:buFontTx/>
               <a:buNone/>
-              <a:tabLst/>
             </a:pPr>
             <a:r>
               <a:rPr lang="zh-CN" altLang="zh-CN" b="1" dirty="0">
@@ -13995,20 +11960,17 @@
               </a:rPr>
               <a:t>dom.scrollWidth </a:t>
             </a:r>
+            <a:endParaRPr lang="zh-CN" altLang="zh-CN" b="1" dirty="0">
+              <a:latin typeface="微软雅黑" panose="020B0503020204020204" pitchFamily="34" charset="-122"/>
+              <a:ea typeface="微软雅黑" panose="020B0503020204020204" pitchFamily="34" charset="-122"/>
+            </a:endParaRPr>
           </a:p>
         </p:txBody>
       </p:sp>
       <p:cxnSp>
         <p:nvCxnSpPr>
-          <p:cNvPr id="37" name="直接箭头连接符 36">
-            <a:extLst>
-              <a:ext uri="{FF2B5EF4-FFF2-40B4-BE49-F238E27FC236}">
-                <a16:creationId xmlns:a16="http://schemas.microsoft.com/office/drawing/2014/main" id="{354C143D-57D6-4694-A9D7-0A0769E61ACC}"/>
-              </a:ext>
-            </a:extLst>
-          </p:cNvPr>
+          <p:cNvPr id="37" name="直接箭头连接符 36"/>
           <p:cNvCxnSpPr>
-            <a:cxnSpLocks/>
             <a:stCxn id="17" idx="0"/>
           </p:cNvCxnSpPr>
           <p:nvPr/>
@@ -14042,15 +12004,8 @@
       </p:cxnSp>
       <p:cxnSp>
         <p:nvCxnSpPr>
-          <p:cNvPr id="40" name="直接箭头连接符 39">
-            <a:extLst>
-              <a:ext uri="{FF2B5EF4-FFF2-40B4-BE49-F238E27FC236}">
-                <a16:creationId xmlns:a16="http://schemas.microsoft.com/office/drawing/2014/main" id="{2A3A0E97-5090-48B4-9ACA-A49346E0AAED}"/>
-              </a:ext>
-            </a:extLst>
-          </p:cNvPr>
+          <p:cNvPr id="40" name="直接箭头连接符 39"/>
           <p:cNvCxnSpPr>
-            <a:cxnSpLocks/>
             <a:stCxn id="17" idx="2"/>
           </p:cNvCxnSpPr>
           <p:nvPr/>
@@ -14084,13 +12039,7 @@
       </p:cxnSp>
       <p:sp>
         <p:nvSpPr>
-          <p:cNvPr id="45" name="矩形 44">
-            <a:extLst>
-              <a:ext uri="{FF2B5EF4-FFF2-40B4-BE49-F238E27FC236}">
-                <a16:creationId xmlns:a16="http://schemas.microsoft.com/office/drawing/2014/main" id="{D485A6D7-0A97-4991-B3AC-1DE617667B72}"/>
-              </a:ext>
-            </a:extLst>
-          </p:cNvPr>
+          <p:cNvPr id="45" name="矩形 44"/>
           <p:cNvSpPr/>
           <p:nvPr/>
         </p:nvSpPr>
@@ -14129,11 +12078,6 @@
         </p:txBody>
       </p:sp>
     </p:spTree>
-    <p:extLst>
-      <p:ext uri="{BB962C8B-B14F-4D97-AF65-F5344CB8AC3E}">
-        <p14:creationId xmlns:p14="http://schemas.microsoft.com/office/powerpoint/2010/main" val="2957822337"/>
-      </p:ext>
-    </p:extLst>
   </p:cSld>
   <p:clrMapOvr>
     <a:masterClrMapping/>
@@ -14160,13 +12104,7 @@
       </p:grpSpPr>
       <p:sp>
         <p:nvSpPr>
-          <p:cNvPr id="4" name="矩形: 圆角 3">
-            <a:extLst>
-              <a:ext uri="{FF2B5EF4-FFF2-40B4-BE49-F238E27FC236}">
-                <a16:creationId xmlns:a16="http://schemas.microsoft.com/office/drawing/2014/main" id="{654685C2-4B3B-F32B-0AFD-CF40DE8EC0DF}"/>
-              </a:ext>
-            </a:extLst>
-          </p:cNvPr>
+          <p:cNvPr id="4" name="矩形: 圆角 3"/>
           <p:cNvSpPr/>
           <p:nvPr/>
         </p:nvSpPr>
@@ -14214,13 +12152,7 @@
       </p:sp>
       <p:sp>
         <p:nvSpPr>
-          <p:cNvPr id="5" name="矩形: 圆角 4">
-            <a:extLst>
-              <a:ext uri="{FF2B5EF4-FFF2-40B4-BE49-F238E27FC236}">
-                <a16:creationId xmlns:a16="http://schemas.microsoft.com/office/drawing/2014/main" id="{31C01FEA-0161-41C6-B1C7-9ED8370E7959}"/>
-              </a:ext>
-            </a:extLst>
-          </p:cNvPr>
+          <p:cNvPr id="5" name="矩形: 圆角 4"/>
           <p:cNvSpPr/>
           <p:nvPr/>
         </p:nvSpPr>
@@ -14272,13 +12204,7 @@
       </p:sp>
       <p:cxnSp>
         <p:nvCxnSpPr>
-          <p:cNvPr id="6" name="直接箭头连接符 5">
-            <a:extLst>
-              <a:ext uri="{FF2B5EF4-FFF2-40B4-BE49-F238E27FC236}">
-                <a16:creationId xmlns:a16="http://schemas.microsoft.com/office/drawing/2014/main" id="{0802BF8A-0CAE-AF9C-D476-0C8F433397DC}"/>
-              </a:ext>
-            </a:extLst>
-          </p:cNvPr>
+          <p:cNvPr id="6" name="直接箭头连接符 5"/>
           <p:cNvCxnSpPr/>
           <p:nvPr/>
         </p:nvCxnSpPr>
@@ -14311,13 +12237,7 @@
       </p:cxnSp>
       <p:sp>
         <p:nvSpPr>
-          <p:cNvPr id="7" name="文本框 6">
-            <a:extLst>
-              <a:ext uri="{FF2B5EF4-FFF2-40B4-BE49-F238E27FC236}">
-                <a16:creationId xmlns:a16="http://schemas.microsoft.com/office/drawing/2014/main" id="{A50B5F0D-8379-DEBB-63BC-0CA706071962}"/>
-              </a:ext>
-            </a:extLst>
-          </p:cNvPr>
+          <p:cNvPr id="7" name="文本框 6"/>
           <p:cNvSpPr txBox="1"/>
           <p:nvPr/>
         </p:nvSpPr>
@@ -14347,13 +12267,7 @@
       </p:sp>
       <p:sp>
         <p:nvSpPr>
-          <p:cNvPr id="8" name="文本框 7">
-            <a:extLst>
-              <a:ext uri="{FF2B5EF4-FFF2-40B4-BE49-F238E27FC236}">
-                <a16:creationId xmlns:a16="http://schemas.microsoft.com/office/drawing/2014/main" id="{4CC08CBD-D0F6-7C80-0FD4-AC818FACCB0C}"/>
-              </a:ext>
-            </a:extLst>
-          </p:cNvPr>
+          <p:cNvPr id="8" name="文本框 7"/>
           <p:cNvSpPr txBox="1"/>
           <p:nvPr/>
         </p:nvSpPr>
@@ -14383,13 +12297,7 @@
       </p:sp>
       <p:cxnSp>
         <p:nvCxnSpPr>
-          <p:cNvPr id="9" name="直接箭头连接符 8">
-            <a:extLst>
-              <a:ext uri="{FF2B5EF4-FFF2-40B4-BE49-F238E27FC236}">
-                <a16:creationId xmlns:a16="http://schemas.microsoft.com/office/drawing/2014/main" id="{021292A9-C8F3-4538-FE9E-E8F93E1289F4}"/>
-              </a:ext>
-            </a:extLst>
-          </p:cNvPr>
+          <p:cNvPr id="9" name="直接箭头连接符 8"/>
           <p:cNvCxnSpPr/>
           <p:nvPr/>
         </p:nvCxnSpPr>
@@ -14423,16 +12331,8 @@
       </p:cxnSp>
       <p:cxnSp>
         <p:nvCxnSpPr>
-          <p:cNvPr id="10" name="直接箭头连接符 9">
-            <a:extLst>
-              <a:ext uri="{FF2B5EF4-FFF2-40B4-BE49-F238E27FC236}">
-                <a16:creationId xmlns:a16="http://schemas.microsoft.com/office/drawing/2014/main" id="{9F6D66C0-9E5D-60AD-A828-2966F8E2D614}"/>
-              </a:ext>
-            </a:extLst>
-          </p:cNvPr>
-          <p:cNvCxnSpPr>
-            <a:cxnSpLocks/>
-          </p:cNvCxnSpPr>
+          <p:cNvPr id="10" name="直接箭头连接符 9"/>
+          <p:cNvCxnSpPr/>
           <p:nvPr/>
         </p:nvCxnSpPr>
         <p:spPr>
@@ -14464,13 +12364,7 @@
       </p:cxnSp>
       <p:sp>
         <p:nvSpPr>
-          <p:cNvPr id="11" name="文本框 10">
-            <a:extLst>
-              <a:ext uri="{FF2B5EF4-FFF2-40B4-BE49-F238E27FC236}">
-                <a16:creationId xmlns:a16="http://schemas.microsoft.com/office/drawing/2014/main" id="{D65F06B3-87EC-9360-B611-86FF686D8490}"/>
-              </a:ext>
-            </a:extLst>
-          </p:cNvPr>
+          <p:cNvPr id="11" name="文本框 10"/>
           <p:cNvSpPr txBox="1"/>
           <p:nvPr/>
         </p:nvSpPr>
@@ -14500,16 +12394,8 @@
       </p:sp>
       <p:cxnSp>
         <p:nvCxnSpPr>
-          <p:cNvPr id="12" name="直接箭头连接符 11">
-            <a:extLst>
-              <a:ext uri="{FF2B5EF4-FFF2-40B4-BE49-F238E27FC236}">
-                <a16:creationId xmlns:a16="http://schemas.microsoft.com/office/drawing/2014/main" id="{32B94CA2-5214-2FA0-02C0-CD3148A8BEBA}"/>
-              </a:ext>
-            </a:extLst>
-          </p:cNvPr>
-          <p:cNvCxnSpPr>
-            <a:cxnSpLocks/>
-          </p:cNvCxnSpPr>
+          <p:cNvPr id="12" name="直接箭头连接符 11"/>
+          <p:cNvCxnSpPr/>
           <p:nvPr/>
         </p:nvCxnSpPr>
         <p:spPr>
@@ -14542,13 +12428,7 @@
       </p:cxnSp>
       <p:sp>
         <p:nvSpPr>
-          <p:cNvPr id="13" name="文本框 12">
-            <a:extLst>
-              <a:ext uri="{FF2B5EF4-FFF2-40B4-BE49-F238E27FC236}">
-                <a16:creationId xmlns:a16="http://schemas.microsoft.com/office/drawing/2014/main" id="{14B49021-E276-6135-F1C5-F3056139EE47}"/>
-              </a:ext>
-            </a:extLst>
-          </p:cNvPr>
+          <p:cNvPr id="13" name="文本框 12"/>
           <p:cNvSpPr txBox="1"/>
           <p:nvPr/>
         </p:nvSpPr>
@@ -14578,13 +12458,7 @@
       </p:sp>
       <p:sp>
         <p:nvSpPr>
-          <p:cNvPr id="14" name="矩形: 圆角 13">
-            <a:extLst>
-              <a:ext uri="{FF2B5EF4-FFF2-40B4-BE49-F238E27FC236}">
-                <a16:creationId xmlns:a16="http://schemas.microsoft.com/office/drawing/2014/main" id="{9350B252-8520-C2A0-ED14-059FCA74F350}"/>
-              </a:ext>
-            </a:extLst>
-          </p:cNvPr>
+          <p:cNvPr id="14" name="矩形: 圆角 13"/>
           <p:cNvSpPr/>
           <p:nvPr/>
         </p:nvSpPr>
@@ -14643,16 +12517,17 @@
         </p:txBody>
       </p:sp>
     </p:spTree>
-    <p:extLst>
-      <p:ext uri="{BB962C8B-B14F-4D97-AF65-F5344CB8AC3E}">
-        <p14:creationId xmlns:p14="http://schemas.microsoft.com/office/powerpoint/2010/main" val="3002086764"/>
-      </p:ext>
-    </p:extLst>
   </p:cSld>
   <p:clrMapOvr>
     <a:masterClrMapping/>
   </p:clrMapOvr>
 </p:sld>
+</file>
+
+<file path=ppt/tags/tag1.xml><?xml version="1.0" encoding="utf-8"?>
+<p:tagLst xmlns:p="http://schemas.openxmlformats.org/presentationml/2006/main">
+  <p:tag name="COMMONDATA" val="eyJoZGlkIjoiYWI2OGU5ZjBiY2JhNWU5YzYxNmJlYTQ1YzUxYzY1NjIifQ=="/>
+</p:tagLst>
 </file>
 
 <file path=ppt/theme/theme1.xml><?xml version="1.0" encoding="utf-8"?>
@@ -14698,7 +12573,7 @@
     </a:clrScheme>
     <a:fontScheme name="Office">
       <a:majorFont>
-        <a:latin typeface="等线 Light" panose="020F0302020204030204"/>
+        <a:latin typeface="等线 Light"/>
         <a:ea typeface=""/>
         <a:cs typeface=""/>
         <a:font script="Jpan" typeface="游ゴシック Light"/>
@@ -14731,26 +12606,9 @@
         <a:font script="Viet" typeface="Times New Roman"/>
         <a:font script="Uigh" typeface="Microsoft Uighur"/>
         <a:font script="Geor" typeface="Sylfaen"/>
-        <a:font script="Armn" typeface="Arial"/>
-        <a:font script="Bugi" typeface="Leelawadee UI"/>
-        <a:font script="Bopo" typeface="Microsoft JhengHei"/>
-        <a:font script="Java" typeface="Javanese Text"/>
-        <a:font script="Lisu" typeface="Segoe UI"/>
-        <a:font script="Mymr" typeface="Myanmar Text"/>
-        <a:font script="Nkoo" typeface="Ebrima"/>
-        <a:font script="Olck" typeface="Nirmala UI"/>
-        <a:font script="Osma" typeface="Ebrima"/>
-        <a:font script="Phag" typeface="Phagspa"/>
-        <a:font script="Syrn" typeface="Estrangelo Edessa"/>
-        <a:font script="Syrj" typeface="Estrangelo Edessa"/>
-        <a:font script="Syre" typeface="Estrangelo Edessa"/>
-        <a:font script="Sora" typeface="Nirmala UI"/>
-        <a:font script="Tale" typeface="Microsoft Tai Le"/>
-        <a:font script="Talu" typeface="Microsoft New Tai Lue"/>
-        <a:font script="Tfng" typeface="Ebrima"/>
       </a:majorFont>
       <a:minorFont>
-        <a:latin typeface="等线" panose="020F0502020204030204"/>
+        <a:latin typeface="等线"/>
         <a:ea typeface=""/>
         <a:cs typeface=""/>
         <a:font script="Jpan" typeface="游ゴシック"/>
@@ -14783,23 +12641,6 @@
         <a:font script="Viet" typeface="Arial"/>
         <a:font script="Uigh" typeface="Microsoft Uighur"/>
         <a:font script="Geor" typeface="Sylfaen"/>
-        <a:font script="Armn" typeface="Arial"/>
-        <a:font script="Bugi" typeface="Leelawadee UI"/>
-        <a:font script="Bopo" typeface="Microsoft JhengHei"/>
-        <a:font script="Java" typeface="Javanese Text"/>
-        <a:font script="Lisu" typeface="Segoe UI"/>
-        <a:font script="Mymr" typeface="Myanmar Text"/>
-        <a:font script="Nkoo" typeface="Ebrima"/>
-        <a:font script="Olck" typeface="Nirmala UI"/>
-        <a:font script="Osma" typeface="Ebrima"/>
-        <a:font script="Phag" typeface="Phagspa"/>
-        <a:font script="Syrn" typeface="Estrangelo Edessa"/>
-        <a:font script="Syrj" typeface="Estrangelo Edessa"/>
-        <a:font script="Syre" typeface="Estrangelo Edessa"/>
-        <a:font script="Sora" typeface="Nirmala UI"/>
-        <a:font script="Tale" typeface="Microsoft Tai Le"/>
-        <a:font script="Talu" typeface="Microsoft New Tai Lue"/>
-        <a:font script="Tfng" typeface="Ebrima"/>
       </a:minorFont>
     </a:fontScheme>
     <a:fmtScheme name="Office">
@@ -14940,8 +12781,6 @@
       </a:bgFillStyleLst>
     </a:fmtScheme>
   </a:themeElements>
-  <a:objectDefaults/>
-  <a:extraClrSchemeLst/>
   <a:extLst>
     <a:ext uri="{05A4C25C-085E-4340-85A3-A5531E510DB2}">
       <thm15:themeFamily xmlns:thm15="http://schemas.microsoft.com/office/thememl/2012/main" name="Office Theme" id="{62F939B6-93AF-4DB8-9C6B-D6C7DFDC589F}" vid="{4A3C46E8-61CC-4603-A589-7422A47A8E4A}"/>
